--- a/images_originals/vorlagen_zur_Überarbeitung/Abb.6.7_Annotationsebenen_Belebtheit.pptx
+++ b/images_originals/vorlagen_zur_Überarbeitung/Abb.6.7_Annotationsebenen_Belebtheit.pptx
@@ -1,120 +1,17 @@
 
 <file path=ppt/presentation.xml><?xml version="1.0" encoding="utf-8"?>
-<p:presentation xmlns:a="http://schemas.openxmlformats.org/drawingml/2006/main" xmlns:r="http://schemas.openxmlformats.org/officeDocument/2006/relationships" xmlns:p="http://schemas.openxmlformats.org/presentationml/2006/main" saveSubsetFonts="1">
+<p:presentation xmlns:a="http://schemas.openxmlformats.org/drawingml/2006/main" xmlns:p="http://schemas.openxmlformats.org/presentationml/2006/main" xmlns:r="http://schemas.openxmlformats.org/officeDocument/2006/relationships" xmlns:p14="http://schemas.microsoft.com/office/powerpoint/2010/main" xmlns:p15="http://schemas.microsoft.com/office/powerpoint/2012/main" xmlns:mc="http://schemas.openxmlformats.org/markup-compatibility/2006">
   <p:sldMasterIdLst>
-    <p:sldMasterId id="2147483660" r:id="rId1"/>
+    <p:sldMasterId id="2147483648" r:id="rId2"/>
   </p:sldMasterIdLst>
   <p:notesMasterIdLst>
     <p:notesMasterId r:id="rId3"/>
   </p:notesMasterIdLst>
   <p:sldIdLst>
-    <p:sldId id="258" r:id="rId2"/>
+    <p:sldId id="256" r:id="rId4"/>
   </p:sldIdLst>
-  <p:sldSz cx="9144000" cy="6858000" type="screen4x3"/>
+  <p:sldSz cx="9144000" cy="6858000"/>
   <p:notesSz cx="6858000" cy="9144000"/>
-  <p:custDataLst>
-    <p:tags r:id="rId4"/>
-  </p:custDataLst>
-  <p:defaultTextStyle>
-    <a:defPPr>
-      <a:defRPr lang="en-US"/>
-    </a:defPPr>
-    <a:lvl1pPr marL="0" algn="l" defTabSz="457200" rtl="0" eaLnBrk="1" latinLnBrk="0" hangingPunct="1">
-      <a:defRPr sz="1800" kern="1200">
-        <a:solidFill>
-          <a:schemeClr val="tx1"/>
-        </a:solidFill>
-        <a:latin typeface="+mn-lt"/>
-        <a:ea typeface="+mn-ea"/>
-        <a:cs typeface="+mn-cs"/>
-      </a:defRPr>
-    </a:lvl1pPr>
-    <a:lvl2pPr marL="457200" algn="l" defTabSz="457200" rtl="0" eaLnBrk="1" latinLnBrk="0" hangingPunct="1">
-      <a:defRPr sz="1800" kern="1200">
-        <a:solidFill>
-          <a:schemeClr val="tx1"/>
-        </a:solidFill>
-        <a:latin typeface="+mn-lt"/>
-        <a:ea typeface="+mn-ea"/>
-        <a:cs typeface="+mn-cs"/>
-      </a:defRPr>
-    </a:lvl2pPr>
-    <a:lvl3pPr marL="914400" algn="l" defTabSz="457200" rtl="0" eaLnBrk="1" latinLnBrk="0" hangingPunct="1">
-      <a:defRPr sz="1800" kern="1200">
-        <a:solidFill>
-          <a:schemeClr val="tx1"/>
-        </a:solidFill>
-        <a:latin typeface="+mn-lt"/>
-        <a:ea typeface="+mn-ea"/>
-        <a:cs typeface="+mn-cs"/>
-      </a:defRPr>
-    </a:lvl3pPr>
-    <a:lvl4pPr marL="1371600" algn="l" defTabSz="457200" rtl="0" eaLnBrk="1" latinLnBrk="0" hangingPunct="1">
-      <a:defRPr sz="1800" kern="1200">
-        <a:solidFill>
-          <a:schemeClr val="tx1"/>
-        </a:solidFill>
-        <a:latin typeface="+mn-lt"/>
-        <a:ea typeface="+mn-ea"/>
-        <a:cs typeface="+mn-cs"/>
-      </a:defRPr>
-    </a:lvl4pPr>
-    <a:lvl5pPr marL="1828800" algn="l" defTabSz="457200" rtl="0" eaLnBrk="1" latinLnBrk="0" hangingPunct="1">
-      <a:defRPr sz="1800" kern="1200">
-        <a:solidFill>
-          <a:schemeClr val="tx1"/>
-        </a:solidFill>
-        <a:latin typeface="+mn-lt"/>
-        <a:ea typeface="+mn-ea"/>
-        <a:cs typeface="+mn-cs"/>
-      </a:defRPr>
-    </a:lvl5pPr>
-    <a:lvl6pPr marL="2286000" algn="l" defTabSz="457200" rtl="0" eaLnBrk="1" latinLnBrk="0" hangingPunct="1">
-      <a:defRPr sz="1800" kern="1200">
-        <a:solidFill>
-          <a:schemeClr val="tx1"/>
-        </a:solidFill>
-        <a:latin typeface="+mn-lt"/>
-        <a:ea typeface="+mn-ea"/>
-        <a:cs typeface="+mn-cs"/>
-      </a:defRPr>
-    </a:lvl6pPr>
-    <a:lvl7pPr marL="2743200" algn="l" defTabSz="457200" rtl="0" eaLnBrk="1" latinLnBrk="0" hangingPunct="1">
-      <a:defRPr sz="1800" kern="1200">
-        <a:solidFill>
-          <a:schemeClr val="tx1"/>
-        </a:solidFill>
-        <a:latin typeface="+mn-lt"/>
-        <a:ea typeface="+mn-ea"/>
-        <a:cs typeface="+mn-cs"/>
-      </a:defRPr>
-    </a:lvl7pPr>
-    <a:lvl8pPr marL="3200400" algn="l" defTabSz="457200" rtl="0" eaLnBrk="1" latinLnBrk="0" hangingPunct="1">
-      <a:defRPr sz="1800" kern="1200">
-        <a:solidFill>
-          <a:schemeClr val="tx1"/>
-        </a:solidFill>
-        <a:latin typeface="+mn-lt"/>
-        <a:ea typeface="+mn-ea"/>
-        <a:cs typeface="+mn-cs"/>
-      </a:defRPr>
-    </a:lvl8pPr>
-    <a:lvl9pPr marL="3657600" algn="l" defTabSz="457200" rtl="0" eaLnBrk="1" latinLnBrk="0" hangingPunct="1">
-      <a:defRPr sz="1800" kern="1200">
-        <a:solidFill>
-          <a:schemeClr val="tx1"/>
-        </a:solidFill>
-        <a:latin typeface="+mn-lt"/>
-        <a:ea typeface="+mn-ea"/>
-        <a:cs typeface="+mn-cs"/>
-      </a:defRPr>
-    </a:lvl9pPr>
-  </p:defaultTextStyle>
-  <p:extLst>
-    <p:ext uri="{EFAFB233-063F-42B5-8137-9DF3F51BA10A}">
-      <p15:sldGuideLst xmlns:p15="http://schemas.microsoft.com/office/powerpoint/2012/main"/>
-    </p:ext>
-  </p:extLst>
 </p:presentation>
 </file>
 
@@ -3181,7 +3078,7 @@
   <dgm:whole/>
   <dgm:extLst>
     <a:ext uri="http://schemas.microsoft.com/office/drawing/2008/diagram">
-      <dsp:dataModelExt xmlns:dsp="http://schemas.microsoft.com/office/drawing/2008/diagram" relId="rId8" minVer="http://schemas.openxmlformats.org/drawingml/2006/diagram"/>
+      <dsp:dataModelExt xmlns:dsp="http://schemas.microsoft.com/office/drawing/2008/diagram" relId="rId5" minVer="http://schemas.openxmlformats.org/drawingml/2006/diagram"/>
     </a:ext>
   </dgm:extLst>
 </dgm:dataModel>
@@ -10042,356 +9939,7 @@
 </file>
 
 <file path=ppt/notesMasters/notesMaster1.xml><?xml version="1.0" encoding="utf-8"?>
-<p:notesMaster xmlns:a="http://schemas.openxmlformats.org/drawingml/2006/main" xmlns:r="http://schemas.openxmlformats.org/officeDocument/2006/relationships" xmlns:p="http://schemas.openxmlformats.org/presentationml/2006/main">
-  <p:cSld>
-    <p:bg>
-      <p:bgRef idx="1001">
-        <a:schemeClr val="bg1"/>
-      </p:bgRef>
-    </p:bg>
-    <p:spTree>
-      <p:nvGrpSpPr>
-        <p:cNvPr id="1" name=""/>
-        <p:cNvGrpSpPr/>
-        <p:nvPr/>
-      </p:nvGrpSpPr>
-      <p:grpSpPr>
-        <a:xfrm>
-          <a:off x="0" y="0"/>
-          <a:ext cx="0" cy="0"/>
-          <a:chOff x="0" y="0"/>
-          <a:chExt cx="0" cy="0"/>
-        </a:xfrm>
-      </p:grpSpPr>
-      <p:sp>
-        <p:nvSpPr>
-          <p:cNvPr id="2" name="Kopfzeilenplatzhalter 1"/>
-          <p:cNvSpPr>
-            <a:spLocks noGrp="1"/>
-          </p:cNvSpPr>
-          <p:nvPr>
-            <p:ph type="hdr" sz="quarter"/>
-          </p:nvPr>
-        </p:nvSpPr>
-        <p:spPr>
-          <a:xfrm>
-            <a:off x="0" y="0"/>
-            <a:ext cx="2971800" cy="458788"/>
-          </a:xfrm>
-          <a:prstGeom prst="rect">
-            <a:avLst/>
-          </a:prstGeom>
-        </p:spPr>
-        <p:txBody>
-          <a:bodyPr vert="horz" lIns="91440" tIns="45720" rIns="91440" bIns="45720" rtlCol="0"/>
-          <a:lstStyle>
-            <a:lvl1pPr algn="l">
-              <a:defRPr sz="1200"/>
-            </a:lvl1pPr>
-          </a:lstStyle>
-          <a:p>
-            <a:endParaRPr lang="de-DE"/>
-          </a:p>
-        </p:txBody>
-      </p:sp>
-      <p:sp>
-        <p:nvSpPr>
-          <p:cNvPr id="3" name="Datumsplatzhalter 2"/>
-          <p:cNvSpPr>
-            <a:spLocks noGrp="1"/>
-          </p:cNvSpPr>
-          <p:nvPr>
-            <p:ph type="dt" idx="1"/>
-          </p:nvPr>
-        </p:nvSpPr>
-        <p:spPr>
-          <a:xfrm>
-            <a:off x="3884613" y="0"/>
-            <a:ext cx="2971800" cy="458788"/>
-          </a:xfrm>
-          <a:prstGeom prst="rect">
-            <a:avLst/>
-          </a:prstGeom>
-        </p:spPr>
-        <p:txBody>
-          <a:bodyPr vert="horz" lIns="91440" tIns="45720" rIns="91440" bIns="45720" rtlCol="0"/>
-          <a:lstStyle>
-            <a:lvl1pPr algn="r">
-              <a:defRPr sz="1200"/>
-            </a:lvl1pPr>
-          </a:lstStyle>
-          <a:p>
-            <a:fld id="{80FB8406-9CC1-4588-BCF5-3C43FDE45BDE}" type="datetimeFigureOut">
-              <a:rPr lang="de-DE" smtClean="0"/>
-              <a:t>31.05.2020</a:t>
-            </a:fld>
-            <a:endParaRPr lang="de-DE"/>
-          </a:p>
-        </p:txBody>
-      </p:sp>
-      <p:sp>
-        <p:nvSpPr>
-          <p:cNvPr id="4" name="Folienbildplatzhalter 3"/>
-          <p:cNvSpPr>
-            <a:spLocks noGrp="1" noRot="1" noChangeAspect="1"/>
-          </p:cNvSpPr>
-          <p:nvPr>
-            <p:ph type="sldImg" idx="2"/>
-          </p:nvPr>
-        </p:nvSpPr>
-        <p:spPr>
-          <a:xfrm>
-            <a:off x="1371600" y="1143000"/>
-            <a:ext cx="4114800" cy="3086100"/>
-          </a:xfrm>
-          <a:prstGeom prst="rect">
-            <a:avLst/>
-          </a:prstGeom>
-          <a:noFill/>
-          <a:ln w="12700">
-            <a:solidFill>
-              <a:prstClr val="black"/>
-            </a:solidFill>
-          </a:ln>
-        </p:spPr>
-        <p:txBody>
-          <a:bodyPr vert="horz" lIns="91440" tIns="45720" rIns="91440" bIns="45720" rtlCol="0" anchor="ctr"/>
-          <a:lstStyle/>
-          <a:p>
-            <a:endParaRPr lang="de-DE"/>
-          </a:p>
-        </p:txBody>
-      </p:sp>
-      <p:sp>
-        <p:nvSpPr>
-          <p:cNvPr id="5" name="Notizenplatzhalter 4"/>
-          <p:cNvSpPr>
-            <a:spLocks noGrp="1"/>
-          </p:cNvSpPr>
-          <p:nvPr>
-            <p:ph type="body" sz="quarter" idx="3"/>
-          </p:nvPr>
-        </p:nvSpPr>
-        <p:spPr>
-          <a:xfrm>
-            <a:off x="685800" y="4400550"/>
-            <a:ext cx="5486400" cy="3600450"/>
-          </a:xfrm>
-          <a:prstGeom prst="rect">
-            <a:avLst/>
-          </a:prstGeom>
-        </p:spPr>
-        <p:txBody>
-          <a:bodyPr vert="horz" lIns="91440" tIns="45720" rIns="91440" bIns="45720" rtlCol="0"/>
-          <a:lstStyle/>
-          <a:p>
-            <a:pPr lvl="0"/>
-            <a:r>
-              <a:rPr lang="de-DE"/>
-              <a:t>Formatvorlagen des Textmasters bearbeiten</a:t>
-            </a:r>
-          </a:p>
-          <a:p>
-            <a:pPr lvl="1"/>
-            <a:r>
-              <a:rPr lang="de-DE"/>
-              <a:t>Zweite Ebene</a:t>
-            </a:r>
-          </a:p>
-          <a:p>
-            <a:pPr lvl="2"/>
-            <a:r>
-              <a:rPr lang="de-DE"/>
-              <a:t>Dritte Ebene</a:t>
-            </a:r>
-          </a:p>
-          <a:p>
-            <a:pPr lvl="3"/>
-            <a:r>
-              <a:rPr lang="de-DE"/>
-              <a:t>Vierte Ebene</a:t>
-            </a:r>
-          </a:p>
-          <a:p>
-            <a:pPr lvl="4"/>
-            <a:r>
-              <a:rPr lang="de-DE"/>
-              <a:t>Fünfte Ebene</a:t>
-            </a:r>
-          </a:p>
-        </p:txBody>
-      </p:sp>
-      <p:sp>
-        <p:nvSpPr>
-          <p:cNvPr id="6" name="Fußzeilenplatzhalter 5"/>
-          <p:cNvSpPr>
-            <a:spLocks noGrp="1"/>
-          </p:cNvSpPr>
-          <p:nvPr>
-            <p:ph type="ftr" sz="quarter" idx="4"/>
-          </p:nvPr>
-        </p:nvSpPr>
-        <p:spPr>
-          <a:xfrm>
-            <a:off x="0" y="8685213"/>
-            <a:ext cx="2971800" cy="458787"/>
-          </a:xfrm>
-          <a:prstGeom prst="rect">
-            <a:avLst/>
-          </a:prstGeom>
-        </p:spPr>
-        <p:txBody>
-          <a:bodyPr vert="horz" lIns="91440" tIns="45720" rIns="91440" bIns="45720" rtlCol="0" anchor="b"/>
-          <a:lstStyle>
-            <a:lvl1pPr algn="l">
-              <a:defRPr sz="1200"/>
-            </a:lvl1pPr>
-          </a:lstStyle>
-          <a:p>
-            <a:endParaRPr lang="de-DE"/>
-          </a:p>
-        </p:txBody>
-      </p:sp>
-      <p:sp>
-        <p:nvSpPr>
-          <p:cNvPr id="7" name="Foliennummernplatzhalter 6"/>
-          <p:cNvSpPr>
-            <a:spLocks noGrp="1"/>
-          </p:cNvSpPr>
-          <p:nvPr>
-            <p:ph type="sldNum" sz="quarter" idx="5"/>
-          </p:nvPr>
-        </p:nvSpPr>
-        <p:spPr>
-          <a:xfrm>
-            <a:off x="3884613" y="8685213"/>
-            <a:ext cx="2971800" cy="458787"/>
-          </a:xfrm>
-          <a:prstGeom prst="rect">
-            <a:avLst/>
-          </a:prstGeom>
-        </p:spPr>
-        <p:txBody>
-          <a:bodyPr vert="horz" lIns="91440" tIns="45720" rIns="91440" bIns="45720" rtlCol="0" anchor="b"/>
-          <a:lstStyle>
-            <a:lvl1pPr algn="r">
-              <a:defRPr sz="1200"/>
-            </a:lvl1pPr>
-          </a:lstStyle>
-          <a:p>
-            <a:fld id="{9D0E9679-88F8-46A2-B62F-C1E03F2E9921}" type="slidenum">
-              <a:rPr lang="de-DE" smtClean="0"/>
-              <a:t>‹Nr.›</a:t>
-            </a:fld>
-            <a:endParaRPr lang="de-DE"/>
-          </a:p>
-        </p:txBody>
-      </p:sp>
-    </p:spTree>
-    <p:extLst>
-      <p:ext uri="{BB962C8B-B14F-4D97-AF65-F5344CB8AC3E}">
-        <p14:creationId xmlns:p14="http://schemas.microsoft.com/office/powerpoint/2010/main" val="3983838068"/>
-      </p:ext>
-    </p:extLst>
-  </p:cSld>
-  <p:clrMap bg1="lt1" tx1="dk1" bg2="lt2" tx2="dk2" accent1="accent1" accent2="accent2" accent3="accent3" accent4="accent4" accent5="accent5" accent6="accent6" hlink="hlink" folHlink="folHlink"/>
-  <p:notesStyle>
-    <a:lvl1pPr marL="0" algn="l" defTabSz="914400" rtl="0" eaLnBrk="1" latinLnBrk="0" hangingPunct="1">
-      <a:defRPr sz="1200" kern="1200">
-        <a:solidFill>
-          <a:schemeClr val="tx1"/>
-        </a:solidFill>
-        <a:latin typeface="+mn-lt"/>
-        <a:ea typeface="+mn-ea"/>
-        <a:cs typeface="+mn-cs"/>
-      </a:defRPr>
-    </a:lvl1pPr>
-    <a:lvl2pPr marL="457200" algn="l" defTabSz="914400" rtl="0" eaLnBrk="1" latinLnBrk="0" hangingPunct="1">
-      <a:defRPr sz="1200" kern="1200">
-        <a:solidFill>
-          <a:schemeClr val="tx1"/>
-        </a:solidFill>
-        <a:latin typeface="+mn-lt"/>
-        <a:ea typeface="+mn-ea"/>
-        <a:cs typeface="+mn-cs"/>
-      </a:defRPr>
-    </a:lvl2pPr>
-    <a:lvl3pPr marL="914400" algn="l" defTabSz="914400" rtl="0" eaLnBrk="1" latinLnBrk="0" hangingPunct="1">
-      <a:defRPr sz="1200" kern="1200">
-        <a:solidFill>
-          <a:schemeClr val="tx1"/>
-        </a:solidFill>
-        <a:latin typeface="+mn-lt"/>
-        <a:ea typeface="+mn-ea"/>
-        <a:cs typeface="+mn-cs"/>
-      </a:defRPr>
-    </a:lvl3pPr>
-    <a:lvl4pPr marL="1371600" algn="l" defTabSz="914400" rtl="0" eaLnBrk="1" latinLnBrk="0" hangingPunct="1">
-      <a:defRPr sz="1200" kern="1200">
-        <a:solidFill>
-          <a:schemeClr val="tx1"/>
-        </a:solidFill>
-        <a:latin typeface="+mn-lt"/>
-        <a:ea typeface="+mn-ea"/>
-        <a:cs typeface="+mn-cs"/>
-      </a:defRPr>
-    </a:lvl4pPr>
-    <a:lvl5pPr marL="1828800" algn="l" defTabSz="914400" rtl="0" eaLnBrk="1" latinLnBrk="0" hangingPunct="1">
-      <a:defRPr sz="1200" kern="1200">
-        <a:solidFill>
-          <a:schemeClr val="tx1"/>
-        </a:solidFill>
-        <a:latin typeface="+mn-lt"/>
-        <a:ea typeface="+mn-ea"/>
-        <a:cs typeface="+mn-cs"/>
-      </a:defRPr>
-    </a:lvl5pPr>
-    <a:lvl6pPr marL="2286000" algn="l" defTabSz="914400" rtl="0" eaLnBrk="1" latinLnBrk="0" hangingPunct="1">
-      <a:defRPr sz="1200" kern="1200">
-        <a:solidFill>
-          <a:schemeClr val="tx1"/>
-        </a:solidFill>
-        <a:latin typeface="+mn-lt"/>
-        <a:ea typeface="+mn-ea"/>
-        <a:cs typeface="+mn-cs"/>
-      </a:defRPr>
-    </a:lvl6pPr>
-    <a:lvl7pPr marL="2743200" algn="l" defTabSz="914400" rtl="0" eaLnBrk="1" latinLnBrk="0" hangingPunct="1">
-      <a:defRPr sz="1200" kern="1200">
-        <a:solidFill>
-          <a:schemeClr val="tx1"/>
-        </a:solidFill>
-        <a:latin typeface="+mn-lt"/>
-        <a:ea typeface="+mn-ea"/>
-        <a:cs typeface="+mn-cs"/>
-      </a:defRPr>
-    </a:lvl7pPr>
-    <a:lvl8pPr marL="3200400" algn="l" defTabSz="914400" rtl="0" eaLnBrk="1" latinLnBrk="0" hangingPunct="1">
-      <a:defRPr sz="1200" kern="1200">
-        <a:solidFill>
-          <a:schemeClr val="tx1"/>
-        </a:solidFill>
-        <a:latin typeface="+mn-lt"/>
-        <a:ea typeface="+mn-ea"/>
-        <a:cs typeface="+mn-cs"/>
-      </a:defRPr>
-    </a:lvl8pPr>
-    <a:lvl9pPr marL="3657600" algn="l" defTabSz="914400" rtl="0" eaLnBrk="1" latinLnBrk="0" hangingPunct="1">
-      <a:defRPr sz="1200" kern="1200">
-        <a:solidFill>
-          <a:schemeClr val="tx1"/>
-        </a:solidFill>
-        <a:latin typeface="+mn-lt"/>
-        <a:ea typeface="+mn-ea"/>
-        <a:cs typeface="+mn-cs"/>
-      </a:defRPr>
-    </a:lvl9pPr>
-  </p:notesStyle>
-</p:notesMaster>
-</file>
-
-<file path=ppt/notesSlides/notesSlide1.xml><?xml version="1.0" encoding="utf-8"?>
-<p:notes xmlns:a="http://schemas.openxmlformats.org/drawingml/2006/main" xmlns:r="http://schemas.openxmlformats.org/officeDocument/2006/relationships" xmlns:p="http://schemas.openxmlformats.org/presentationml/2006/main">
+<p:notesMaster xmlns:a="http://schemas.openxmlformats.org/drawingml/2006/main" xmlns:p="http://schemas.openxmlformats.org/presentationml/2006/main" xmlns:r="http://schemas.openxmlformats.org/officeDocument/2006/relationships" xmlns:p14="http://schemas.microsoft.com/office/powerpoint/2010/main" xmlns:p15="http://schemas.microsoft.com/office/powerpoint/2012/main" xmlns:mc="http://schemas.openxmlformats.org/markup-compatibility/2006">
   <p:cSld>
     <p:spTree>
       <p:nvGrpSpPr>
@@ -10409,3145 +9957,231 @@
       </p:grpSpPr>
       <p:sp>
         <p:nvSpPr>
-          <p:cNvPr id="72706" name="Folienbildplatzhalter 1"/>
+          <p:cNvPr id="36" name="PlaceHolder 1"/>
           <p:cNvSpPr>
-            <a:spLocks noGrp="1" noRot="1" noChangeAspect="1" noTextEdit="1"/>
+            <a:spLocks noGrp="1"/>
           </p:cNvSpPr>
           <p:nvPr>
             <p:ph type="sldImg"/>
           </p:nvPr>
         </p:nvSpPr>
-        <p:spPr bwMode="auto">
-          <a:noFill/>
-          <a:ln>
-            <a:solidFill>
-              <a:srgbClr val="000000"/>
-            </a:solidFill>
-            <a:miter lim="800000"/>
-            <a:headEnd/>
-            <a:tailEnd/>
-          </a:ln>
-          <a:extLst>
-            <a:ext uri="{909E8E84-426E-40DD-AFC4-6F175D3DCCD1}">
-              <a14:hiddenFill xmlns:a14="http://schemas.microsoft.com/office/drawing/2010/main">
-                <a:solidFill>
-                  <a:srgbClr val="FFFFFF"/>
-                </a:solidFill>
-              </a14:hiddenFill>
-            </a:ext>
-          </a:extLst>
-        </p:spPr>
-      </p:sp>
-      <p:sp>
-        <p:nvSpPr>
-          <p:cNvPr id="72707" name="Notizenplatzhalter 2"/>
-          <p:cNvSpPr>
-            <a:spLocks noGrp="1"/>
-          </p:cNvSpPr>
-          <p:nvPr>
-            <p:ph type="body" idx="1"/>
-          </p:nvPr>
-        </p:nvSpPr>
-        <p:spPr>
-          <a:noFill/>
-          <a:ln/>
-          <a:extLst>
-            <a:ext uri="{909E8E84-426E-40DD-AFC4-6F175D3DCCD1}">
-              <a14:hiddenFill xmlns:a14="http://schemas.microsoft.com/office/drawing/2010/main">
-                <a:solidFill>
-                  <a:srgbClr val="FFFFFF"/>
-                </a:solidFill>
-              </a14:hiddenFill>
-            </a:ext>
-            <a:ext uri="{91240B29-F687-4F45-9708-019B960494DF}">
-              <a14:hiddenLine xmlns:a14="http://schemas.microsoft.com/office/drawing/2010/main" w="9525">
-                <a:solidFill>
-                  <a:srgbClr val="000000"/>
-                </a:solidFill>
-                <a:miter lim="800000"/>
-                <a:headEnd/>
-                <a:tailEnd/>
-              </a14:hiddenLine>
-            </a:ext>
-          </a:extLst>
-        </p:spPr>
-        <p:txBody>
-          <a:bodyPr/>
-          <a:lstStyle/>
-          <a:p>
-            <a:endParaRPr lang="de-DE" altLang="de-DE">
-              <a:cs typeface="Arial" panose="020B0604020202020204" pitchFamily="34" charset="0"/>
-            </a:endParaRPr>
-          </a:p>
-          <a:p>
-            <a:r>
-              <a:rPr lang="de-DE" altLang="de-DE">
-                <a:cs typeface="Arial" panose="020B0604020202020204" pitchFamily="34" charset="0"/>
-              </a:rPr>
-              <a:t>Unklar-Tag</a:t>
-            </a:r>
-          </a:p>
-          <a:p>
-            <a:endParaRPr lang="de-DE" altLang="de-DE">
-              <a:cs typeface="Arial" panose="020B0604020202020204" pitchFamily="34" charset="0"/>
-            </a:endParaRPr>
-          </a:p>
-          <a:p>
-            <a:r>
-              <a:rPr lang="de-DE" altLang="de-DE">
-                <a:cs typeface="Arial" panose="020B0604020202020204" pitchFamily="34" charset="0"/>
-              </a:rPr>
-              <a:t>Fragestellung: relevanz für Definitartikel. </a:t>
-            </a:r>
-          </a:p>
-          <a:p>
-            <a:endParaRPr lang="de-DE" altLang="de-DE">
-              <a:cs typeface="Arial" panose="020B0604020202020204" pitchFamily="34" charset="0"/>
-            </a:endParaRPr>
-          </a:p>
-          <a:p>
-            <a:r>
-              <a:rPr lang="de-DE" altLang="de-DE">
-                <a:cs typeface="Arial" panose="020B0604020202020204" pitchFamily="34" charset="0"/>
-              </a:rPr>
-              <a:t>ausblick: auch individualtät spielt eine rolle (folie als Backup)</a:t>
-            </a:r>
-          </a:p>
-        </p:txBody>
-      </p:sp>
-      <p:sp>
-        <p:nvSpPr>
-          <p:cNvPr id="72708" name="Foliennummernplatzhalter 3"/>
-          <p:cNvSpPr>
-            <a:spLocks noGrp="1"/>
-          </p:cNvSpPr>
-          <p:nvPr>
-            <p:ph type="sldNum" sz="quarter" idx="5"/>
-          </p:nvPr>
-        </p:nvSpPr>
-        <p:spPr>
-          <a:noFill/>
-          <a:ln/>
-          <a:extLst>
-            <a:ext uri="{909E8E84-426E-40DD-AFC4-6F175D3DCCD1}">
-              <a14:hiddenFill xmlns:a14="http://schemas.microsoft.com/office/drawing/2010/main">
-                <a:solidFill>
-                  <a:srgbClr val="FFFFFF"/>
-                </a:solidFill>
-              </a14:hiddenFill>
-            </a:ext>
-            <a:ext uri="{91240B29-F687-4F45-9708-019B960494DF}">
-              <a14:hiddenLine xmlns:a14="http://schemas.microsoft.com/office/drawing/2010/main" w="9525">
-                <a:solidFill>
-                  <a:srgbClr val="000000"/>
-                </a:solidFill>
-                <a:miter lim="800000"/>
-                <a:headEnd/>
-                <a:tailEnd/>
-              </a14:hiddenLine>
-            </a:ext>
-          </a:extLst>
-        </p:spPr>
-        <p:txBody>
-          <a:bodyPr/>
-          <a:lstStyle>
-            <a:lvl1pPr defTabSz="869950" eaLnBrk="0" hangingPunct="0">
-              <a:spcBef>
-                <a:spcPct val="30000"/>
-              </a:spcBef>
-              <a:defRPr sz="1200">
-                <a:solidFill>
-                  <a:schemeClr val="tx1"/>
-                </a:solidFill>
-                <a:latin typeface="Calibri" panose="020F0502020204030204" pitchFamily="34" charset="0"/>
-                <a:cs typeface="Arial" panose="020B0604020202020204" pitchFamily="34" charset="0"/>
-              </a:defRPr>
-            </a:lvl1pPr>
-            <a:lvl2pPr marL="742950" indent="-285750" defTabSz="869950" eaLnBrk="0" hangingPunct="0">
-              <a:spcBef>
-                <a:spcPct val="30000"/>
-              </a:spcBef>
-              <a:defRPr sz="1200">
-                <a:solidFill>
-                  <a:schemeClr val="tx1"/>
-                </a:solidFill>
-                <a:latin typeface="Calibri" panose="020F0502020204030204" pitchFamily="34" charset="0"/>
-                <a:cs typeface="Arial" panose="020B0604020202020204" pitchFamily="34" charset="0"/>
-              </a:defRPr>
-            </a:lvl2pPr>
-            <a:lvl3pPr marL="1143000" indent="-228600" defTabSz="869950" eaLnBrk="0" hangingPunct="0">
-              <a:spcBef>
-                <a:spcPct val="30000"/>
-              </a:spcBef>
-              <a:defRPr sz="1200">
-                <a:solidFill>
-                  <a:schemeClr val="tx1"/>
-                </a:solidFill>
-                <a:latin typeface="Calibri" panose="020F0502020204030204" pitchFamily="34" charset="0"/>
-                <a:cs typeface="Arial" panose="020B0604020202020204" pitchFamily="34" charset="0"/>
-              </a:defRPr>
-            </a:lvl3pPr>
-            <a:lvl4pPr marL="1600200" indent="-228600" defTabSz="869950" eaLnBrk="0" hangingPunct="0">
-              <a:spcBef>
-                <a:spcPct val="30000"/>
-              </a:spcBef>
-              <a:defRPr sz="1200">
-                <a:solidFill>
-                  <a:schemeClr val="tx1"/>
-                </a:solidFill>
-                <a:latin typeface="Calibri" panose="020F0502020204030204" pitchFamily="34" charset="0"/>
-                <a:cs typeface="Arial" panose="020B0604020202020204" pitchFamily="34" charset="0"/>
-              </a:defRPr>
-            </a:lvl4pPr>
-            <a:lvl5pPr marL="2057400" indent="-228600" defTabSz="869950" eaLnBrk="0" hangingPunct="0">
-              <a:spcBef>
-                <a:spcPct val="30000"/>
-              </a:spcBef>
-              <a:defRPr sz="1200">
-                <a:solidFill>
-                  <a:schemeClr val="tx1"/>
-                </a:solidFill>
-                <a:latin typeface="Calibri" panose="020F0502020204030204" pitchFamily="34" charset="0"/>
-                <a:cs typeface="Arial" panose="020B0604020202020204" pitchFamily="34" charset="0"/>
-              </a:defRPr>
-            </a:lvl5pPr>
-            <a:lvl6pPr marL="2514600" indent="-228600" defTabSz="869950" eaLnBrk="0" fontAlgn="base" hangingPunct="0">
-              <a:spcBef>
-                <a:spcPct val="30000"/>
-              </a:spcBef>
-              <a:spcAft>
-                <a:spcPct val="0"/>
-              </a:spcAft>
-              <a:defRPr sz="1200">
-                <a:solidFill>
-                  <a:schemeClr val="tx1"/>
-                </a:solidFill>
-                <a:latin typeface="Calibri" panose="020F0502020204030204" pitchFamily="34" charset="0"/>
-                <a:cs typeface="Arial" panose="020B0604020202020204" pitchFamily="34" charset="0"/>
-              </a:defRPr>
-            </a:lvl6pPr>
-            <a:lvl7pPr marL="2971800" indent="-228600" defTabSz="869950" eaLnBrk="0" fontAlgn="base" hangingPunct="0">
-              <a:spcBef>
-                <a:spcPct val="30000"/>
-              </a:spcBef>
-              <a:spcAft>
-                <a:spcPct val="0"/>
-              </a:spcAft>
-              <a:defRPr sz="1200">
-                <a:solidFill>
-                  <a:schemeClr val="tx1"/>
-                </a:solidFill>
-                <a:latin typeface="Calibri" panose="020F0502020204030204" pitchFamily="34" charset="0"/>
-                <a:cs typeface="Arial" panose="020B0604020202020204" pitchFamily="34" charset="0"/>
-              </a:defRPr>
-            </a:lvl7pPr>
-            <a:lvl8pPr marL="3429000" indent="-228600" defTabSz="869950" eaLnBrk="0" fontAlgn="base" hangingPunct="0">
-              <a:spcBef>
-                <a:spcPct val="30000"/>
-              </a:spcBef>
-              <a:spcAft>
-                <a:spcPct val="0"/>
-              </a:spcAft>
-              <a:defRPr sz="1200">
-                <a:solidFill>
-                  <a:schemeClr val="tx1"/>
-                </a:solidFill>
-                <a:latin typeface="Calibri" panose="020F0502020204030204" pitchFamily="34" charset="0"/>
-                <a:cs typeface="Arial" panose="020B0604020202020204" pitchFamily="34" charset="0"/>
-              </a:defRPr>
-            </a:lvl8pPr>
-            <a:lvl9pPr marL="3886200" indent="-228600" defTabSz="869950" eaLnBrk="0" fontAlgn="base" hangingPunct="0">
-              <a:spcBef>
-                <a:spcPct val="30000"/>
-              </a:spcBef>
-              <a:spcAft>
-                <a:spcPct val="0"/>
-              </a:spcAft>
-              <a:defRPr sz="1200">
-                <a:solidFill>
-                  <a:schemeClr val="tx1"/>
-                </a:solidFill>
-                <a:latin typeface="Calibri" panose="020F0502020204030204" pitchFamily="34" charset="0"/>
-                <a:cs typeface="Arial" panose="020B0604020202020204" pitchFamily="34" charset="0"/>
-              </a:defRPr>
-            </a:lvl9pPr>
-          </a:lstStyle>
-          <a:p>
-            <a:pPr eaLnBrk="1" hangingPunct="1">
-              <a:spcBef>
-                <a:spcPct val="0"/>
-              </a:spcBef>
-            </a:pPr>
-            <a:fld id="{D10667B3-DC2E-47AD-BFC7-90599B04A4E1}" type="slidenum">
-              <a:rPr lang="de-DE" altLang="de-DE"/>
-              <a:pPr eaLnBrk="1" hangingPunct="1">
-                <a:spcBef>
-                  <a:spcPct val="0"/>
-                </a:spcBef>
-              </a:pPr>
-              <a:t>1</a:t>
-            </a:fld>
-            <a:endParaRPr lang="de-DE" altLang="de-DE"/>
-          </a:p>
-        </p:txBody>
-      </p:sp>
-    </p:spTree>
-    <p:extLst>
-      <p:ext uri="{BB962C8B-B14F-4D97-AF65-F5344CB8AC3E}">
-        <p14:creationId xmlns:p14="http://schemas.microsoft.com/office/powerpoint/2010/main" val="1371724215"/>
-      </p:ext>
-    </p:extLst>
-  </p:cSld>
-  <p:clrMapOvr>
-    <a:masterClrMapping/>
-  </p:clrMapOvr>
-</p:notes>
-</file>
-
-<file path=ppt/slideLayouts/slideLayout1.xml><?xml version="1.0" encoding="utf-8"?>
-<p:sldLayout xmlns:a="http://schemas.openxmlformats.org/drawingml/2006/main" xmlns:r="http://schemas.openxmlformats.org/officeDocument/2006/relationships" xmlns:p="http://schemas.openxmlformats.org/presentationml/2006/main" type="title" preserve="1">
-  <p:cSld name="Titelfolie">
-    <p:spTree>
-      <p:nvGrpSpPr>
-        <p:cNvPr id="1" name=""/>
-        <p:cNvGrpSpPr/>
-        <p:nvPr/>
-      </p:nvGrpSpPr>
-      <p:grpSpPr>
-        <a:xfrm>
-          <a:off x="0" y="0"/>
-          <a:ext cx="0" cy="0"/>
-          <a:chOff x="0" y="0"/>
-          <a:chExt cx="0" cy="0"/>
-        </a:xfrm>
-      </p:grpSpPr>
-      <p:sp>
-        <p:nvSpPr>
-          <p:cNvPr id="2" name="Title 1"/>
-          <p:cNvSpPr>
-            <a:spLocks noGrp="1"/>
-          </p:cNvSpPr>
-          <p:nvPr>
-            <p:ph type="ctrTitle"/>
-          </p:nvPr>
-        </p:nvSpPr>
         <p:spPr>
           <a:xfrm>
-            <a:off x="685800" y="1122363"/>
-            <a:ext cx="7772400" cy="2387600"/>
-          </a:xfrm>
-        </p:spPr>
-        <p:txBody>
-          <a:bodyPr anchor="b"/>
-          <a:lstStyle>
-            <a:lvl1pPr algn="ctr">
-              <a:defRPr sz="6000"/>
-            </a:lvl1pPr>
-          </a:lstStyle>
-          <a:p>
-            <a:r>
-              <a:rPr lang="de-DE"/>
-              <a:t>Titelmasterformat durch Klicken bearbeiten</a:t>
-            </a:r>
-            <a:endParaRPr lang="en-US" dirty="0"/>
-          </a:p>
-        </p:txBody>
-      </p:sp>
-      <p:sp>
-        <p:nvSpPr>
-          <p:cNvPr id="3" name="Subtitle 2"/>
-          <p:cNvSpPr>
-            <a:spLocks noGrp="1"/>
-          </p:cNvSpPr>
-          <p:nvPr>
-            <p:ph type="subTitle" idx="1"/>
-          </p:nvPr>
-        </p:nvSpPr>
-        <p:spPr>
-          <a:xfrm>
-            <a:off x="1143000" y="3602038"/>
-            <a:ext cx="6858000" cy="1655762"/>
-          </a:xfrm>
-        </p:spPr>
-        <p:txBody>
-          <a:bodyPr/>
-          <a:lstStyle>
-            <a:lvl1pPr marL="0" indent="0" algn="ctr">
-              <a:buNone/>
-              <a:defRPr sz="2400"/>
-            </a:lvl1pPr>
-            <a:lvl2pPr marL="457200" indent="0" algn="ctr">
-              <a:buNone/>
-              <a:defRPr sz="2000"/>
-            </a:lvl2pPr>
-            <a:lvl3pPr marL="914400" indent="0" algn="ctr">
-              <a:buNone/>
-              <a:defRPr sz="1800"/>
-            </a:lvl3pPr>
-            <a:lvl4pPr marL="1371600" indent="0" algn="ctr">
-              <a:buNone/>
-              <a:defRPr sz="1600"/>
-            </a:lvl4pPr>
-            <a:lvl5pPr marL="1828800" indent="0" algn="ctr">
-              <a:buNone/>
-              <a:defRPr sz="1600"/>
-            </a:lvl5pPr>
-            <a:lvl6pPr marL="2286000" indent="0" algn="ctr">
-              <a:buNone/>
-              <a:defRPr sz="1600"/>
-            </a:lvl6pPr>
-            <a:lvl7pPr marL="2743200" indent="0" algn="ctr">
-              <a:buNone/>
-              <a:defRPr sz="1600"/>
-            </a:lvl7pPr>
-            <a:lvl8pPr marL="3200400" indent="0" algn="ctr">
-              <a:buNone/>
-              <a:defRPr sz="1600"/>
-            </a:lvl8pPr>
-            <a:lvl9pPr marL="3657600" indent="0" algn="ctr">
-              <a:buNone/>
-              <a:defRPr sz="1600"/>
-            </a:lvl9pPr>
-          </a:lstStyle>
-          <a:p>
-            <a:r>
-              <a:rPr lang="de-DE"/>
-              <a:t>Formatvorlage des Untertitelmasters durch Klicken bearbeiten</a:t>
-            </a:r>
-            <a:endParaRPr lang="en-US" dirty="0"/>
-          </a:p>
-        </p:txBody>
-      </p:sp>
-      <p:sp>
-        <p:nvSpPr>
-          <p:cNvPr id="4" name="Date Placeholder 3"/>
-          <p:cNvSpPr>
-            <a:spLocks noGrp="1"/>
-          </p:cNvSpPr>
-          <p:nvPr>
-            <p:ph type="dt" sz="half" idx="10"/>
-          </p:nvPr>
-        </p:nvSpPr>
-        <p:spPr/>
-        <p:txBody>
-          <a:bodyPr/>
-          <a:lstStyle/>
-          <a:p>
-            <a:fld id="{DF6C65ED-D322-4A77-AF0E-7C20A4C0F5F7}" type="datetimeFigureOut">
-              <a:rPr lang="de-DE" smtClean="0"/>
-              <a:t>31.05.2020</a:t>
-            </a:fld>
-            <a:endParaRPr lang="de-DE"/>
-          </a:p>
-        </p:txBody>
-      </p:sp>
-      <p:sp>
-        <p:nvSpPr>
-          <p:cNvPr id="5" name="Footer Placeholder 4"/>
-          <p:cNvSpPr>
-            <a:spLocks noGrp="1"/>
-          </p:cNvSpPr>
-          <p:nvPr>
-            <p:ph type="ftr" sz="quarter" idx="11"/>
-          </p:nvPr>
-        </p:nvSpPr>
-        <p:spPr/>
-        <p:txBody>
-          <a:bodyPr/>
-          <a:lstStyle/>
-          <a:p>
-            <a:endParaRPr lang="de-DE"/>
-          </a:p>
-        </p:txBody>
-      </p:sp>
-      <p:sp>
-        <p:nvSpPr>
-          <p:cNvPr id="6" name="Slide Number Placeholder 5"/>
-          <p:cNvSpPr>
-            <a:spLocks noGrp="1"/>
-          </p:cNvSpPr>
-          <p:nvPr>
-            <p:ph type="sldNum" sz="quarter" idx="12"/>
-          </p:nvPr>
-        </p:nvSpPr>
-        <p:spPr/>
-        <p:txBody>
-          <a:bodyPr/>
-          <a:lstStyle/>
-          <a:p>
-            <a:fld id="{94513A2A-2A0F-4886-92FA-B1F71E9AB48D}" type="slidenum">
-              <a:rPr lang="de-DE" smtClean="0"/>
-              <a:t>‹Nr.›</a:t>
-            </a:fld>
-            <a:endParaRPr lang="de-DE"/>
-          </a:p>
-        </p:txBody>
-      </p:sp>
-    </p:spTree>
-    <p:extLst>
-      <p:ext uri="{BB962C8B-B14F-4D97-AF65-F5344CB8AC3E}">
-        <p14:creationId xmlns:p14="http://schemas.microsoft.com/office/powerpoint/2010/main" val="136365921"/>
-      </p:ext>
-    </p:extLst>
-  </p:cSld>
-  <p:clrMapOvr>
-    <a:masterClrMapping/>
-  </p:clrMapOvr>
-</p:sldLayout>
-</file>
-
-<file path=ppt/slideLayouts/slideLayout10.xml><?xml version="1.0" encoding="utf-8"?>
-<p:sldLayout xmlns:a="http://schemas.openxmlformats.org/drawingml/2006/main" xmlns:r="http://schemas.openxmlformats.org/officeDocument/2006/relationships" xmlns:p="http://schemas.openxmlformats.org/presentationml/2006/main" type="vertTx" preserve="1">
-  <p:cSld name="Titel und vertikaler Text">
-    <p:spTree>
-      <p:nvGrpSpPr>
-        <p:cNvPr id="1" name=""/>
-        <p:cNvGrpSpPr/>
-        <p:nvPr/>
-      </p:nvGrpSpPr>
-      <p:grpSpPr>
-        <a:xfrm>
-          <a:off x="0" y="0"/>
-          <a:ext cx="0" cy="0"/>
-          <a:chOff x="0" y="0"/>
-          <a:chExt cx="0" cy="0"/>
-        </a:xfrm>
-      </p:grpSpPr>
-      <p:sp>
-        <p:nvSpPr>
-          <p:cNvPr id="2" name="Title 1"/>
-          <p:cNvSpPr>
-            <a:spLocks noGrp="1"/>
-          </p:cNvSpPr>
-          <p:nvPr>
-            <p:ph type="title"/>
-          </p:nvPr>
-        </p:nvSpPr>
-        <p:spPr/>
-        <p:txBody>
-          <a:bodyPr/>
-          <a:lstStyle/>
-          <a:p>
-            <a:r>
-              <a:rPr lang="de-DE"/>
-              <a:t>Titelmasterformat durch Klicken bearbeiten</a:t>
-            </a:r>
-            <a:endParaRPr lang="en-US" dirty="0"/>
-          </a:p>
-        </p:txBody>
-      </p:sp>
-      <p:sp>
-        <p:nvSpPr>
-          <p:cNvPr id="3" name="Vertical Text Placeholder 2"/>
-          <p:cNvSpPr>
-            <a:spLocks noGrp="1"/>
-          </p:cNvSpPr>
-          <p:nvPr>
-            <p:ph type="body" orient="vert" idx="1"/>
-          </p:nvPr>
-        </p:nvSpPr>
-        <p:spPr/>
-        <p:txBody>
-          <a:bodyPr vert="eaVert"/>
-          <a:lstStyle/>
-          <a:p>
-            <a:pPr lvl="0"/>
-            <a:r>
-              <a:rPr lang="de-DE"/>
-              <a:t>Formatvorlagen des Textmasters bearbeiten</a:t>
-            </a:r>
-          </a:p>
-          <a:p>
-            <a:pPr lvl="1"/>
-            <a:r>
-              <a:rPr lang="de-DE"/>
-              <a:t>Zweite Ebene</a:t>
-            </a:r>
-          </a:p>
-          <a:p>
-            <a:pPr lvl="2"/>
-            <a:r>
-              <a:rPr lang="de-DE"/>
-              <a:t>Dritte Ebene</a:t>
-            </a:r>
-          </a:p>
-          <a:p>
-            <a:pPr lvl="3"/>
-            <a:r>
-              <a:rPr lang="de-DE"/>
-              <a:t>Vierte Ebene</a:t>
-            </a:r>
-          </a:p>
-          <a:p>
-            <a:pPr lvl="4"/>
-            <a:r>
-              <a:rPr lang="de-DE"/>
-              <a:t>Fünfte Ebene</a:t>
-            </a:r>
-            <a:endParaRPr lang="en-US" dirty="0"/>
-          </a:p>
-        </p:txBody>
-      </p:sp>
-      <p:sp>
-        <p:nvSpPr>
-          <p:cNvPr id="4" name="Date Placeholder 3"/>
-          <p:cNvSpPr>
-            <a:spLocks noGrp="1"/>
-          </p:cNvSpPr>
-          <p:nvPr>
-            <p:ph type="dt" sz="half" idx="10"/>
-          </p:nvPr>
-        </p:nvSpPr>
-        <p:spPr/>
-        <p:txBody>
-          <a:bodyPr/>
-          <a:lstStyle/>
-          <a:p>
-            <a:fld id="{DF6C65ED-D322-4A77-AF0E-7C20A4C0F5F7}" type="datetimeFigureOut">
-              <a:rPr lang="de-DE" smtClean="0"/>
-              <a:t>31.05.2020</a:t>
-            </a:fld>
-            <a:endParaRPr lang="de-DE"/>
-          </a:p>
-        </p:txBody>
-      </p:sp>
-      <p:sp>
-        <p:nvSpPr>
-          <p:cNvPr id="5" name="Footer Placeholder 4"/>
-          <p:cNvSpPr>
-            <a:spLocks noGrp="1"/>
-          </p:cNvSpPr>
-          <p:nvPr>
-            <p:ph type="ftr" sz="quarter" idx="11"/>
-          </p:nvPr>
-        </p:nvSpPr>
-        <p:spPr/>
-        <p:txBody>
-          <a:bodyPr/>
-          <a:lstStyle/>
-          <a:p>
-            <a:endParaRPr lang="de-DE"/>
-          </a:p>
-        </p:txBody>
-      </p:sp>
-      <p:sp>
-        <p:nvSpPr>
-          <p:cNvPr id="6" name="Slide Number Placeholder 5"/>
-          <p:cNvSpPr>
-            <a:spLocks noGrp="1"/>
-          </p:cNvSpPr>
-          <p:nvPr>
-            <p:ph type="sldNum" sz="quarter" idx="12"/>
-          </p:nvPr>
-        </p:nvSpPr>
-        <p:spPr/>
-        <p:txBody>
-          <a:bodyPr/>
-          <a:lstStyle/>
-          <a:p>
-            <a:fld id="{94513A2A-2A0F-4886-92FA-B1F71E9AB48D}" type="slidenum">
-              <a:rPr lang="de-DE" smtClean="0"/>
-              <a:t>‹Nr.›</a:t>
-            </a:fld>
-            <a:endParaRPr lang="de-DE"/>
-          </a:p>
-        </p:txBody>
-      </p:sp>
-    </p:spTree>
-    <p:extLst>
-      <p:ext uri="{BB962C8B-B14F-4D97-AF65-F5344CB8AC3E}">
-        <p14:creationId xmlns:p14="http://schemas.microsoft.com/office/powerpoint/2010/main" val="1281722182"/>
-      </p:ext>
-    </p:extLst>
-  </p:cSld>
-  <p:clrMapOvr>
-    <a:masterClrMapping/>
-  </p:clrMapOvr>
-</p:sldLayout>
-</file>
-
-<file path=ppt/slideLayouts/slideLayout11.xml><?xml version="1.0" encoding="utf-8"?>
-<p:sldLayout xmlns:a="http://schemas.openxmlformats.org/drawingml/2006/main" xmlns:r="http://schemas.openxmlformats.org/officeDocument/2006/relationships" xmlns:p="http://schemas.openxmlformats.org/presentationml/2006/main" type="vertTitleAndTx" preserve="1">
-  <p:cSld name="Vertikaler Titel und Text">
-    <p:spTree>
-      <p:nvGrpSpPr>
-        <p:cNvPr id="1" name=""/>
-        <p:cNvGrpSpPr/>
-        <p:nvPr/>
-      </p:nvGrpSpPr>
-      <p:grpSpPr>
-        <a:xfrm>
-          <a:off x="0" y="0"/>
-          <a:ext cx="0" cy="0"/>
-          <a:chOff x="0" y="0"/>
-          <a:chExt cx="0" cy="0"/>
-        </a:xfrm>
-      </p:grpSpPr>
-      <p:sp>
-        <p:nvSpPr>
-          <p:cNvPr id="2" name="Vertical Title 1"/>
-          <p:cNvSpPr>
-            <a:spLocks noGrp="1"/>
-          </p:cNvSpPr>
-          <p:nvPr>
-            <p:ph type="title" orient="vert"/>
-          </p:nvPr>
-        </p:nvSpPr>
-        <p:spPr>
-          <a:xfrm>
-            <a:off x="6543675" y="365125"/>
-            <a:ext cx="1971675" cy="5811838"/>
-          </a:xfrm>
-        </p:spPr>
-        <p:txBody>
-          <a:bodyPr vert="eaVert"/>
-          <a:lstStyle/>
-          <a:p>
-            <a:r>
-              <a:rPr lang="de-DE"/>
-              <a:t>Titelmasterformat durch Klicken bearbeiten</a:t>
-            </a:r>
-            <a:endParaRPr lang="en-US" dirty="0"/>
-          </a:p>
-        </p:txBody>
-      </p:sp>
-      <p:sp>
-        <p:nvSpPr>
-          <p:cNvPr id="3" name="Vertical Text Placeholder 2"/>
-          <p:cNvSpPr>
-            <a:spLocks noGrp="1"/>
-          </p:cNvSpPr>
-          <p:nvPr>
-            <p:ph type="body" orient="vert" idx="1"/>
-          </p:nvPr>
-        </p:nvSpPr>
-        <p:spPr>
-          <a:xfrm>
-            <a:off x="628650" y="365125"/>
-            <a:ext cx="5800725" cy="5811838"/>
-          </a:xfrm>
-        </p:spPr>
-        <p:txBody>
-          <a:bodyPr vert="eaVert"/>
-          <a:lstStyle/>
-          <a:p>
-            <a:pPr lvl="0"/>
-            <a:r>
-              <a:rPr lang="de-DE"/>
-              <a:t>Formatvorlagen des Textmasters bearbeiten</a:t>
-            </a:r>
-          </a:p>
-          <a:p>
-            <a:pPr lvl="1"/>
-            <a:r>
-              <a:rPr lang="de-DE"/>
-              <a:t>Zweite Ebene</a:t>
-            </a:r>
-          </a:p>
-          <a:p>
-            <a:pPr lvl="2"/>
-            <a:r>
-              <a:rPr lang="de-DE"/>
-              <a:t>Dritte Ebene</a:t>
-            </a:r>
-          </a:p>
-          <a:p>
-            <a:pPr lvl="3"/>
-            <a:r>
-              <a:rPr lang="de-DE"/>
-              <a:t>Vierte Ebene</a:t>
-            </a:r>
-          </a:p>
-          <a:p>
-            <a:pPr lvl="4"/>
-            <a:r>
-              <a:rPr lang="de-DE"/>
-              <a:t>Fünfte Ebene</a:t>
-            </a:r>
-            <a:endParaRPr lang="en-US" dirty="0"/>
-          </a:p>
-        </p:txBody>
-      </p:sp>
-      <p:sp>
-        <p:nvSpPr>
-          <p:cNvPr id="4" name="Date Placeholder 3"/>
-          <p:cNvSpPr>
-            <a:spLocks noGrp="1"/>
-          </p:cNvSpPr>
-          <p:nvPr>
-            <p:ph type="dt" sz="half" idx="10"/>
-          </p:nvPr>
-        </p:nvSpPr>
-        <p:spPr/>
-        <p:txBody>
-          <a:bodyPr/>
-          <a:lstStyle/>
-          <a:p>
-            <a:fld id="{DF6C65ED-D322-4A77-AF0E-7C20A4C0F5F7}" type="datetimeFigureOut">
-              <a:rPr lang="de-DE" smtClean="0"/>
-              <a:t>31.05.2020</a:t>
-            </a:fld>
-            <a:endParaRPr lang="de-DE"/>
-          </a:p>
-        </p:txBody>
-      </p:sp>
-      <p:sp>
-        <p:nvSpPr>
-          <p:cNvPr id="5" name="Footer Placeholder 4"/>
-          <p:cNvSpPr>
-            <a:spLocks noGrp="1"/>
-          </p:cNvSpPr>
-          <p:nvPr>
-            <p:ph type="ftr" sz="quarter" idx="11"/>
-          </p:nvPr>
-        </p:nvSpPr>
-        <p:spPr/>
-        <p:txBody>
-          <a:bodyPr/>
-          <a:lstStyle/>
-          <a:p>
-            <a:endParaRPr lang="de-DE"/>
-          </a:p>
-        </p:txBody>
-      </p:sp>
-      <p:sp>
-        <p:nvSpPr>
-          <p:cNvPr id="6" name="Slide Number Placeholder 5"/>
-          <p:cNvSpPr>
-            <a:spLocks noGrp="1"/>
-          </p:cNvSpPr>
-          <p:nvPr>
-            <p:ph type="sldNum" sz="quarter" idx="12"/>
-          </p:nvPr>
-        </p:nvSpPr>
-        <p:spPr/>
-        <p:txBody>
-          <a:bodyPr/>
-          <a:lstStyle/>
-          <a:p>
-            <a:fld id="{94513A2A-2A0F-4886-92FA-B1F71E9AB48D}" type="slidenum">
-              <a:rPr lang="de-DE" smtClean="0"/>
-              <a:t>‹Nr.›</a:t>
-            </a:fld>
-            <a:endParaRPr lang="de-DE"/>
-          </a:p>
-        </p:txBody>
-      </p:sp>
-    </p:spTree>
-    <p:extLst>
-      <p:ext uri="{BB962C8B-B14F-4D97-AF65-F5344CB8AC3E}">
-        <p14:creationId xmlns:p14="http://schemas.microsoft.com/office/powerpoint/2010/main" val="3872567325"/>
-      </p:ext>
-    </p:extLst>
-  </p:cSld>
-  <p:clrMapOvr>
-    <a:masterClrMapping/>
-  </p:clrMapOvr>
-</p:sldLayout>
-</file>
-
-<file path=ppt/slideLayouts/slideLayout2.xml><?xml version="1.0" encoding="utf-8"?>
-<p:sldLayout xmlns:a="http://schemas.openxmlformats.org/drawingml/2006/main" xmlns:r="http://schemas.openxmlformats.org/officeDocument/2006/relationships" xmlns:p="http://schemas.openxmlformats.org/presentationml/2006/main" type="obj" preserve="1">
-  <p:cSld name="Titel und Inhalt">
-    <p:spTree>
-      <p:nvGrpSpPr>
-        <p:cNvPr id="1" name=""/>
-        <p:cNvGrpSpPr/>
-        <p:nvPr/>
-      </p:nvGrpSpPr>
-      <p:grpSpPr>
-        <a:xfrm>
-          <a:off x="0" y="0"/>
-          <a:ext cx="0" cy="0"/>
-          <a:chOff x="0" y="0"/>
-          <a:chExt cx="0" cy="0"/>
-        </a:xfrm>
-      </p:grpSpPr>
-      <p:sp>
-        <p:nvSpPr>
-          <p:cNvPr id="2" name="Title 1"/>
-          <p:cNvSpPr>
-            <a:spLocks noGrp="1"/>
-          </p:cNvSpPr>
-          <p:nvPr>
-            <p:ph type="title"/>
-          </p:nvPr>
-        </p:nvSpPr>
-        <p:spPr/>
-        <p:txBody>
-          <a:bodyPr/>
-          <a:lstStyle/>
-          <a:p>
-            <a:r>
-              <a:rPr lang="de-DE"/>
-              <a:t>Titelmasterformat durch Klicken bearbeiten</a:t>
-            </a:r>
-            <a:endParaRPr lang="en-US" dirty="0"/>
-          </a:p>
-        </p:txBody>
-      </p:sp>
-      <p:sp>
-        <p:nvSpPr>
-          <p:cNvPr id="3" name="Content Placeholder 2"/>
-          <p:cNvSpPr>
-            <a:spLocks noGrp="1"/>
-          </p:cNvSpPr>
-          <p:nvPr>
-            <p:ph idx="1"/>
-          </p:nvPr>
-        </p:nvSpPr>
-        <p:spPr/>
-        <p:txBody>
-          <a:bodyPr/>
-          <a:lstStyle/>
-          <a:p>
-            <a:pPr lvl="0"/>
-            <a:r>
-              <a:rPr lang="de-DE"/>
-              <a:t>Formatvorlagen des Textmasters bearbeiten</a:t>
-            </a:r>
-          </a:p>
-          <a:p>
-            <a:pPr lvl="1"/>
-            <a:r>
-              <a:rPr lang="de-DE"/>
-              <a:t>Zweite Ebene</a:t>
-            </a:r>
-          </a:p>
-          <a:p>
-            <a:pPr lvl="2"/>
-            <a:r>
-              <a:rPr lang="de-DE"/>
-              <a:t>Dritte Ebene</a:t>
-            </a:r>
-          </a:p>
-          <a:p>
-            <a:pPr lvl="3"/>
-            <a:r>
-              <a:rPr lang="de-DE"/>
-              <a:t>Vierte Ebene</a:t>
-            </a:r>
-          </a:p>
-          <a:p>
-            <a:pPr lvl="4"/>
-            <a:r>
-              <a:rPr lang="de-DE"/>
-              <a:t>Fünfte Ebene</a:t>
-            </a:r>
-            <a:endParaRPr lang="en-US" dirty="0"/>
-          </a:p>
-        </p:txBody>
-      </p:sp>
-      <p:sp>
-        <p:nvSpPr>
-          <p:cNvPr id="4" name="Date Placeholder 3"/>
-          <p:cNvSpPr>
-            <a:spLocks noGrp="1"/>
-          </p:cNvSpPr>
-          <p:nvPr>
-            <p:ph type="dt" sz="half" idx="10"/>
-          </p:nvPr>
-        </p:nvSpPr>
-        <p:spPr/>
-        <p:txBody>
-          <a:bodyPr/>
-          <a:lstStyle/>
-          <a:p>
-            <a:fld id="{DF6C65ED-D322-4A77-AF0E-7C20A4C0F5F7}" type="datetimeFigureOut">
-              <a:rPr lang="de-DE" smtClean="0"/>
-              <a:t>31.05.2020</a:t>
-            </a:fld>
-            <a:endParaRPr lang="de-DE"/>
-          </a:p>
-        </p:txBody>
-      </p:sp>
-      <p:sp>
-        <p:nvSpPr>
-          <p:cNvPr id="5" name="Footer Placeholder 4"/>
-          <p:cNvSpPr>
-            <a:spLocks noGrp="1"/>
-          </p:cNvSpPr>
-          <p:nvPr>
-            <p:ph type="ftr" sz="quarter" idx="11"/>
-          </p:nvPr>
-        </p:nvSpPr>
-        <p:spPr/>
-        <p:txBody>
-          <a:bodyPr/>
-          <a:lstStyle/>
-          <a:p>
-            <a:endParaRPr lang="de-DE"/>
-          </a:p>
-        </p:txBody>
-      </p:sp>
-      <p:sp>
-        <p:nvSpPr>
-          <p:cNvPr id="6" name="Slide Number Placeholder 5"/>
-          <p:cNvSpPr>
-            <a:spLocks noGrp="1"/>
-          </p:cNvSpPr>
-          <p:nvPr>
-            <p:ph type="sldNum" sz="quarter" idx="12"/>
-          </p:nvPr>
-        </p:nvSpPr>
-        <p:spPr/>
-        <p:txBody>
-          <a:bodyPr/>
-          <a:lstStyle/>
-          <a:p>
-            <a:fld id="{94513A2A-2A0F-4886-92FA-B1F71E9AB48D}" type="slidenum">
-              <a:rPr lang="de-DE" smtClean="0"/>
-              <a:t>‹Nr.›</a:t>
-            </a:fld>
-            <a:endParaRPr lang="de-DE"/>
-          </a:p>
-        </p:txBody>
-      </p:sp>
-    </p:spTree>
-    <p:extLst>
-      <p:ext uri="{BB962C8B-B14F-4D97-AF65-F5344CB8AC3E}">
-        <p14:creationId xmlns:p14="http://schemas.microsoft.com/office/powerpoint/2010/main" val="376291706"/>
-      </p:ext>
-    </p:extLst>
-  </p:cSld>
-  <p:clrMapOvr>
-    <a:masterClrMapping/>
-  </p:clrMapOvr>
-</p:sldLayout>
-</file>
-
-<file path=ppt/slideLayouts/slideLayout3.xml><?xml version="1.0" encoding="utf-8"?>
-<p:sldLayout xmlns:a="http://schemas.openxmlformats.org/drawingml/2006/main" xmlns:r="http://schemas.openxmlformats.org/officeDocument/2006/relationships" xmlns:p="http://schemas.openxmlformats.org/presentationml/2006/main" type="secHead" preserve="1">
-  <p:cSld name="Abschnitts-&#10;überschrift">
-    <p:spTree>
-      <p:nvGrpSpPr>
-        <p:cNvPr id="1" name=""/>
-        <p:cNvGrpSpPr/>
-        <p:nvPr/>
-      </p:nvGrpSpPr>
-      <p:grpSpPr>
-        <a:xfrm>
-          <a:off x="0" y="0"/>
-          <a:ext cx="0" cy="0"/>
-          <a:chOff x="0" y="0"/>
-          <a:chExt cx="0" cy="0"/>
-        </a:xfrm>
-      </p:grpSpPr>
-      <p:sp>
-        <p:nvSpPr>
-          <p:cNvPr id="2" name="Title 1"/>
-          <p:cNvSpPr>
-            <a:spLocks noGrp="1"/>
-          </p:cNvSpPr>
-          <p:nvPr>
-            <p:ph type="title"/>
-          </p:nvPr>
-        </p:nvSpPr>
-        <p:spPr>
-          <a:xfrm>
-            <a:off x="623888" y="1709739"/>
-            <a:ext cx="7886700" cy="2852737"/>
-          </a:xfrm>
-        </p:spPr>
-        <p:txBody>
-          <a:bodyPr anchor="b"/>
-          <a:lstStyle>
-            <a:lvl1pPr>
-              <a:defRPr sz="6000"/>
-            </a:lvl1pPr>
-          </a:lstStyle>
-          <a:p>
-            <a:r>
-              <a:rPr lang="de-DE"/>
-              <a:t>Titelmasterformat durch Klicken bearbeiten</a:t>
-            </a:r>
-            <a:endParaRPr lang="en-US" dirty="0"/>
-          </a:p>
-        </p:txBody>
-      </p:sp>
-      <p:sp>
-        <p:nvSpPr>
-          <p:cNvPr id="3" name="Text Placeholder 2"/>
-          <p:cNvSpPr>
-            <a:spLocks noGrp="1"/>
-          </p:cNvSpPr>
-          <p:nvPr>
-            <p:ph type="body" idx="1"/>
-          </p:nvPr>
-        </p:nvSpPr>
-        <p:spPr>
-          <a:xfrm>
-            <a:off x="623888" y="4589464"/>
-            <a:ext cx="7886700" cy="1500187"/>
-          </a:xfrm>
-        </p:spPr>
-        <p:txBody>
-          <a:bodyPr/>
-          <a:lstStyle>
-            <a:lvl1pPr marL="0" indent="0">
-              <a:buNone/>
-              <a:defRPr sz="2400">
-                <a:solidFill>
-                  <a:schemeClr val="tx1"/>
-                </a:solidFill>
-              </a:defRPr>
-            </a:lvl1pPr>
-            <a:lvl2pPr marL="457200" indent="0">
-              <a:buNone/>
-              <a:defRPr sz="2000">
-                <a:solidFill>
-                  <a:schemeClr val="tx1">
-                    <a:tint val="75000"/>
-                  </a:schemeClr>
-                </a:solidFill>
-              </a:defRPr>
-            </a:lvl2pPr>
-            <a:lvl3pPr marL="914400" indent="0">
-              <a:buNone/>
-              <a:defRPr sz="1800">
-                <a:solidFill>
-                  <a:schemeClr val="tx1">
-                    <a:tint val="75000"/>
-                  </a:schemeClr>
-                </a:solidFill>
-              </a:defRPr>
-            </a:lvl3pPr>
-            <a:lvl4pPr marL="1371600" indent="0">
-              <a:buNone/>
-              <a:defRPr sz="1600">
-                <a:solidFill>
-                  <a:schemeClr val="tx1">
-                    <a:tint val="75000"/>
-                  </a:schemeClr>
-                </a:solidFill>
-              </a:defRPr>
-            </a:lvl4pPr>
-            <a:lvl5pPr marL="1828800" indent="0">
-              <a:buNone/>
-              <a:defRPr sz="1600">
-                <a:solidFill>
-                  <a:schemeClr val="tx1">
-                    <a:tint val="75000"/>
-                  </a:schemeClr>
-                </a:solidFill>
-              </a:defRPr>
-            </a:lvl5pPr>
-            <a:lvl6pPr marL="2286000" indent="0">
-              <a:buNone/>
-              <a:defRPr sz="1600">
-                <a:solidFill>
-                  <a:schemeClr val="tx1">
-                    <a:tint val="75000"/>
-                  </a:schemeClr>
-                </a:solidFill>
-              </a:defRPr>
-            </a:lvl6pPr>
-            <a:lvl7pPr marL="2743200" indent="0">
-              <a:buNone/>
-              <a:defRPr sz="1600">
-                <a:solidFill>
-                  <a:schemeClr val="tx1">
-                    <a:tint val="75000"/>
-                  </a:schemeClr>
-                </a:solidFill>
-              </a:defRPr>
-            </a:lvl7pPr>
-            <a:lvl8pPr marL="3200400" indent="0">
-              <a:buNone/>
-              <a:defRPr sz="1600">
-                <a:solidFill>
-                  <a:schemeClr val="tx1">
-                    <a:tint val="75000"/>
-                  </a:schemeClr>
-                </a:solidFill>
-              </a:defRPr>
-            </a:lvl8pPr>
-            <a:lvl9pPr marL="3657600" indent="0">
-              <a:buNone/>
-              <a:defRPr sz="1600">
-                <a:solidFill>
-                  <a:schemeClr val="tx1">
-                    <a:tint val="75000"/>
-                  </a:schemeClr>
-                </a:solidFill>
-              </a:defRPr>
-            </a:lvl9pPr>
-          </a:lstStyle>
-          <a:p>
-            <a:pPr lvl="0"/>
-            <a:r>
-              <a:rPr lang="de-DE"/>
-              <a:t>Formatvorlagen des Textmasters bearbeiten</a:t>
-            </a:r>
-          </a:p>
-        </p:txBody>
-      </p:sp>
-      <p:sp>
-        <p:nvSpPr>
-          <p:cNvPr id="4" name="Date Placeholder 3"/>
-          <p:cNvSpPr>
-            <a:spLocks noGrp="1"/>
-          </p:cNvSpPr>
-          <p:nvPr>
-            <p:ph type="dt" sz="half" idx="10"/>
-          </p:nvPr>
-        </p:nvSpPr>
-        <p:spPr/>
-        <p:txBody>
-          <a:bodyPr/>
-          <a:lstStyle/>
-          <a:p>
-            <a:fld id="{DF6C65ED-D322-4A77-AF0E-7C20A4C0F5F7}" type="datetimeFigureOut">
-              <a:rPr lang="de-DE" smtClean="0"/>
-              <a:t>31.05.2020</a:t>
-            </a:fld>
-            <a:endParaRPr lang="de-DE"/>
-          </a:p>
-        </p:txBody>
-      </p:sp>
-      <p:sp>
-        <p:nvSpPr>
-          <p:cNvPr id="5" name="Footer Placeholder 4"/>
-          <p:cNvSpPr>
-            <a:spLocks noGrp="1"/>
-          </p:cNvSpPr>
-          <p:nvPr>
-            <p:ph type="ftr" sz="quarter" idx="11"/>
-          </p:nvPr>
-        </p:nvSpPr>
-        <p:spPr/>
-        <p:txBody>
-          <a:bodyPr/>
-          <a:lstStyle/>
-          <a:p>
-            <a:endParaRPr lang="de-DE"/>
-          </a:p>
-        </p:txBody>
-      </p:sp>
-      <p:sp>
-        <p:nvSpPr>
-          <p:cNvPr id="6" name="Slide Number Placeholder 5"/>
-          <p:cNvSpPr>
-            <a:spLocks noGrp="1"/>
-          </p:cNvSpPr>
-          <p:nvPr>
-            <p:ph type="sldNum" sz="quarter" idx="12"/>
-          </p:nvPr>
-        </p:nvSpPr>
-        <p:spPr/>
-        <p:txBody>
-          <a:bodyPr/>
-          <a:lstStyle/>
-          <a:p>
-            <a:fld id="{94513A2A-2A0F-4886-92FA-B1F71E9AB48D}" type="slidenum">
-              <a:rPr lang="de-DE" smtClean="0"/>
-              <a:t>‹Nr.›</a:t>
-            </a:fld>
-            <a:endParaRPr lang="de-DE"/>
-          </a:p>
-        </p:txBody>
-      </p:sp>
-    </p:spTree>
-    <p:extLst>
-      <p:ext uri="{BB962C8B-B14F-4D97-AF65-F5344CB8AC3E}">
-        <p14:creationId xmlns:p14="http://schemas.microsoft.com/office/powerpoint/2010/main" val="830842894"/>
-      </p:ext>
-    </p:extLst>
-  </p:cSld>
-  <p:clrMapOvr>
-    <a:masterClrMapping/>
-  </p:clrMapOvr>
-</p:sldLayout>
-</file>
-
-<file path=ppt/slideLayouts/slideLayout4.xml><?xml version="1.0" encoding="utf-8"?>
-<p:sldLayout xmlns:a="http://schemas.openxmlformats.org/drawingml/2006/main" xmlns:r="http://schemas.openxmlformats.org/officeDocument/2006/relationships" xmlns:p="http://schemas.openxmlformats.org/presentationml/2006/main" type="twoObj" preserve="1">
-  <p:cSld name="Zwei Inhalte">
-    <p:spTree>
-      <p:nvGrpSpPr>
-        <p:cNvPr id="1" name=""/>
-        <p:cNvGrpSpPr/>
-        <p:nvPr/>
-      </p:nvGrpSpPr>
-      <p:grpSpPr>
-        <a:xfrm>
-          <a:off x="0" y="0"/>
-          <a:ext cx="0" cy="0"/>
-          <a:chOff x="0" y="0"/>
-          <a:chExt cx="0" cy="0"/>
-        </a:xfrm>
-      </p:grpSpPr>
-      <p:sp>
-        <p:nvSpPr>
-          <p:cNvPr id="2" name="Title 1"/>
-          <p:cNvSpPr>
-            <a:spLocks noGrp="1"/>
-          </p:cNvSpPr>
-          <p:nvPr>
-            <p:ph type="title"/>
-          </p:nvPr>
-        </p:nvSpPr>
-        <p:spPr/>
-        <p:txBody>
-          <a:bodyPr/>
-          <a:lstStyle/>
-          <a:p>
-            <a:r>
-              <a:rPr lang="de-DE"/>
-              <a:t>Titelmasterformat durch Klicken bearbeiten</a:t>
-            </a:r>
-            <a:endParaRPr lang="en-US" dirty="0"/>
-          </a:p>
-        </p:txBody>
-      </p:sp>
-      <p:sp>
-        <p:nvSpPr>
-          <p:cNvPr id="3" name="Content Placeholder 2"/>
-          <p:cNvSpPr>
-            <a:spLocks noGrp="1"/>
-          </p:cNvSpPr>
-          <p:nvPr>
-            <p:ph sz="half" idx="1"/>
-          </p:nvPr>
-        </p:nvSpPr>
-        <p:spPr>
-          <a:xfrm>
-            <a:off x="628650" y="1825625"/>
-            <a:ext cx="3886200" cy="4351338"/>
-          </a:xfrm>
-        </p:spPr>
-        <p:txBody>
-          <a:bodyPr/>
-          <a:lstStyle/>
-          <a:p>
-            <a:pPr lvl="0"/>
-            <a:r>
-              <a:rPr lang="de-DE"/>
-              <a:t>Formatvorlagen des Textmasters bearbeiten</a:t>
-            </a:r>
-          </a:p>
-          <a:p>
-            <a:pPr lvl="1"/>
-            <a:r>
-              <a:rPr lang="de-DE"/>
-              <a:t>Zweite Ebene</a:t>
-            </a:r>
-          </a:p>
-          <a:p>
-            <a:pPr lvl="2"/>
-            <a:r>
-              <a:rPr lang="de-DE"/>
-              <a:t>Dritte Ebene</a:t>
-            </a:r>
-          </a:p>
-          <a:p>
-            <a:pPr lvl="3"/>
-            <a:r>
-              <a:rPr lang="de-DE"/>
-              <a:t>Vierte Ebene</a:t>
-            </a:r>
-          </a:p>
-          <a:p>
-            <a:pPr lvl="4"/>
-            <a:r>
-              <a:rPr lang="de-DE"/>
-              <a:t>Fünfte Ebene</a:t>
-            </a:r>
-            <a:endParaRPr lang="en-US" dirty="0"/>
-          </a:p>
-        </p:txBody>
-      </p:sp>
-      <p:sp>
-        <p:nvSpPr>
-          <p:cNvPr id="4" name="Content Placeholder 3"/>
-          <p:cNvSpPr>
-            <a:spLocks noGrp="1"/>
-          </p:cNvSpPr>
-          <p:nvPr>
-            <p:ph sz="half" idx="2"/>
-          </p:nvPr>
-        </p:nvSpPr>
-        <p:spPr>
-          <a:xfrm>
-            <a:off x="4629150" y="1825625"/>
-            <a:ext cx="3886200" cy="4351338"/>
-          </a:xfrm>
-        </p:spPr>
-        <p:txBody>
-          <a:bodyPr/>
-          <a:lstStyle/>
-          <a:p>
-            <a:pPr lvl="0"/>
-            <a:r>
-              <a:rPr lang="de-DE"/>
-              <a:t>Formatvorlagen des Textmasters bearbeiten</a:t>
-            </a:r>
-          </a:p>
-          <a:p>
-            <a:pPr lvl="1"/>
-            <a:r>
-              <a:rPr lang="de-DE"/>
-              <a:t>Zweite Ebene</a:t>
-            </a:r>
-          </a:p>
-          <a:p>
-            <a:pPr lvl="2"/>
-            <a:r>
-              <a:rPr lang="de-DE"/>
-              <a:t>Dritte Ebene</a:t>
-            </a:r>
-          </a:p>
-          <a:p>
-            <a:pPr lvl="3"/>
-            <a:r>
-              <a:rPr lang="de-DE"/>
-              <a:t>Vierte Ebene</a:t>
-            </a:r>
-          </a:p>
-          <a:p>
-            <a:pPr lvl="4"/>
-            <a:r>
-              <a:rPr lang="de-DE"/>
-              <a:t>Fünfte Ebene</a:t>
-            </a:r>
-            <a:endParaRPr lang="en-US" dirty="0"/>
-          </a:p>
-        </p:txBody>
-      </p:sp>
-      <p:sp>
-        <p:nvSpPr>
-          <p:cNvPr id="5" name="Date Placeholder 4"/>
-          <p:cNvSpPr>
-            <a:spLocks noGrp="1"/>
-          </p:cNvSpPr>
-          <p:nvPr>
-            <p:ph type="dt" sz="half" idx="10"/>
-          </p:nvPr>
-        </p:nvSpPr>
-        <p:spPr/>
-        <p:txBody>
-          <a:bodyPr/>
-          <a:lstStyle/>
-          <a:p>
-            <a:fld id="{DF6C65ED-D322-4A77-AF0E-7C20A4C0F5F7}" type="datetimeFigureOut">
-              <a:rPr lang="de-DE" smtClean="0"/>
-              <a:t>31.05.2020</a:t>
-            </a:fld>
-            <a:endParaRPr lang="de-DE"/>
-          </a:p>
-        </p:txBody>
-      </p:sp>
-      <p:sp>
-        <p:nvSpPr>
-          <p:cNvPr id="6" name="Footer Placeholder 5"/>
-          <p:cNvSpPr>
-            <a:spLocks noGrp="1"/>
-          </p:cNvSpPr>
-          <p:nvPr>
-            <p:ph type="ftr" sz="quarter" idx="11"/>
-          </p:nvPr>
-        </p:nvSpPr>
-        <p:spPr/>
-        <p:txBody>
-          <a:bodyPr/>
-          <a:lstStyle/>
-          <a:p>
-            <a:endParaRPr lang="de-DE"/>
-          </a:p>
-        </p:txBody>
-      </p:sp>
-      <p:sp>
-        <p:nvSpPr>
-          <p:cNvPr id="7" name="Slide Number Placeholder 6"/>
-          <p:cNvSpPr>
-            <a:spLocks noGrp="1"/>
-          </p:cNvSpPr>
-          <p:nvPr>
-            <p:ph type="sldNum" sz="quarter" idx="12"/>
-          </p:nvPr>
-        </p:nvSpPr>
-        <p:spPr/>
-        <p:txBody>
-          <a:bodyPr/>
-          <a:lstStyle/>
-          <a:p>
-            <a:fld id="{94513A2A-2A0F-4886-92FA-B1F71E9AB48D}" type="slidenum">
-              <a:rPr lang="de-DE" smtClean="0"/>
-              <a:t>‹Nr.›</a:t>
-            </a:fld>
-            <a:endParaRPr lang="de-DE"/>
-          </a:p>
-        </p:txBody>
-      </p:sp>
-    </p:spTree>
-    <p:extLst>
-      <p:ext uri="{BB962C8B-B14F-4D97-AF65-F5344CB8AC3E}">
-        <p14:creationId xmlns:p14="http://schemas.microsoft.com/office/powerpoint/2010/main" val="1412630111"/>
-      </p:ext>
-    </p:extLst>
-  </p:cSld>
-  <p:clrMapOvr>
-    <a:masterClrMapping/>
-  </p:clrMapOvr>
-</p:sldLayout>
-</file>
-
-<file path=ppt/slideLayouts/slideLayout5.xml><?xml version="1.0" encoding="utf-8"?>
-<p:sldLayout xmlns:a="http://schemas.openxmlformats.org/drawingml/2006/main" xmlns:r="http://schemas.openxmlformats.org/officeDocument/2006/relationships" xmlns:p="http://schemas.openxmlformats.org/presentationml/2006/main" type="twoTxTwoObj" preserve="1">
-  <p:cSld name="Vergleich">
-    <p:spTree>
-      <p:nvGrpSpPr>
-        <p:cNvPr id="1" name=""/>
-        <p:cNvGrpSpPr/>
-        <p:nvPr/>
-      </p:nvGrpSpPr>
-      <p:grpSpPr>
-        <a:xfrm>
-          <a:off x="0" y="0"/>
-          <a:ext cx="0" cy="0"/>
-          <a:chOff x="0" y="0"/>
-          <a:chExt cx="0" cy="0"/>
-        </a:xfrm>
-      </p:grpSpPr>
-      <p:sp>
-        <p:nvSpPr>
-          <p:cNvPr id="2" name="Title 1"/>
-          <p:cNvSpPr>
-            <a:spLocks noGrp="1"/>
-          </p:cNvSpPr>
-          <p:nvPr>
-            <p:ph type="title"/>
-          </p:nvPr>
-        </p:nvSpPr>
-        <p:spPr>
-          <a:xfrm>
-            <a:off x="629841" y="365126"/>
-            <a:ext cx="7886700" cy="1325563"/>
-          </a:xfrm>
-        </p:spPr>
-        <p:txBody>
-          <a:bodyPr/>
-          <a:lstStyle/>
-          <a:p>
-            <a:r>
-              <a:rPr lang="de-DE"/>
-              <a:t>Titelmasterformat durch Klicken bearbeiten</a:t>
-            </a:r>
-            <a:endParaRPr lang="en-US" dirty="0"/>
-          </a:p>
-        </p:txBody>
-      </p:sp>
-      <p:sp>
-        <p:nvSpPr>
-          <p:cNvPr id="3" name="Text Placeholder 2"/>
-          <p:cNvSpPr>
-            <a:spLocks noGrp="1"/>
-          </p:cNvSpPr>
-          <p:nvPr>
-            <p:ph type="body" idx="1"/>
-          </p:nvPr>
-        </p:nvSpPr>
-        <p:spPr>
-          <a:xfrm>
-            <a:off x="629842" y="1681163"/>
-            <a:ext cx="3868340" cy="823912"/>
-          </a:xfrm>
-        </p:spPr>
-        <p:txBody>
-          <a:bodyPr anchor="b"/>
-          <a:lstStyle>
-            <a:lvl1pPr marL="0" indent="0">
-              <a:buNone/>
-              <a:defRPr sz="2400" b="1"/>
-            </a:lvl1pPr>
-            <a:lvl2pPr marL="457200" indent="0">
-              <a:buNone/>
-              <a:defRPr sz="2000" b="1"/>
-            </a:lvl2pPr>
-            <a:lvl3pPr marL="914400" indent="0">
-              <a:buNone/>
-              <a:defRPr sz="1800" b="1"/>
-            </a:lvl3pPr>
-            <a:lvl4pPr marL="1371600" indent="0">
-              <a:buNone/>
-              <a:defRPr sz="1600" b="1"/>
-            </a:lvl4pPr>
-            <a:lvl5pPr marL="1828800" indent="0">
-              <a:buNone/>
-              <a:defRPr sz="1600" b="1"/>
-            </a:lvl5pPr>
-            <a:lvl6pPr marL="2286000" indent="0">
-              <a:buNone/>
-              <a:defRPr sz="1600" b="1"/>
-            </a:lvl6pPr>
-            <a:lvl7pPr marL="2743200" indent="0">
-              <a:buNone/>
-              <a:defRPr sz="1600" b="1"/>
-            </a:lvl7pPr>
-            <a:lvl8pPr marL="3200400" indent="0">
-              <a:buNone/>
-              <a:defRPr sz="1600" b="1"/>
-            </a:lvl8pPr>
-            <a:lvl9pPr marL="3657600" indent="0">
-              <a:buNone/>
-              <a:defRPr sz="1600" b="1"/>
-            </a:lvl9pPr>
-          </a:lstStyle>
-          <a:p>
-            <a:pPr lvl="0"/>
-            <a:r>
-              <a:rPr lang="de-DE"/>
-              <a:t>Formatvorlagen des Textmasters bearbeiten</a:t>
-            </a:r>
-          </a:p>
-        </p:txBody>
-      </p:sp>
-      <p:sp>
-        <p:nvSpPr>
-          <p:cNvPr id="4" name="Content Placeholder 3"/>
-          <p:cNvSpPr>
-            <a:spLocks noGrp="1"/>
-          </p:cNvSpPr>
-          <p:nvPr>
-            <p:ph sz="half" idx="2"/>
-          </p:nvPr>
-        </p:nvSpPr>
-        <p:spPr>
-          <a:xfrm>
-            <a:off x="629842" y="2505075"/>
-            <a:ext cx="3868340" cy="3684588"/>
-          </a:xfrm>
-        </p:spPr>
-        <p:txBody>
-          <a:bodyPr/>
-          <a:lstStyle/>
-          <a:p>
-            <a:pPr lvl="0"/>
-            <a:r>
-              <a:rPr lang="de-DE"/>
-              <a:t>Formatvorlagen des Textmasters bearbeiten</a:t>
-            </a:r>
-          </a:p>
-          <a:p>
-            <a:pPr lvl="1"/>
-            <a:r>
-              <a:rPr lang="de-DE"/>
-              <a:t>Zweite Ebene</a:t>
-            </a:r>
-          </a:p>
-          <a:p>
-            <a:pPr lvl="2"/>
-            <a:r>
-              <a:rPr lang="de-DE"/>
-              <a:t>Dritte Ebene</a:t>
-            </a:r>
-          </a:p>
-          <a:p>
-            <a:pPr lvl="3"/>
-            <a:r>
-              <a:rPr lang="de-DE"/>
-              <a:t>Vierte Ebene</a:t>
-            </a:r>
-          </a:p>
-          <a:p>
-            <a:pPr lvl="4"/>
-            <a:r>
-              <a:rPr lang="de-DE"/>
-              <a:t>Fünfte Ebene</a:t>
-            </a:r>
-            <a:endParaRPr lang="en-US" dirty="0"/>
-          </a:p>
-        </p:txBody>
-      </p:sp>
-      <p:sp>
-        <p:nvSpPr>
-          <p:cNvPr id="5" name="Text Placeholder 4"/>
-          <p:cNvSpPr>
-            <a:spLocks noGrp="1"/>
-          </p:cNvSpPr>
-          <p:nvPr>
-            <p:ph type="body" sz="quarter" idx="3"/>
-          </p:nvPr>
-        </p:nvSpPr>
-        <p:spPr>
-          <a:xfrm>
-            <a:off x="4629150" y="1681163"/>
-            <a:ext cx="3887391" cy="823912"/>
-          </a:xfrm>
-        </p:spPr>
-        <p:txBody>
-          <a:bodyPr anchor="b"/>
-          <a:lstStyle>
-            <a:lvl1pPr marL="0" indent="0">
-              <a:buNone/>
-              <a:defRPr sz="2400" b="1"/>
-            </a:lvl1pPr>
-            <a:lvl2pPr marL="457200" indent="0">
-              <a:buNone/>
-              <a:defRPr sz="2000" b="1"/>
-            </a:lvl2pPr>
-            <a:lvl3pPr marL="914400" indent="0">
-              <a:buNone/>
-              <a:defRPr sz="1800" b="1"/>
-            </a:lvl3pPr>
-            <a:lvl4pPr marL="1371600" indent="0">
-              <a:buNone/>
-              <a:defRPr sz="1600" b="1"/>
-            </a:lvl4pPr>
-            <a:lvl5pPr marL="1828800" indent="0">
-              <a:buNone/>
-              <a:defRPr sz="1600" b="1"/>
-            </a:lvl5pPr>
-            <a:lvl6pPr marL="2286000" indent="0">
-              <a:buNone/>
-              <a:defRPr sz="1600" b="1"/>
-            </a:lvl6pPr>
-            <a:lvl7pPr marL="2743200" indent="0">
-              <a:buNone/>
-              <a:defRPr sz="1600" b="1"/>
-            </a:lvl7pPr>
-            <a:lvl8pPr marL="3200400" indent="0">
-              <a:buNone/>
-              <a:defRPr sz="1600" b="1"/>
-            </a:lvl8pPr>
-            <a:lvl9pPr marL="3657600" indent="0">
-              <a:buNone/>
-              <a:defRPr sz="1600" b="1"/>
-            </a:lvl9pPr>
-          </a:lstStyle>
-          <a:p>
-            <a:pPr lvl="0"/>
-            <a:r>
-              <a:rPr lang="de-DE"/>
-              <a:t>Formatvorlagen des Textmasters bearbeiten</a:t>
-            </a:r>
-          </a:p>
-        </p:txBody>
-      </p:sp>
-      <p:sp>
-        <p:nvSpPr>
-          <p:cNvPr id="6" name="Content Placeholder 5"/>
-          <p:cNvSpPr>
-            <a:spLocks noGrp="1"/>
-          </p:cNvSpPr>
-          <p:nvPr>
-            <p:ph sz="quarter" idx="4"/>
-          </p:nvPr>
-        </p:nvSpPr>
-        <p:spPr>
-          <a:xfrm>
-            <a:off x="4629150" y="2505075"/>
-            <a:ext cx="3887391" cy="3684588"/>
-          </a:xfrm>
-        </p:spPr>
-        <p:txBody>
-          <a:bodyPr/>
-          <a:lstStyle/>
-          <a:p>
-            <a:pPr lvl="0"/>
-            <a:r>
-              <a:rPr lang="de-DE"/>
-              <a:t>Formatvorlagen des Textmasters bearbeiten</a:t>
-            </a:r>
-          </a:p>
-          <a:p>
-            <a:pPr lvl="1"/>
-            <a:r>
-              <a:rPr lang="de-DE"/>
-              <a:t>Zweite Ebene</a:t>
-            </a:r>
-          </a:p>
-          <a:p>
-            <a:pPr lvl="2"/>
-            <a:r>
-              <a:rPr lang="de-DE"/>
-              <a:t>Dritte Ebene</a:t>
-            </a:r>
-          </a:p>
-          <a:p>
-            <a:pPr lvl="3"/>
-            <a:r>
-              <a:rPr lang="de-DE"/>
-              <a:t>Vierte Ebene</a:t>
-            </a:r>
-          </a:p>
-          <a:p>
-            <a:pPr lvl="4"/>
-            <a:r>
-              <a:rPr lang="de-DE"/>
-              <a:t>Fünfte Ebene</a:t>
-            </a:r>
-            <a:endParaRPr lang="en-US" dirty="0"/>
-          </a:p>
-        </p:txBody>
-      </p:sp>
-      <p:sp>
-        <p:nvSpPr>
-          <p:cNvPr id="7" name="Date Placeholder 6"/>
-          <p:cNvSpPr>
-            <a:spLocks noGrp="1"/>
-          </p:cNvSpPr>
-          <p:nvPr>
-            <p:ph type="dt" sz="half" idx="10"/>
-          </p:nvPr>
-        </p:nvSpPr>
-        <p:spPr/>
-        <p:txBody>
-          <a:bodyPr/>
-          <a:lstStyle/>
-          <a:p>
-            <a:fld id="{DF6C65ED-D322-4A77-AF0E-7C20A4C0F5F7}" type="datetimeFigureOut">
-              <a:rPr lang="de-DE" smtClean="0"/>
-              <a:t>31.05.2020</a:t>
-            </a:fld>
-            <a:endParaRPr lang="de-DE"/>
-          </a:p>
-        </p:txBody>
-      </p:sp>
-      <p:sp>
-        <p:nvSpPr>
-          <p:cNvPr id="8" name="Footer Placeholder 7"/>
-          <p:cNvSpPr>
-            <a:spLocks noGrp="1"/>
-          </p:cNvSpPr>
-          <p:nvPr>
-            <p:ph type="ftr" sz="quarter" idx="11"/>
-          </p:nvPr>
-        </p:nvSpPr>
-        <p:spPr/>
-        <p:txBody>
-          <a:bodyPr/>
-          <a:lstStyle/>
-          <a:p>
-            <a:endParaRPr lang="de-DE"/>
-          </a:p>
-        </p:txBody>
-      </p:sp>
-      <p:sp>
-        <p:nvSpPr>
-          <p:cNvPr id="9" name="Slide Number Placeholder 8"/>
-          <p:cNvSpPr>
-            <a:spLocks noGrp="1"/>
-          </p:cNvSpPr>
-          <p:nvPr>
-            <p:ph type="sldNum" sz="quarter" idx="12"/>
-          </p:nvPr>
-        </p:nvSpPr>
-        <p:spPr/>
-        <p:txBody>
-          <a:bodyPr/>
-          <a:lstStyle/>
-          <a:p>
-            <a:fld id="{94513A2A-2A0F-4886-92FA-B1F71E9AB48D}" type="slidenum">
-              <a:rPr lang="de-DE" smtClean="0"/>
-              <a:t>‹Nr.›</a:t>
-            </a:fld>
-            <a:endParaRPr lang="de-DE"/>
-          </a:p>
-        </p:txBody>
-      </p:sp>
-    </p:spTree>
-    <p:extLst>
-      <p:ext uri="{BB962C8B-B14F-4D97-AF65-F5344CB8AC3E}">
-        <p14:creationId xmlns:p14="http://schemas.microsoft.com/office/powerpoint/2010/main" val="1137229355"/>
-      </p:ext>
-    </p:extLst>
-  </p:cSld>
-  <p:clrMapOvr>
-    <a:masterClrMapping/>
-  </p:clrMapOvr>
-</p:sldLayout>
-</file>
-
-<file path=ppt/slideLayouts/slideLayout6.xml><?xml version="1.0" encoding="utf-8"?>
-<p:sldLayout xmlns:a="http://schemas.openxmlformats.org/drawingml/2006/main" xmlns:r="http://schemas.openxmlformats.org/officeDocument/2006/relationships" xmlns:p="http://schemas.openxmlformats.org/presentationml/2006/main" type="titleOnly" preserve="1">
-  <p:cSld name="Nur Titel">
-    <p:spTree>
-      <p:nvGrpSpPr>
-        <p:cNvPr id="1" name=""/>
-        <p:cNvGrpSpPr/>
-        <p:nvPr/>
-      </p:nvGrpSpPr>
-      <p:grpSpPr>
-        <a:xfrm>
-          <a:off x="0" y="0"/>
-          <a:ext cx="0" cy="0"/>
-          <a:chOff x="0" y="0"/>
-          <a:chExt cx="0" cy="0"/>
-        </a:xfrm>
-      </p:grpSpPr>
-      <p:sp>
-        <p:nvSpPr>
-          <p:cNvPr id="2" name="Title 1"/>
-          <p:cNvSpPr>
-            <a:spLocks noGrp="1"/>
-          </p:cNvSpPr>
-          <p:nvPr>
-            <p:ph type="title"/>
-          </p:nvPr>
-        </p:nvSpPr>
-        <p:spPr/>
-        <p:txBody>
-          <a:bodyPr/>
-          <a:lstStyle/>
-          <a:p>
-            <a:r>
-              <a:rPr lang="de-DE"/>
-              <a:t>Titelmasterformat durch Klicken bearbeiten</a:t>
-            </a:r>
-            <a:endParaRPr lang="en-US" dirty="0"/>
-          </a:p>
-        </p:txBody>
-      </p:sp>
-      <p:sp>
-        <p:nvSpPr>
-          <p:cNvPr id="3" name="Date Placeholder 2"/>
-          <p:cNvSpPr>
-            <a:spLocks noGrp="1"/>
-          </p:cNvSpPr>
-          <p:nvPr>
-            <p:ph type="dt" sz="half" idx="10"/>
-          </p:nvPr>
-        </p:nvSpPr>
-        <p:spPr/>
-        <p:txBody>
-          <a:bodyPr/>
-          <a:lstStyle/>
-          <a:p>
-            <a:fld id="{DF6C65ED-D322-4A77-AF0E-7C20A4C0F5F7}" type="datetimeFigureOut">
-              <a:rPr lang="de-DE" smtClean="0"/>
-              <a:t>31.05.2020</a:t>
-            </a:fld>
-            <a:endParaRPr lang="de-DE"/>
-          </a:p>
-        </p:txBody>
-      </p:sp>
-      <p:sp>
-        <p:nvSpPr>
-          <p:cNvPr id="4" name="Footer Placeholder 3"/>
-          <p:cNvSpPr>
-            <a:spLocks noGrp="1"/>
-          </p:cNvSpPr>
-          <p:nvPr>
-            <p:ph type="ftr" sz="quarter" idx="11"/>
-          </p:nvPr>
-        </p:nvSpPr>
-        <p:spPr/>
-        <p:txBody>
-          <a:bodyPr/>
-          <a:lstStyle/>
-          <a:p>
-            <a:endParaRPr lang="de-DE"/>
-          </a:p>
-        </p:txBody>
-      </p:sp>
-      <p:sp>
-        <p:nvSpPr>
-          <p:cNvPr id="5" name="Slide Number Placeholder 4"/>
-          <p:cNvSpPr>
-            <a:spLocks noGrp="1"/>
-          </p:cNvSpPr>
-          <p:nvPr>
-            <p:ph type="sldNum" sz="quarter" idx="12"/>
-          </p:nvPr>
-        </p:nvSpPr>
-        <p:spPr/>
-        <p:txBody>
-          <a:bodyPr/>
-          <a:lstStyle/>
-          <a:p>
-            <a:fld id="{94513A2A-2A0F-4886-92FA-B1F71E9AB48D}" type="slidenum">
-              <a:rPr lang="de-DE" smtClean="0"/>
-              <a:t>‹Nr.›</a:t>
-            </a:fld>
-            <a:endParaRPr lang="de-DE"/>
-          </a:p>
-        </p:txBody>
-      </p:sp>
-    </p:spTree>
-    <p:extLst>
-      <p:ext uri="{BB962C8B-B14F-4D97-AF65-F5344CB8AC3E}">
-        <p14:creationId xmlns:p14="http://schemas.microsoft.com/office/powerpoint/2010/main" val="1542363614"/>
-      </p:ext>
-    </p:extLst>
-  </p:cSld>
-  <p:clrMapOvr>
-    <a:masterClrMapping/>
-  </p:clrMapOvr>
-</p:sldLayout>
-</file>
-
-<file path=ppt/slideLayouts/slideLayout7.xml><?xml version="1.0" encoding="utf-8"?>
-<p:sldLayout xmlns:a="http://schemas.openxmlformats.org/drawingml/2006/main" xmlns:r="http://schemas.openxmlformats.org/officeDocument/2006/relationships" xmlns:p="http://schemas.openxmlformats.org/presentationml/2006/main" type="blank" preserve="1">
-  <p:cSld name="Leer">
-    <p:spTree>
-      <p:nvGrpSpPr>
-        <p:cNvPr id="1" name=""/>
-        <p:cNvGrpSpPr/>
-        <p:nvPr/>
-      </p:nvGrpSpPr>
-      <p:grpSpPr>
-        <a:xfrm>
-          <a:off x="0" y="0"/>
-          <a:ext cx="0" cy="0"/>
-          <a:chOff x="0" y="0"/>
-          <a:chExt cx="0" cy="0"/>
-        </a:xfrm>
-      </p:grpSpPr>
-      <p:sp>
-        <p:nvSpPr>
-          <p:cNvPr id="2" name="Date Placeholder 1"/>
-          <p:cNvSpPr>
-            <a:spLocks noGrp="1"/>
-          </p:cNvSpPr>
-          <p:nvPr>
-            <p:ph type="dt" sz="half" idx="10"/>
-          </p:nvPr>
-        </p:nvSpPr>
-        <p:spPr/>
-        <p:txBody>
-          <a:bodyPr/>
-          <a:lstStyle/>
-          <a:p>
-            <a:fld id="{DF6C65ED-D322-4A77-AF0E-7C20A4C0F5F7}" type="datetimeFigureOut">
-              <a:rPr lang="de-DE" smtClean="0"/>
-              <a:t>31.05.2020</a:t>
-            </a:fld>
-            <a:endParaRPr lang="de-DE"/>
-          </a:p>
-        </p:txBody>
-      </p:sp>
-      <p:sp>
-        <p:nvSpPr>
-          <p:cNvPr id="3" name="Footer Placeholder 2"/>
-          <p:cNvSpPr>
-            <a:spLocks noGrp="1"/>
-          </p:cNvSpPr>
-          <p:nvPr>
-            <p:ph type="ftr" sz="quarter" idx="11"/>
-          </p:nvPr>
-        </p:nvSpPr>
-        <p:spPr/>
-        <p:txBody>
-          <a:bodyPr/>
-          <a:lstStyle/>
-          <a:p>
-            <a:endParaRPr lang="de-DE"/>
-          </a:p>
-        </p:txBody>
-      </p:sp>
-      <p:sp>
-        <p:nvSpPr>
-          <p:cNvPr id="4" name="Slide Number Placeholder 3"/>
-          <p:cNvSpPr>
-            <a:spLocks noGrp="1"/>
-          </p:cNvSpPr>
-          <p:nvPr>
-            <p:ph type="sldNum" sz="quarter" idx="12"/>
-          </p:nvPr>
-        </p:nvSpPr>
-        <p:spPr/>
-        <p:txBody>
-          <a:bodyPr/>
-          <a:lstStyle/>
-          <a:p>
-            <a:fld id="{94513A2A-2A0F-4886-92FA-B1F71E9AB48D}" type="slidenum">
-              <a:rPr lang="de-DE" smtClean="0"/>
-              <a:t>‹Nr.›</a:t>
-            </a:fld>
-            <a:endParaRPr lang="de-DE"/>
-          </a:p>
-        </p:txBody>
-      </p:sp>
-    </p:spTree>
-    <p:extLst>
-      <p:ext uri="{BB962C8B-B14F-4D97-AF65-F5344CB8AC3E}">
-        <p14:creationId xmlns:p14="http://schemas.microsoft.com/office/powerpoint/2010/main" val="2744111193"/>
-      </p:ext>
-    </p:extLst>
-  </p:cSld>
-  <p:clrMapOvr>
-    <a:masterClrMapping/>
-  </p:clrMapOvr>
-</p:sldLayout>
-</file>
-
-<file path=ppt/slideLayouts/slideLayout8.xml><?xml version="1.0" encoding="utf-8"?>
-<p:sldLayout xmlns:a="http://schemas.openxmlformats.org/drawingml/2006/main" xmlns:r="http://schemas.openxmlformats.org/officeDocument/2006/relationships" xmlns:p="http://schemas.openxmlformats.org/presentationml/2006/main" type="objTx" preserve="1">
-  <p:cSld name="Inhalt mit Überschrift">
-    <p:spTree>
-      <p:nvGrpSpPr>
-        <p:cNvPr id="1" name=""/>
-        <p:cNvGrpSpPr/>
-        <p:nvPr/>
-      </p:nvGrpSpPr>
-      <p:grpSpPr>
-        <a:xfrm>
-          <a:off x="0" y="0"/>
-          <a:ext cx="0" cy="0"/>
-          <a:chOff x="0" y="0"/>
-          <a:chExt cx="0" cy="0"/>
-        </a:xfrm>
-      </p:grpSpPr>
-      <p:sp>
-        <p:nvSpPr>
-          <p:cNvPr id="2" name="Title 1"/>
-          <p:cNvSpPr>
-            <a:spLocks noGrp="1"/>
-          </p:cNvSpPr>
-          <p:nvPr>
-            <p:ph type="title"/>
-          </p:nvPr>
-        </p:nvSpPr>
-        <p:spPr>
-          <a:xfrm>
-            <a:off x="629841" y="457200"/>
-            <a:ext cx="2949178" cy="1600200"/>
-          </a:xfrm>
-        </p:spPr>
-        <p:txBody>
-          <a:bodyPr anchor="b"/>
-          <a:lstStyle>
-            <a:lvl1pPr>
-              <a:defRPr sz="3200"/>
-            </a:lvl1pPr>
-          </a:lstStyle>
-          <a:p>
-            <a:r>
-              <a:rPr lang="de-DE"/>
-              <a:t>Titelmasterformat durch Klicken bearbeiten</a:t>
-            </a:r>
-            <a:endParaRPr lang="en-US" dirty="0"/>
-          </a:p>
-        </p:txBody>
-      </p:sp>
-      <p:sp>
-        <p:nvSpPr>
-          <p:cNvPr id="3" name="Content Placeholder 2"/>
-          <p:cNvSpPr>
-            <a:spLocks noGrp="1"/>
-          </p:cNvSpPr>
-          <p:nvPr>
-            <p:ph idx="1"/>
-          </p:nvPr>
-        </p:nvSpPr>
-        <p:spPr>
-          <a:xfrm>
-            <a:off x="3887391" y="987426"/>
-            <a:ext cx="4629150" cy="4873625"/>
-          </a:xfrm>
-        </p:spPr>
-        <p:txBody>
-          <a:bodyPr/>
-          <a:lstStyle>
-            <a:lvl1pPr>
-              <a:defRPr sz="3200"/>
-            </a:lvl1pPr>
-            <a:lvl2pPr>
-              <a:defRPr sz="2800"/>
-            </a:lvl2pPr>
-            <a:lvl3pPr>
-              <a:defRPr sz="2400"/>
-            </a:lvl3pPr>
-            <a:lvl4pPr>
-              <a:defRPr sz="2000"/>
-            </a:lvl4pPr>
-            <a:lvl5pPr>
-              <a:defRPr sz="2000"/>
-            </a:lvl5pPr>
-            <a:lvl6pPr>
-              <a:defRPr sz="2000"/>
-            </a:lvl6pPr>
-            <a:lvl7pPr>
-              <a:defRPr sz="2000"/>
-            </a:lvl7pPr>
-            <a:lvl8pPr>
-              <a:defRPr sz="2000"/>
-            </a:lvl8pPr>
-            <a:lvl9pPr>
-              <a:defRPr sz="2000"/>
-            </a:lvl9pPr>
-          </a:lstStyle>
-          <a:p>
-            <a:pPr lvl="0"/>
-            <a:r>
-              <a:rPr lang="de-DE"/>
-              <a:t>Formatvorlagen des Textmasters bearbeiten</a:t>
-            </a:r>
-          </a:p>
-          <a:p>
-            <a:pPr lvl="1"/>
-            <a:r>
-              <a:rPr lang="de-DE"/>
-              <a:t>Zweite Ebene</a:t>
-            </a:r>
-          </a:p>
-          <a:p>
-            <a:pPr lvl="2"/>
-            <a:r>
-              <a:rPr lang="de-DE"/>
-              <a:t>Dritte Ebene</a:t>
-            </a:r>
-          </a:p>
-          <a:p>
-            <a:pPr lvl="3"/>
-            <a:r>
-              <a:rPr lang="de-DE"/>
-              <a:t>Vierte Ebene</a:t>
-            </a:r>
-          </a:p>
-          <a:p>
-            <a:pPr lvl="4"/>
-            <a:r>
-              <a:rPr lang="de-DE"/>
-              <a:t>Fünfte Ebene</a:t>
-            </a:r>
-            <a:endParaRPr lang="en-US" dirty="0"/>
-          </a:p>
-        </p:txBody>
-      </p:sp>
-      <p:sp>
-        <p:nvSpPr>
-          <p:cNvPr id="4" name="Text Placeholder 3"/>
-          <p:cNvSpPr>
-            <a:spLocks noGrp="1"/>
-          </p:cNvSpPr>
-          <p:nvPr>
-            <p:ph type="body" sz="half" idx="2"/>
-          </p:nvPr>
-        </p:nvSpPr>
-        <p:spPr>
-          <a:xfrm>
-            <a:off x="629841" y="2057400"/>
-            <a:ext cx="2949178" cy="3811588"/>
-          </a:xfrm>
-        </p:spPr>
-        <p:txBody>
-          <a:bodyPr/>
-          <a:lstStyle>
-            <a:lvl1pPr marL="0" indent="0">
-              <a:buNone/>
-              <a:defRPr sz="1600"/>
-            </a:lvl1pPr>
-            <a:lvl2pPr marL="457200" indent="0">
-              <a:buNone/>
-              <a:defRPr sz="1400"/>
-            </a:lvl2pPr>
-            <a:lvl3pPr marL="914400" indent="0">
-              <a:buNone/>
-              <a:defRPr sz="1200"/>
-            </a:lvl3pPr>
-            <a:lvl4pPr marL="1371600" indent="0">
-              <a:buNone/>
-              <a:defRPr sz="1000"/>
-            </a:lvl4pPr>
-            <a:lvl5pPr marL="1828800" indent="0">
-              <a:buNone/>
-              <a:defRPr sz="1000"/>
-            </a:lvl5pPr>
-            <a:lvl6pPr marL="2286000" indent="0">
-              <a:buNone/>
-              <a:defRPr sz="1000"/>
-            </a:lvl6pPr>
-            <a:lvl7pPr marL="2743200" indent="0">
-              <a:buNone/>
-              <a:defRPr sz="1000"/>
-            </a:lvl7pPr>
-            <a:lvl8pPr marL="3200400" indent="0">
-              <a:buNone/>
-              <a:defRPr sz="1000"/>
-            </a:lvl8pPr>
-            <a:lvl9pPr marL="3657600" indent="0">
-              <a:buNone/>
-              <a:defRPr sz="1000"/>
-            </a:lvl9pPr>
-          </a:lstStyle>
-          <a:p>
-            <a:pPr lvl="0"/>
-            <a:r>
-              <a:rPr lang="de-DE"/>
-              <a:t>Formatvorlagen des Textmasters bearbeiten</a:t>
-            </a:r>
-          </a:p>
-        </p:txBody>
-      </p:sp>
-      <p:sp>
-        <p:nvSpPr>
-          <p:cNvPr id="5" name="Date Placeholder 4"/>
-          <p:cNvSpPr>
-            <a:spLocks noGrp="1"/>
-          </p:cNvSpPr>
-          <p:nvPr>
-            <p:ph type="dt" sz="half" idx="10"/>
-          </p:nvPr>
-        </p:nvSpPr>
-        <p:spPr/>
-        <p:txBody>
-          <a:bodyPr/>
-          <a:lstStyle/>
-          <a:p>
-            <a:fld id="{DF6C65ED-D322-4A77-AF0E-7C20A4C0F5F7}" type="datetimeFigureOut">
-              <a:rPr lang="de-DE" smtClean="0"/>
-              <a:t>31.05.2020</a:t>
-            </a:fld>
-            <a:endParaRPr lang="de-DE"/>
-          </a:p>
-        </p:txBody>
-      </p:sp>
-      <p:sp>
-        <p:nvSpPr>
-          <p:cNvPr id="6" name="Footer Placeholder 5"/>
-          <p:cNvSpPr>
-            <a:spLocks noGrp="1"/>
-          </p:cNvSpPr>
-          <p:nvPr>
-            <p:ph type="ftr" sz="quarter" idx="11"/>
-          </p:nvPr>
-        </p:nvSpPr>
-        <p:spPr/>
-        <p:txBody>
-          <a:bodyPr/>
-          <a:lstStyle/>
-          <a:p>
-            <a:endParaRPr lang="de-DE"/>
-          </a:p>
-        </p:txBody>
-      </p:sp>
-      <p:sp>
-        <p:nvSpPr>
-          <p:cNvPr id="7" name="Slide Number Placeholder 6"/>
-          <p:cNvSpPr>
-            <a:spLocks noGrp="1"/>
-          </p:cNvSpPr>
-          <p:nvPr>
-            <p:ph type="sldNum" sz="quarter" idx="12"/>
-          </p:nvPr>
-        </p:nvSpPr>
-        <p:spPr/>
-        <p:txBody>
-          <a:bodyPr/>
-          <a:lstStyle/>
-          <a:p>
-            <a:fld id="{94513A2A-2A0F-4886-92FA-B1F71E9AB48D}" type="slidenum">
-              <a:rPr lang="de-DE" smtClean="0"/>
-              <a:t>‹Nr.›</a:t>
-            </a:fld>
-            <a:endParaRPr lang="de-DE"/>
-          </a:p>
-        </p:txBody>
-      </p:sp>
-    </p:spTree>
-    <p:extLst>
-      <p:ext uri="{BB962C8B-B14F-4D97-AF65-F5344CB8AC3E}">
-        <p14:creationId xmlns:p14="http://schemas.microsoft.com/office/powerpoint/2010/main" val="907916240"/>
-      </p:ext>
-    </p:extLst>
-  </p:cSld>
-  <p:clrMapOvr>
-    <a:masterClrMapping/>
-  </p:clrMapOvr>
-</p:sldLayout>
-</file>
-
-<file path=ppt/slideLayouts/slideLayout9.xml><?xml version="1.0" encoding="utf-8"?>
-<p:sldLayout xmlns:a="http://schemas.openxmlformats.org/drawingml/2006/main" xmlns:r="http://schemas.openxmlformats.org/officeDocument/2006/relationships" xmlns:p="http://schemas.openxmlformats.org/presentationml/2006/main" type="picTx" preserve="1">
-  <p:cSld name="Bild mit Überschrift">
-    <p:spTree>
-      <p:nvGrpSpPr>
-        <p:cNvPr id="1" name=""/>
-        <p:cNvGrpSpPr/>
-        <p:nvPr/>
-      </p:nvGrpSpPr>
-      <p:grpSpPr>
-        <a:xfrm>
-          <a:off x="0" y="0"/>
-          <a:ext cx="0" cy="0"/>
-          <a:chOff x="0" y="0"/>
-          <a:chExt cx="0" cy="0"/>
-        </a:xfrm>
-      </p:grpSpPr>
-      <p:sp>
-        <p:nvSpPr>
-          <p:cNvPr id="2" name="Title 1"/>
-          <p:cNvSpPr>
-            <a:spLocks noGrp="1"/>
-          </p:cNvSpPr>
-          <p:nvPr>
-            <p:ph type="title"/>
-          </p:nvPr>
-        </p:nvSpPr>
-        <p:spPr>
-          <a:xfrm>
-            <a:off x="629841" y="457200"/>
-            <a:ext cx="2949178" cy="1600200"/>
-          </a:xfrm>
-        </p:spPr>
-        <p:txBody>
-          <a:bodyPr anchor="b"/>
-          <a:lstStyle>
-            <a:lvl1pPr>
-              <a:defRPr sz="3200"/>
-            </a:lvl1pPr>
-          </a:lstStyle>
-          <a:p>
-            <a:r>
-              <a:rPr lang="de-DE"/>
-              <a:t>Titelmasterformat durch Klicken bearbeiten</a:t>
-            </a:r>
-            <a:endParaRPr lang="en-US" dirty="0"/>
-          </a:p>
-        </p:txBody>
-      </p:sp>
-      <p:sp>
-        <p:nvSpPr>
-          <p:cNvPr id="3" name="Picture Placeholder 2"/>
-          <p:cNvSpPr>
-            <a:spLocks noGrp="1" noChangeAspect="1"/>
-          </p:cNvSpPr>
-          <p:nvPr>
-            <p:ph type="pic" idx="1"/>
-          </p:nvPr>
-        </p:nvSpPr>
-        <p:spPr>
-          <a:xfrm>
-            <a:off x="3887391" y="987426"/>
-            <a:ext cx="4629150" cy="4873625"/>
-          </a:xfrm>
-        </p:spPr>
-        <p:txBody>
-          <a:bodyPr anchor="t"/>
-          <a:lstStyle>
-            <a:lvl1pPr marL="0" indent="0">
-              <a:buNone/>
-              <a:defRPr sz="3200"/>
-            </a:lvl1pPr>
-            <a:lvl2pPr marL="457200" indent="0">
-              <a:buNone/>
-              <a:defRPr sz="2800"/>
-            </a:lvl2pPr>
-            <a:lvl3pPr marL="914400" indent="0">
-              <a:buNone/>
-              <a:defRPr sz="2400"/>
-            </a:lvl3pPr>
-            <a:lvl4pPr marL="1371600" indent="0">
-              <a:buNone/>
-              <a:defRPr sz="2000"/>
-            </a:lvl4pPr>
-            <a:lvl5pPr marL="1828800" indent="0">
-              <a:buNone/>
-              <a:defRPr sz="2000"/>
-            </a:lvl5pPr>
-            <a:lvl6pPr marL="2286000" indent="0">
-              <a:buNone/>
-              <a:defRPr sz="2000"/>
-            </a:lvl6pPr>
-            <a:lvl7pPr marL="2743200" indent="0">
-              <a:buNone/>
-              <a:defRPr sz="2000"/>
-            </a:lvl7pPr>
-            <a:lvl8pPr marL="3200400" indent="0">
-              <a:buNone/>
-              <a:defRPr sz="2000"/>
-            </a:lvl8pPr>
-            <a:lvl9pPr marL="3657600" indent="0">
-              <a:buNone/>
-              <a:defRPr sz="2000"/>
-            </a:lvl9pPr>
-          </a:lstStyle>
-          <a:p>
-            <a:r>
-              <a:rPr lang="de-DE"/>
-              <a:t>Bild durch Klicken auf Symbol hinzufügen</a:t>
-            </a:r>
-            <a:endParaRPr lang="en-US" dirty="0"/>
-          </a:p>
-        </p:txBody>
-      </p:sp>
-      <p:sp>
-        <p:nvSpPr>
-          <p:cNvPr id="4" name="Text Placeholder 3"/>
-          <p:cNvSpPr>
-            <a:spLocks noGrp="1"/>
-          </p:cNvSpPr>
-          <p:nvPr>
-            <p:ph type="body" sz="half" idx="2"/>
-          </p:nvPr>
-        </p:nvSpPr>
-        <p:spPr>
-          <a:xfrm>
-            <a:off x="629841" y="2057400"/>
-            <a:ext cx="2949178" cy="3811588"/>
-          </a:xfrm>
-        </p:spPr>
-        <p:txBody>
-          <a:bodyPr/>
-          <a:lstStyle>
-            <a:lvl1pPr marL="0" indent="0">
-              <a:buNone/>
-              <a:defRPr sz="1600"/>
-            </a:lvl1pPr>
-            <a:lvl2pPr marL="457200" indent="0">
-              <a:buNone/>
-              <a:defRPr sz="1400"/>
-            </a:lvl2pPr>
-            <a:lvl3pPr marL="914400" indent="0">
-              <a:buNone/>
-              <a:defRPr sz="1200"/>
-            </a:lvl3pPr>
-            <a:lvl4pPr marL="1371600" indent="0">
-              <a:buNone/>
-              <a:defRPr sz="1000"/>
-            </a:lvl4pPr>
-            <a:lvl5pPr marL="1828800" indent="0">
-              <a:buNone/>
-              <a:defRPr sz="1000"/>
-            </a:lvl5pPr>
-            <a:lvl6pPr marL="2286000" indent="0">
-              <a:buNone/>
-              <a:defRPr sz="1000"/>
-            </a:lvl6pPr>
-            <a:lvl7pPr marL="2743200" indent="0">
-              <a:buNone/>
-              <a:defRPr sz="1000"/>
-            </a:lvl7pPr>
-            <a:lvl8pPr marL="3200400" indent="0">
-              <a:buNone/>
-              <a:defRPr sz="1000"/>
-            </a:lvl8pPr>
-            <a:lvl9pPr marL="3657600" indent="0">
-              <a:buNone/>
-              <a:defRPr sz="1000"/>
-            </a:lvl9pPr>
-          </a:lstStyle>
-          <a:p>
-            <a:pPr lvl="0"/>
-            <a:r>
-              <a:rPr lang="de-DE"/>
-              <a:t>Formatvorlagen des Textmasters bearbeiten</a:t>
-            </a:r>
-          </a:p>
-        </p:txBody>
-      </p:sp>
-      <p:sp>
-        <p:nvSpPr>
-          <p:cNvPr id="5" name="Date Placeholder 4"/>
-          <p:cNvSpPr>
-            <a:spLocks noGrp="1"/>
-          </p:cNvSpPr>
-          <p:nvPr>
-            <p:ph type="dt" sz="half" idx="10"/>
-          </p:nvPr>
-        </p:nvSpPr>
-        <p:spPr/>
-        <p:txBody>
-          <a:bodyPr/>
-          <a:lstStyle/>
-          <a:p>
-            <a:fld id="{DF6C65ED-D322-4A77-AF0E-7C20A4C0F5F7}" type="datetimeFigureOut">
-              <a:rPr lang="de-DE" smtClean="0"/>
-              <a:t>31.05.2020</a:t>
-            </a:fld>
-            <a:endParaRPr lang="de-DE"/>
-          </a:p>
-        </p:txBody>
-      </p:sp>
-      <p:sp>
-        <p:nvSpPr>
-          <p:cNvPr id="6" name="Footer Placeholder 5"/>
-          <p:cNvSpPr>
-            <a:spLocks noGrp="1"/>
-          </p:cNvSpPr>
-          <p:nvPr>
-            <p:ph type="ftr" sz="quarter" idx="11"/>
-          </p:nvPr>
-        </p:nvSpPr>
-        <p:spPr/>
-        <p:txBody>
-          <a:bodyPr/>
-          <a:lstStyle/>
-          <a:p>
-            <a:endParaRPr lang="de-DE"/>
-          </a:p>
-        </p:txBody>
-      </p:sp>
-      <p:sp>
-        <p:nvSpPr>
-          <p:cNvPr id="7" name="Slide Number Placeholder 6"/>
-          <p:cNvSpPr>
-            <a:spLocks noGrp="1"/>
-          </p:cNvSpPr>
-          <p:nvPr>
-            <p:ph type="sldNum" sz="quarter" idx="12"/>
-          </p:nvPr>
-        </p:nvSpPr>
-        <p:spPr/>
-        <p:txBody>
-          <a:bodyPr/>
-          <a:lstStyle/>
-          <a:p>
-            <a:fld id="{94513A2A-2A0F-4886-92FA-B1F71E9AB48D}" type="slidenum">
-              <a:rPr lang="de-DE" smtClean="0"/>
-              <a:t>‹Nr.›</a:t>
-            </a:fld>
-            <a:endParaRPr lang="de-DE"/>
-          </a:p>
-        </p:txBody>
-      </p:sp>
-    </p:spTree>
-    <p:extLst>
-      <p:ext uri="{BB962C8B-B14F-4D97-AF65-F5344CB8AC3E}">
-        <p14:creationId xmlns:p14="http://schemas.microsoft.com/office/powerpoint/2010/main" val="982320026"/>
-      </p:ext>
-    </p:extLst>
-  </p:cSld>
-  <p:clrMapOvr>
-    <a:masterClrMapping/>
-  </p:clrMapOvr>
-</p:sldLayout>
-</file>
-
-<file path=ppt/slideMasters/slideMaster1.xml><?xml version="1.0" encoding="utf-8"?>
-<p:sldMaster xmlns:a="http://schemas.openxmlformats.org/drawingml/2006/main" xmlns:r="http://schemas.openxmlformats.org/officeDocument/2006/relationships" xmlns:p="http://schemas.openxmlformats.org/presentationml/2006/main">
-  <p:cSld>
-    <p:bg>
-      <p:bgRef idx="1001">
-        <a:schemeClr val="bg1"/>
-      </p:bgRef>
-    </p:bg>
-    <p:spTree>
-      <p:nvGrpSpPr>
-        <p:cNvPr id="1" name=""/>
-        <p:cNvGrpSpPr/>
-        <p:nvPr/>
-      </p:nvGrpSpPr>
-      <p:grpSpPr>
-        <a:xfrm>
-          <a:off x="0" y="0"/>
-          <a:ext cx="0" cy="0"/>
-          <a:chOff x="0" y="0"/>
-          <a:chExt cx="0" cy="0"/>
-        </a:xfrm>
-      </p:grpSpPr>
-      <p:sp>
-        <p:nvSpPr>
-          <p:cNvPr id="2" name="Title Placeholder 1"/>
-          <p:cNvSpPr>
-            <a:spLocks noGrp="1"/>
-          </p:cNvSpPr>
-          <p:nvPr>
-            <p:ph type="title"/>
-          </p:nvPr>
-        </p:nvSpPr>
-        <p:spPr>
-          <a:xfrm>
-            <a:off x="628650" y="365126"/>
-            <a:ext cx="7886700" cy="1325563"/>
+            <a:off x="216000" y="812520"/>
+            <a:ext cx="7127280" cy="4008960"/>
           </a:xfrm>
           <a:prstGeom prst="rect">
             <a:avLst/>
           </a:prstGeom>
         </p:spPr>
         <p:txBody>
-          <a:bodyPr vert="horz" lIns="91440" tIns="45720" rIns="91440" bIns="45720" rtlCol="0" anchor="ctr">
-            <a:normAutofit/>
+          <a:bodyPr lIns="0" rIns="0" tIns="0" bIns="0" anchor="ctr">
+            <a:noAutofit/>
           </a:bodyPr>
-          <a:lstStyle/>
           <a:p>
+            <a:pPr algn="ctr"/>
             <a:r>
-              <a:rPr lang="de-DE"/>
-              <a:t>Titelmasterformat durch Klicken bearbeiten</a:t>
+              <a:rPr b="0" lang="en-GB" sz="4400" spc="-1" strike="noStrike">
+                <a:latin typeface="Arial"/>
+              </a:rPr>
+              <a:t>Click to move the slide</a:t>
             </a:r>
-            <a:endParaRPr lang="en-US" dirty="0"/>
+            <a:endParaRPr b="0" lang="en-GB" sz="4400" spc="-1" strike="noStrike">
+              <a:latin typeface="Arial"/>
+            </a:endParaRPr>
           </a:p>
         </p:txBody>
       </p:sp>
       <p:sp>
         <p:nvSpPr>
-          <p:cNvPr id="3" name="Text Placeholder 2"/>
+          <p:cNvPr id="37" name="PlaceHolder 2"/>
           <p:cNvSpPr>
             <a:spLocks noGrp="1"/>
           </p:cNvSpPr>
           <p:nvPr>
-            <p:ph type="body" idx="1"/>
+            <p:ph type="body"/>
           </p:nvPr>
         </p:nvSpPr>
         <p:spPr>
           <a:xfrm>
-            <a:off x="628650" y="1825625"/>
-            <a:ext cx="7886700" cy="4351338"/>
+            <a:off x="756000" y="5078520"/>
+            <a:ext cx="6047640" cy="4811040"/>
           </a:xfrm>
           <a:prstGeom prst="rect">
             <a:avLst/>
           </a:prstGeom>
         </p:spPr>
         <p:txBody>
-          <a:bodyPr vert="horz" lIns="91440" tIns="45720" rIns="91440" bIns="45720" rtlCol="0">
-            <a:normAutofit/>
+          <a:bodyPr lIns="0" rIns="0" tIns="0" bIns="0">
+            <a:noAutofit/>
           </a:bodyPr>
-          <a:lstStyle/>
           <a:p>
-            <a:pPr lvl="0"/>
             <a:r>
-              <a:rPr lang="de-DE"/>
-              <a:t>Formatvorlagen des Textmasters bearbeiten</a:t>
+              <a:rPr b="0" lang="en-GB" sz="2000" spc="-1" strike="noStrike">
+                <a:latin typeface="Arial"/>
+              </a:rPr>
+              <a:t>Click to edit the notes format</a:t>
             </a:r>
-          </a:p>
-          <a:p>
-            <a:pPr lvl="1"/>
-            <a:r>
-              <a:rPr lang="de-DE"/>
-              <a:t>Zweite Ebene</a:t>
-            </a:r>
-          </a:p>
-          <a:p>
-            <a:pPr lvl="2"/>
-            <a:r>
-              <a:rPr lang="de-DE"/>
-              <a:t>Dritte Ebene</a:t>
-            </a:r>
-          </a:p>
-          <a:p>
-            <a:pPr lvl="3"/>
-            <a:r>
-              <a:rPr lang="de-DE"/>
-              <a:t>Vierte Ebene</a:t>
-            </a:r>
-          </a:p>
-          <a:p>
-            <a:pPr lvl="4"/>
-            <a:r>
-              <a:rPr lang="de-DE"/>
-              <a:t>Fünfte Ebene</a:t>
-            </a:r>
-            <a:endParaRPr lang="en-US" dirty="0"/>
+            <a:endParaRPr b="0" lang="en-GB" sz="2000" spc="-1" strike="noStrike">
+              <a:latin typeface="Arial"/>
+            </a:endParaRPr>
           </a:p>
         </p:txBody>
       </p:sp>
       <p:sp>
         <p:nvSpPr>
-          <p:cNvPr id="4" name="Date Placeholder 3"/>
+          <p:cNvPr id="38" name="PlaceHolder 3"/>
           <p:cNvSpPr>
             <a:spLocks noGrp="1"/>
           </p:cNvSpPr>
           <p:nvPr>
-            <p:ph type="dt" sz="half" idx="2"/>
+            <p:ph type="hdr"/>
           </p:nvPr>
         </p:nvSpPr>
         <p:spPr>
           <a:xfrm>
-            <a:off x="628650" y="6356351"/>
-            <a:ext cx="2057400" cy="365125"/>
+            <a:off x="0" y="0"/>
+            <a:ext cx="3280680" cy="534240"/>
           </a:xfrm>
           <a:prstGeom prst="rect">
             <a:avLst/>
           </a:prstGeom>
         </p:spPr>
         <p:txBody>
-          <a:bodyPr vert="horz" lIns="91440" tIns="45720" rIns="91440" bIns="45720" rtlCol="0" anchor="ctr"/>
-          <a:lstStyle>
-            <a:lvl1pPr algn="l">
-              <a:defRPr sz="1200">
-                <a:solidFill>
-                  <a:schemeClr val="tx1">
-                    <a:tint val="75000"/>
-                  </a:schemeClr>
-                </a:solidFill>
-              </a:defRPr>
-            </a:lvl1pPr>
-          </a:lstStyle>
+          <a:bodyPr lIns="0" rIns="0" tIns="0" bIns="0">
+            <a:noAutofit/>
+          </a:bodyPr>
           <a:p>
-            <a:fld id="{DF6C65ED-D322-4A77-AF0E-7C20A4C0F5F7}" type="datetimeFigureOut">
-              <a:rPr lang="de-DE" smtClean="0"/>
-              <a:t>31.05.2020</a:t>
-            </a:fld>
-            <a:endParaRPr lang="de-DE"/>
+            <a:r>
+              <a:rPr b="0" lang="en-GB" sz="1400" spc="-1" strike="noStrike">
+                <a:latin typeface="Times New Roman"/>
+              </a:rPr>
+              <a:t>&lt;header&gt;</a:t>
+            </a:r>
+            <a:endParaRPr b="0" lang="en-GB" sz="1400" spc="-1" strike="noStrike">
+              <a:latin typeface="Times New Roman"/>
+            </a:endParaRPr>
           </a:p>
         </p:txBody>
       </p:sp>
       <p:sp>
         <p:nvSpPr>
-          <p:cNvPr id="5" name="Footer Placeholder 4"/>
+          <p:cNvPr id="39" name="PlaceHolder 4"/>
           <p:cNvSpPr>
             <a:spLocks noGrp="1"/>
           </p:cNvSpPr>
           <p:nvPr>
-            <p:ph type="ftr" sz="quarter" idx="3"/>
+            <p:ph type="dt"/>
           </p:nvPr>
         </p:nvSpPr>
         <p:spPr>
           <a:xfrm>
-            <a:off x="3028950" y="6356351"/>
-            <a:ext cx="3086100" cy="365125"/>
+            <a:off x="4278960" y="0"/>
+            <a:ext cx="3280680" cy="534240"/>
           </a:xfrm>
           <a:prstGeom prst="rect">
             <a:avLst/>
           </a:prstGeom>
         </p:spPr>
         <p:txBody>
-          <a:bodyPr vert="horz" lIns="91440" tIns="45720" rIns="91440" bIns="45720" rtlCol="0" anchor="ctr"/>
-          <a:lstStyle>
-            <a:lvl1pPr algn="ctr">
-              <a:defRPr sz="1200">
-                <a:solidFill>
-                  <a:schemeClr val="tx1">
-                    <a:tint val="75000"/>
-                  </a:schemeClr>
-                </a:solidFill>
-              </a:defRPr>
-            </a:lvl1pPr>
-          </a:lstStyle>
+          <a:bodyPr lIns="0" rIns="0" tIns="0" bIns="0">
+            <a:noAutofit/>
+          </a:bodyPr>
           <a:p>
-            <a:endParaRPr lang="de-DE"/>
+            <a:pPr algn="r"/>
+            <a:r>
+              <a:rPr b="0" lang="en-GB" sz="1400" spc="-1" strike="noStrike">
+                <a:latin typeface="Times New Roman"/>
+              </a:rPr>
+              <a:t>&lt;date/time&gt;</a:t>
+            </a:r>
+            <a:endParaRPr b="0" lang="en-GB" sz="1400" spc="-1" strike="noStrike">
+              <a:latin typeface="Times New Roman"/>
+            </a:endParaRPr>
           </a:p>
         </p:txBody>
       </p:sp>
       <p:sp>
         <p:nvSpPr>
-          <p:cNvPr id="6" name="Slide Number Placeholder 5"/>
+          <p:cNvPr id="40" name="PlaceHolder 5"/>
           <p:cNvSpPr>
             <a:spLocks noGrp="1"/>
           </p:cNvSpPr>
           <p:nvPr>
-            <p:ph type="sldNum" sz="quarter" idx="4"/>
+            <p:ph type="ftr"/>
           </p:nvPr>
         </p:nvSpPr>
         <p:spPr>
           <a:xfrm>
-            <a:off x="6457950" y="6356351"/>
-            <a:ext cx="2057400" cy="365125"/>
+            <a:off x="0" y="10157400"/>
+            <a:ext cx="3280680" cy="534240"/>
           </a:xfrm>
           <a:prstGeom prst="rect">
             <a:avLst/>
           </a:prstGeom>
         </p:spPr>
         <p:txBody>
-          <a:bodyPr vert="horz" lIns="91440" tIns="45720" rIns="91440" bIns="45720" rtlCol="0" anchor="ctr"/>
-          <a:lstStyle>
-            <a:lvl1pPr algn="r">
-              <a:defRPr sz="1200">
-                <a:solidFill>
-                  <a:schemeClr val="tx1">
-                    <a:tint val="75000"/>
-                  </a:schemeClr>
-                </a:solidFill>
-              </a:defRPr>
-            </a:lvl1pPr>
-          </a:lstStyle>
+          <a:bodyPr lIns="0" rIns="0" tIns="0" bIns="0" anchor="b">
+            <a:noAutofit/>
+          </a:bodyPr>
           <a:p>
-            <a:fld id="{94513A2A-2A0F-4886-92FA-B1F71E9AB48D}" type="slidenum">
-              <a:rPr lang="de-DE" smtClean="0"/>
-              <a:t>‹Nr.›</a:t>
+            <a:r>
+              <a:rPr b="0" lang="en-GB" sz="1400" spc="-1" strike="noStrike">
+                <a:latin typeface="Times New Roman"/>
+              </a:rPr>
+              <a:t>&lt;footer&gt;</a:t>
+            </a:r>
+            <a:endParaRPr b="0" lang="en-GB" sz="1400" spc="-1" strike="noStrike">
+              <a:latin typeface="Times New Roman"/>
+            </a:endParaRPr>
+          </a:p>
+        </p:txBody>
+      </p:sp>
+      <p:sp>
+        <p:nvSpPr>
+          <p:cNvPr id="41" name="PlaceHolder 6"/>
+          <p:cNvSpPr>
+            <a:spLocks noGrp="1"/>
+          </p:cNvSpPr>
+          <p:nvPr>
+            <p:ph type="sldNum"/>
+          </p:nvPr>
+        </p:nvSpPr>
+        <p:spPr>
+          <a:xfrm>
+            <a:off x="4278960" y="10157400"/>
+            <a:ext cx="3280680" cy="534240"/>
+          </a:xfrm>
+          <a:prstGeom prst="rect">
+            <a:avLst/>
+          </a:prstGeom>
+        </p:spPr>
+        <p:txBody>
+          <a:bodyPr lIns="0" rIns="0" tIns="0" bIns="0" anchor="b">
+            <a:noAutofit/>
+          </a:bodyPr>
+          <a:p>
+            <a:pPr algn="r"/>
+            <a:fld id="{28C3CA7B-332E-4C63-B40A-8FEC6F404F53}" type="slidenum">
+              <a:rPr b="0" lang="en-GB" sz="1400" spc="-1" strike="noStrike">
+                <a:latin typeface="Times New Roman"/>
+              </a:rPr>
+              <a:t>&lt;number&gt;</a:t>
             </a:fld>
-            <a:endParaRPr lang="de-DE"/>
+            <a:endParaRPr b="0" lang="en-GB" sz="1400" spc="-1" strike="noStrike">
+              <a:latin typeface="Times New Roman"/>
+            </a:endParaRPr>
           </a:p>
         </p:txBody>
       </p:sp>
     </p:spTree>
-    <p:extLst>
-      <p:ext uri="{BB962C8B-B14F-4D97-AF65-F5344CB8AC3E}">
-        <p14:creationId xmlns:p14="http://schemas.microsoft.com/office/powerpoint/2010/main" val="3953298118"/>
-      </p:ext>
-    </p:extLst>
   </p:cSld>
-  <p:clrMap bg1="lt1" tx1="dk1" bg2="lt2" tx2="dk2" accent1="accent1" accent2="accent2" accent3="accent3" accent4="accent4" accent5="accent5" accent6="accent6" hlink="hlink" folHlink="folHlink"/>
-  <p:sldLayoutIdLst>
-    <p:sldLayoutId id="2147483661" r:id="rId1"/>
-    <p:sldLayoutId id="2147483662" r:id="rId2"/>
-    <p:sldLayoutId id="2147483663" r:id="rId3"/>
-    <p:sldLayoutId id="2147483664" r:id="rId4"/>
-    <p:sldLayoutId id="2147483665" r:id="rId5"/>
-    <p:sldLayoutId id="2147483666" r:id="rId6"/>
-    <p:sldLayoutId id="2147483667" r:id="rId7"/>
-    <p:sldLayoutId id="2147483668" r:id="rId8"/>
-    <p:sldLayoutId id="2147483669" r:id="rId9"/>
-    <p:sldLayoutId id="2147483670" r:id="rId10"/>
-    <p:sldLayoutId id="2147483671" r:id="rId11"/>
-  </p:sldLayoutIdLst>
-  <p:txStyles>
-    <p:titleStyle>
-      <a:lvl1pPr algn="l" defTabSz="914400" rtl="0" eaLnBrk="1" latinLnBrk="0" hangingPunct="1">
-        <a:lnSpc>
-          <a:spcPct val="90000"/>
-        </a:lnSpc>
-        <a:spcBef>
-          <a:spcPct val="0"/>
-        </a:spcBef>
-        <a:buNone/>
-        <a:defRPr sz="4400" kern="1200">
-          <a:solidFill>
-            <a:schemeClr val="tx1"/>
-          </a:solidFill>
-          <a:latin typeface="+mj-lt"/>
-          <a:ea typeface="+mj-ea"/>
-          <a:cs typeface="+mj-cs"/>
-        </a:defRPr>
-      </a:lvl1pPr>
-    </p:titleStyle>
-    <p:bodyStyle>
-      <a:lvl1pPr marL="228600" indent="-228600" algn="l" defTabSz="914400" rtl="0" eaLnBrk="1" latinLnBrk="0" hangingPunct="1">
-        <a:lnSpc>
-          <a:spcPct val="90000"/>
-        </a:lnSpc>
-        <a:spcBef>
-          <a:spcPts val="1000"/>
-        </a:spcBef>
-        <a:buFont typeface="Arial" panose="020B0604020202020204" pitchFamily="34" charset="0"/>
-        <a:buChar char="•"/>
-        <a:defRPr sz="2800" kern="1200">
-          <a:solidFill>
-            <a:schemeClr val="tx1"/>
-          </a:solidFill>
-          <a:latin typeface="+mn-lt"/>
-          <a:ea typeface="+mn-ea"/>
-          <a:cs typeface="+mn-cs"/>
-        </a:defRPr>
-      </a:lvl1pPr>
-      <a:lvl2pPr marL="685800" indent="-228600" algn="l" defTabSz="914400" rtl="0" eaLnBrk="1" latinLnBrk="0" hangingPunct="1">
-        <a:lnSpc>
-          <a:spcPct val="90000"/>
-        </a:lnSpc>
-        <a:spcBef>
-          <a:spcPts val="500"/>
-        </a:spcBef>
-        <a:buFont typeface="Arial" panose="020B0604020202020204" pitchFamily="34" charset="0"/>
-        <a:buChar char="•"/>
-        <a:defRPr sz="2400" kern="1200">
-          <a:solidFill>
-            <a:schemeClr val="tx1"/>
-          </a:solidFill>
-          <a:latin typeface="+mn-lt"/>
-          <a:ea typeface="+mn-ea"/>
-          <a:cs typeface="+mn-cs"/>
-        </a:defRPr>
-      </a:lvl2pPr>
-      <a:lvl3pPr marL="1143000" indent="-228600" algn="l" defTabSz="914400" rtl="0" eaLnBrk="1" latinLnBrk="0" hangingPunct="1">
-        <a:lnSpc>
-          <a:spcPct val="90000"/>
-        </a:lnSpc>
-        <a:spcBef>
-          <a:spcPts val="500"/>
-        </a:spcBef>
-        <a:buFont typeface="Arial" panose="020B0604020202020204" pitchFamily="34" charset="0"/>
-        <a:buChar char="•"/>
-        <a:defRPr sz="2000" kern="1200">
-          <a:solidFill>
-            <a:schemeClr val="tx1"/>
-          </a:solidFill>
-          <a:latin typeface="+mn-lt"/>
-          <a:ea typeface="+mn-ea"/>
-          <a:cs typeface="+mn-cs"/>
-        </a:defRPr>
-      </a:lvl3pPr>
-      <a:lvl4pPr marL="1600200" indent="-228600" algn="l" defTabSz="914400" rtl="0" eaLnBrk="1" latinLnBrk="0" hangingPunct="1">
-        <a:lnSpc>
-          <a:spcPct val="90000"/>
-        </a:lnSpc>
-        <a:spcBef>
-          <a:spcPts val="500"/>
-        </a:spcBef>
-        <a:buFont typeface="Arial" panose="020B0604020202020204" pitchFamily="34" charset="0"/>
-        <a:buChar char="•"/>
-        <a:defRPr sz="1800" kern="1200">
-          <a:solidFill>
-            <a:schemeClr val="tx1"/>
-          </a:solidFill>
-          <a:latin typeface="+mn-lt"/>
-          <a:ea typeface="+mn-ea"/>
-          <a:cs typeface="+mn-cs"/>
-        </a:defRPr>
-      </a:lvl4pPr>
-      <a:lvl5pPr marL="2057400" indent="-228600" algn="l" defTabSz="914400" rtl="0" eaLnBrk="1" latinLnBrk="0" hangingPunct="1">
-        <a:lnSpc>
-          <a:spcPct val="90000"/>
-        </a:lnSpc>
-        <a:spcBef>
-          <a:spcPts val="500"/>
-        </a:spcBef>
-        <a:buFont typeface="Arial" panose="020B0604020202020204" pitchFamily="34" charset="0"/>
-        <a:buChar char="•"/>
-        <a:defRPr sz="1800" kern="1200">
-          <a:solidFill>
-            <a:schemeClr val="tx1"/>
-          </a:solidFill>
-          <a:latin typeface="+mn-lt"/>
-          <a:ea typeface="+mn-ea"/>
-          <a:cs typeface="+mn-cs"/>
-        </a:defRPr>
-      </a:lvl5pPr>
-      <a:lvl6pPr marL="2514600" indent="-228600" algn="l" defTabSz="914400" rtl="0" eaLnBrk="1" latinLnBrk="0" hangingPunct="1">
-        <a:lnSpc>
-          <a:spcPct val="90000"/>
-        </a:lnSpc>
-        <a:spcBef>
-          <a:spcPts val="500"/>
-        </a:spcBef>
-        <a:buFont typeface="Arial" panose="020B0604020202020204" pitchFamily="34" charset="0"/>
-        <a:buChar char="•"/>
-        <a:defRPr sz="1800" kern="1200">
-          <a:solidFill>
-            <a:schemeClr val="tx1"/>
-          </a:solidFill>
-          <a:latin typeface="+mn-lt"/>
-          <a:ea typeface="+mn-ea"/>
-          <a:cs typeface="+mn-cs"/>
-        </a:defRPr>
-      </a:lvl6pPr>
-      <a:lvl7pPr marL="2971800" indent="-228600" algn="l" defTabSz="914400" rtl="0" eaLnBrk="1" latinLnBrk="0" hangingPunct="1">
-        <a:lnSpc>
-          <a:spcPct val="90000"/>
-        </a:lnSpc>
-        <a:spcBef>
-          <a:spcPts val="500"/>
-        </a:spcBef>
-        <a:buFont typeface="Arial" panose="020B0604020202020204" pitchFamily="34" charset="0"/>
-        <a:buChar char="•"/>
-        <a:defRPr sz="1800" kern="1200">
-          <a:solidFill>
-            <a:schemeClr val="tx1"/>
-          </a:solidFill>
-          <a:latin typeface="+mn-lt"/>
-          <a:ea typeface="+mn-ea"/>
-          <a:cs typeface="+mn-cs"/>
-        </a:defRPr>
-      </a:lvl7pPr>
-      <a:lvl8pPr marL="3429000" indent="-228600" algn="l" defTabSz="914400" rtl="0" eaLnBrk="1" latinLnBrk="0" hangingPunct="1">
-        <a:lnSpc>
-          <a:spcPct val="90000"/>
-        </a:lnSpc>
-        <a:spcBef>
-          <a:spcPts val="500"/>
-        </a:spcBef>
-        <a:buFont typeface="Arial" panose="020B0604020202020204" pitchFamily="34" charset="0"/>
-        <a:buChar char="•"/>
-        <a:defRPr sz="1800" kern="1200">
-          <a:solidFill>
-            <a:schemeClr val="tx1"/>
-          </a:solidFill>
-          <a:latin typeface="+mn-lt"/>
-          <a:ea typeface="+mn-ea"/>
-          <a:cs typeface="+mn-cs"/>
-        </a:defRPr>
-      </a:lvl8pPr>
-      <a:lvl9pPr marL="3886200" indent="-228600" algn="l" defTabSz="914400" rtl="0" eaLnBrk="1" latinLnBrk="0" hangingPunct="1">
-        <a:lnSpc>
-          <a:spcPct val="90000"/>
-        </a:lnSpc>
-        <a:spcBef>
-          <a:spcPts val="500"/>
-        </a:spcBef>
-        <a:buFont typeface="Arial" panose="020B0604020202020204" pitchFamily="34" charset="0"/>
-        <a:buChar char="•"/>
-        <a:defRPr sz="1800" kern="1200">
-          <a:solidFill>
-            <a:schemeClr val="tx1"/>
-          </a:solidFill>
-          <a:latin typeface="+mn-lt"/>
-          <a:ea typeface="+mn-ea"/>
-          <a:cs typeface="+mn-cs"/>
-        </a:defRPr>
-      </a:lvl9pPr>
-    </p:bodyStyle>
-    <p:otherStyle>
-      <a:defPPr>
-        <a:defRPr lang="en-US"/>
-      </a:defPPr>
-      <a:lvl1pPr marL="0" algn="l" defTabSz="914400" rtl="0" eaLnBrk="1" latinLnBrk="0" hangingPunct="1">
-        <a:defRPr sz="1800" kern="1200">
-          <a:solidFill>
-            <a:schemeClr val="tx1"/>
-          </a:solidFill>
-          <a:latin typeface="+mn-lt"/>
-          <a:ea typeface="+mn-ea"/>
-          <a:cs typeface="+mn-cs"/>
-        </a:defRPr>
-      </a:lvl1pPr>
-      <a:lvl2pPr marL="457200" algn="l" defTabSz="914400" rtl="0" eaLnBrk="1" latinLnBrk="0" hangingPunct="1">
-        <a:defRPr sz="1800" kern="1200">
-          <a:solidFill>
-            <a:schemeClr val="tx1"/>
-          </a:solidFill>
-          <a:latin typeface="+mn-lt"/>
-          <a:ea typeface="+mn-ea"/>
-          <a:cs typeface="+mn-cs"/>
-        </a:defRPr>
-      </a:lvl2pPr>
-      <a:lvl3pPr marL="914400" algn="l" defTabSz="914400" rtl="0" eaLnBrk="1" latinLnBrk="0" hangingPunct="1">
-        <a:defRPr sz="1800" kern="1200">
-          <a:solidFill>
-            <a:schemeClr val="tx1"/>
-          </a:solidFill>
-          <a:latin typeface="+mn-lt"/>
-          <a:ea typeface="+mn-ea"/>
-          <a:cs typeface="+mn-cs"/>
-        </a:defRPr>
-      </a:lvl3pPr>
-      <a:lvl4pPr marL="1371600" algn="l" defTabSz="914400" rtl="0" eaLnBrk="1" latinLnBrk="0" hangingPunct="1">
-        <a:defRPr sz="1800" kern="1200">
-          <a:solidFill>
-            <a:schemeClr val="tx1"/>
-          </a:solidFill>
-          <a:latin typeface="+mn-lt"/>
-          <a:ea typeface="+mn-ea"/>
-          <a:cs typeface="+mn-cs"/>
-        </a:defRPr>
-      </a:lvl4pPr>
-      <a:lvl5pPr marL="1828800" algn="l" defTabSz="914400" rtl="0" eaLnBrk="1" latinLnBrk="0" hangingPunct="1">
-        <a:defRPr sz="1800" kern="1200">
-          <a:solidFill>
-            <a:schemeClr val="tx1"/>
-          </a:solidFill>
-          <a:latin typeface="+mn-lt"/>
-          <a:ea typeface="+mn-ea"/>
-          <a:cs typeface="+mn-cs"/>
-        </a:defRPr>
-      </a:lvl5pPr>
-      <a:lvl6pPr marL="2286000" algn="l" defTabSz="914400" rtl="0" eaLnBrk="1" latinLnBrk="0" hangingPunct="1">
-        <a:defRPr sz="1800" kern="1200">
-          <a:solidFill>
-            <a:schemeClr val="tx1"/>
-          </a:solidFill>
-          <a:latin typeface="+mn-lt"/>
-          <a:ea typeface="+mn-ea"/>
-          <a:cs typeface="+mn-cs"/>
-        </a:defRPr>
-      </a:lvl6pPr>
-      <a:lvl7pPr marL="2743200" algn="l" defTabSz="914400" rtl="0" eaLnBrk="1" latinLnBrk="0" hangingPunct="1">
-        <a:defRPr sz="1800" kern="1200">
-          <a:solidFill>
-            <a:schemeClr val="tx1"/>
-          </a:solidFill>
-          <a:latin typeface="+mn-lt"/>
-          <a:ea typeface="+mn-ea"/>
-          <a:cs typeface="+mn-cs"/>
-        </a:defRPr>
-      </a:lvl7pPr>
-      <a:lvl8pPr marL="3200400" algn="l" defTabSz="914400" rtl="0" eaLnBrk="1" latinLnBrk="0" hangingPunct="1">
-        <a:defRPr sz="1800" kern="1200">
-          <a:solidFill>
-            <a:schemeClr val="tx1"/>
-          </a:solidFill>
-          <a:latin typeface="+mn-lt"/>
-          <a:ea typeface="+mn-ea"/>
-          <a:cs typeface="+mn-cs"/>
-        </a:defRPr>
-      </a:lvl8pPr>
-      <a:lvl9pPr marL="3657600" algn="l" defTabSz="914400" rtl="0" eaLnBrk="1" latinLnBrk="0" hangingPunct="1">
-        <a:defRPr sz="1800" kern="1200">
-          <a:solidFill>
-            <a:schemeClr val="tx1"/>
-          </a:solidFill>
-          <a:latin typeface="+mn-lt"/>
-          <a:ea typeface="+mn-ea"/>
-          <a:cs typeface="+mn-cs"/>
-        </a:defRPr>
-      </a:lvl9pPr>
-    </p:otherStyle>
-  </p:txStyles>
-</p:sldMaster>
+  <p:clrMap bg1="lt1" bg2="lt2" tx1="dk1" tx2="dk2" accent1="accent1" accent2="accent2" accent3="accent3" accent4="accent4" accent5="accent5" accent6="accent6" hlink="hlink" folHlink="folHlink"/>
+</p:notesMaster>
 </file>
 
-<file path=ppt/slides/slide1.xml><?xml version="1.0" encoding="utf-8"?>
-<p:sld xmlns:a="http://schemas.openxmlformats.org/drawingml/2006/main" xmlns:r="http://schemas.openxmlformats.org/officeDocument/2006/relationships" xmlns:p="http://schemas.openxmlformats.org/presentationml/2006/main">
+<file path=ppt/notesSlides/notesSlide1.xml><?xml version="1.0" encoding="utf-8"?>
+<p:notes xmlns:a="http://schemas.openxmlformats.org/drawingml/2006/main" xmlns:p="http://schemas.openxmlformats.org/presentationml/2006/main" xmlns:r="http://schemas.openxmlformats.org/officeDocument/2006/relationships" xmlns:p14="http://schemas.microsoft.com/office/powerpoint/2010/main" xmlns:p15="http://schemas.microsoft.com/office/powerpoint/2012/main" xmlns:mc="http://schemas.openxmlformats.org/markup-compatibility/2006">
   <p:cSld>
     <p:spTree>
       <p:nvGrpSpPr>
@@ -13565,402 +10199,1650 @@
       </p:grpSpPr>
       <p:sp>
         <p:nvSpPr>
-          <p:cNvPr id="2" name="Rechteck 1"/>
-          <p:cNvSpPr/>
-          <p:nvPr/>
+          <p:cNvPr id="42" name="PlaceHolder 1"/>
+          <p:cNvSpPr>
+            <a:spLocks noGrp="1"/>
+          </p:cNvSpPr>
+          <p:nvPr>
+            <p:ph type="sldImg"/>
+          </p:nvPr>
         </p:nvSpPr>
         <p:spPr>
           <a:xfrm>
-            <a:off x="539750" y="2205038"/>
-            <a:ext cx="8229600" cy="3311525"/>
+            <a:off x="1371600" y="1143000"/>
+            <a:ext cx="4114080" cy="3085560"/>
           </a:xfrm>
           <a:prstGeom prst="rect">
             <a:avLst/>
           </a:prstGeom>
-          <a:solidFill>
-            <a:schemeClr val="bg1">
-              <a:lumMod val="95000"/>
-            </a:schemeClr>
-          </a:solidFill>
-          <a:ln>
-            <a:noFill/>
-          </a:ln>
         </p:spPr>
-        <p:style>
-          <a:lnRef idx="2">
-            <a:schemeClr val="accent1">
-              <a:shade val="50000"/>
-            </a:schemeClr>
-          </a:lnRef>
-          <a:fillRef idx="1">
-            <a:schemeClr val="accent1"/>
-          </a:fillRef>
-          <a:effectRef idx="0">
-            <a:schemeClr val="accent1"/>
-          </a:effectRef>
-          <a:fontRef idx="minor">
-            <a:schemeClr val="lt1"/>
-          </a:fontRef>
-        </p:style>
+      </p:sp>
+      <p:sp>
+        <p:nvSpPr>
+          <p:cNvPr id="43" name="PlaceHolder 2"/>
+          <p:cNvSpPr>
+            <a:spLocks noGrp="1"/>
+          </p:cNvSpPr>
+          <p:nvPr>
+            <p:ph type="body"/>
+          </p:nvPr>
+        </p:nvSpPr>
+        <p:spPr>
+          <a:xfrm>
+            <a:off x="685800" y="4400640"/>
+            <a:ext cx="5485680" cy="3599640"/>
+          </a:xfrm>
+          <a:prstGeom prst="rect">
+            <a:avLst/>
+          </a:prstGeom>
+        </p:spPr>
         <p:txBody>
-          <a:bodyPr anchor="ctr"/>
-          <a:lstStyle/>
+          <a:bodyPr lIns="0" rIns="0" tIns="0" bIns="0">
+            <a:noAutofit/>
+          </a:bodyPr>
           <a:p>
-            <a:pPr algn="ctr">
-              <a:defRPr/>
+            <a:pPr marL="216000" indent="-215640">
+              <a:lnSpc>
+                <a:spcPct val="100000"/>
+              </a:lnSpc>
             </a:pPr>
-            <a:endParaRPr lang="de-DE">
-              <a:latin typeface="Arial" panose="020B0604020202020204" pitchFamily="34" charset="0"/>
-              <a:cs typeface="Arial" panose="020B0604020202020204" pitchFamily="34" charset="0"/>
+            <a:endParaRPr b="0" lang="en-GB" sz="2000" spc="-1" strike="noStrike">
+              <a:latin typeface="Arial"/>
+            </a:endParaRPr>
+          </a:p>
+          <a:p>
+            <a:pPr marL="216000" indent="-215640">
+              <a:lnSpc>
+                <a:spcPct val="100000"/>
+              </a:lnSpc>
+            </a:pPr>
+            <a:r>
+              <a:rPr b="0" lang="de-DE" sz="2000" spc="-1" strike="noStrike">
+                <a:latin typeface="Arial"/>
+              </a:rPr>
+              <a:t>Unklar-Tag</a:t>
+            </a:r>
+            <a:endParaRPr b="0" lang="en-GB" sz="2000" spc="-1" strike="noStrike">
+              <a:latin typeface="Arial"/>
+            </a:endParaRPr>
+          </a:p>
+          <a:p>
+            <a:pPr marL="216000" indent="-215640">
+              <a:lnSpc>
+                <a:spcPct val="100000"/>
+              </a:lnSpc>
+            </a:pPr>
+            <a:endParaRPr b="0" lang="en-GB" sz="2000" spc="-1" strike="noStrike">
+              <a:latin typeface="Arial"/>
+            </a:endParaRPr>
+          </a:p>
+          <a:p>
+            <a:pPr marL="216000" indent="-215640">
+              <a:lnSpc>
+                <a:spcPct val="100000"/>
+              </a:lnSpc>
+            </a:pPr>
+            <a:r>
+              <a:rPr b="0" lang="de-DE" sz="2000" spc="-1" strike="noStrike">
+                <a:latin typeface="Arial"/>
+              </a:rPr>
+              <a:t>Fragestellung: relevanz für Definitartikel. </a:t>
+            </a:r>
+            <a:endParaRPr b="0" lang="en-GB" sz="2000" spc="-1" strike="noStrike">
+              <a:latin typeface="Arial"/>
+            </a:endParaRPr>
+          </a:p>
+          <a:p>
+            <a:pPr marL="216000" indent="-215640">
+              <a:lnSpc>
+                <a:spcPct val="100000"/>
+              </a:lnSpc>
+            </a:pPr>
+            <a:endParaRPr b="0" lang="en-GB" sz="2000" spc="-1" strike="noStrike">
+              <a:latin typeface="Arial"/>
+            </a:endParaRPr>
+          </a:p>
+          <a:p>
+            <a:pPr marL="216000" indent="-215640">
+              <a:lnSpc>
+                <a:spcPct val="100000"/>
+              </a:lnSpc>
+            </a:pPr>
+            <a:r>
+              <a:rPr b="0" lang="de-DE" sz="2000" spc="-1" strike="noStrike">
+                <a:latin typeface="Arial"/>
+              </a:rPr>
+              <a:t>ausblick: auch individualtät spielt eine rolle (folie als Backup)</a:t>
+            </a:r>
+            <a:endParaRPr b="0" lang="en-GB" sz="2000" spc="-1" strike="noStrike">
+              <a:latin typeface="Arial"/>
             </a:endParaRPr>
           </a:p>
         </p:txBody>
       </p:sp>
       <p:sp>
         <p:nvSpPr>
-          <p:cNvPr id="22533" name="Foliennummernplatzhalter 3"/>
+          <p:cNvPr id="44" name="CustomShape 3"/>
+          <p:cNvSpPr/>
+          <p:nvPr/>
+        </p:nvSpPr>
+        <p:spPr>
+          <a:xfrm>
+            <a:off x="3884760" y="8685360"/>
+            <a:ext cx="2971080" cy="457920"/>
+          </a:xfrm>
+          <a:prstGeom prst="rect">
+            <a:avLst/>
+          </a:prstGeom>
+          <a:noFill/>
+          <a:ln>
+            <a:noFill/>
+          </a:ln>
+          <a:effectLst>
+            <a:outerShdw blurRad="40000" dir="5400000" dist="20160" rotWithShape="0">
+              <a:srgbClr val="000000">
+                <a:alpha val="38000"/>
+              </a:srgbClr>
+            </a:outerShdw>
+          </a:effectLst>
+          <a:scene3d>
+            <a:camera prst="orthographicFront"/>
+            <a:lightRig dir="t" rig="flat"/>
+          </a:scene3d>
+          <a:sp3d prstMaterial="dkEdge">
+            <a:bevelT w="8200" h="38100"/>
+          </a:sp3d>
+        </p:spPr>
+        <p:style>
+          <a:lnRef idx="0"/>
+          <a:fillRef idx="0"/>
+          <a:effectRef idx="1"/>
+          <a:fontRef idx="minor"/>
+        </p:style>
+        <p:txBody>
+          <a:bodyPr lIns="90000" rIns="90000" tIns="45000" bIns="45000" anchor="b">
+            <a:noAutofit/>
+          </a:bodyPr>
+          <a:p>
+            <a:pPr algn="r">
+              <a:lnSpc>
+                <a:spcPct val="100000"/>
+              </a:lnSpc>
+            </a:pPr>
+            <a:fld id="{D5FED4BF-1FB6-468E-AAAB-59CFF29FB812}" type="slidenum">
+              <a:rPr b="0" lang="de-DE" sz="1200" spc="-1" strike="noStrike">
+                <a:solidFill>
+                  <a:srgbClr val="000000"/>
+                </a:solidFill>
+                <a:latin typeface="Calibri"/>
+              </a:rPr>
+              <a:t>&lt;number&gt;</a:t>
+            </a:fld>
+            <a:endParaRPr b="0" lang="en-GB" sz="1200" spc="-1" strike="noStrike">
+              <a:latin typeface="Arial"/>
+            </a:endParaRPr>
+          </a:p>
+        </p:txBody>
+      </p:sp>
+    </p:spTree>
+  </p:cSld>
+</p:notes>
+</file>
+
+<file path=ppt/slideLayouts/slideLayout1.xml><?xml version="1.0" encoding="utf-8"?>
+<p:sldLayout xmlns:a="http://schemas.openxmlformats.org/drawingml/2006/main" xmlns:p="http://schemas.openxmlformats.org/presentationml/2006/main" xmlns:r="http://schemas.openxmlformats.org/officeDocument/2006/relationships" xmlns:p14="http://schemas.microsoft.com/office/powerpoint/2010/main" xmlns:p15="http://schemas.microsoft.com/office/powerpoint/2012/main" xmlns:mc="http://schemas.openxmlformats.org/markup-compatibility/2006" type="blank" preserve="1">
+  <p:cSld name="Blank Slide">
+    <p:spTree>
+      <p:nvGrpSpPr>
+        <p:cNvPr id="1" name=""/>
+        <p:cNvGrpSpPr/>
+        <p:nvPr/>
+      </p:nvGrpSpPr>
+      <p:grpSpPr>
+        <a:xfrm>
+          <a:off x="0" y="0"/>
+          <a:ext cx="0" cy="0"/>
+          <a:chOff x="0" y="0"/>
+          <a:chExt cx="0" cy="0"/>
+        </a:xfrm>
+      </p:grpSpPr>
+    </p:spTree>
+  </p:cSld>
+</p:sldLayout>
+</file>
+
+<file path=ppt/slideLayouts/slideLayout10.xml><?xml version="1.0" encoding="utf-8"?>
+<p:sldLayout xmlns:a="http://schemas.openxmlformats.org/drawingml/2006/main" xmlns:p="http://schemas.openxmlformats.org/presentationml/2006/main" xmlns:r="http://schemas.openxmlformats.org/officeDocument/2006/relationships" xmlns:p14="http://schemas.microsoft.com/office/powerpoint/2010/main" xmlns:p15="http://schemas.microsoft.com/office/powerpoint/2012/main" xmlns:mc="http://schemas.openxmlformats.org/markup-compatibility/2006" type="objOverTx" preserve="1">
+  <p:cSld name="Title, Content over Content">
+    <p:spTree>
+      <p:nvGrpSpPr>
+        <p:cNvPr id="1" name=""/>
+        <p:cNvGrpSpPr/>
+        <p:nvPr/>
+      </p:nvGrpSpPr>
+      <p:grpSpPr>
+        <a:xfrm>
+          <a:off x="0" y="0"/>
+          <a:ext cx="0" cy="0"/>
+          <a:chOff x="0" y="0"/>
+          <a:chExt cx="0" cy="0"/>
+        </a:xfrm>
+      </p:grpSpPr>
+      <p:sp>
+        <p:nvSpPr>
+          <p:cNvPr id="21" name="PlaceHolder 1"/>
           <p:cNvSpPr>
             <a:spLocks noGrp="1"/>
           </p:cNvSpPr>
           <p:nvPr>
-            <p:ph type="sldNum" sz="quarter" idx="12"/>
+            <p:ph type="title"/>
           </p:nvPr>
         </p:nvSpPr>
-        <p:spPr bwMode="auto">
-          <a:noFill/>
-          <a:extLst>
-            <a:ext uri="{909E8E84-426E-40DD-AFC4-6F175D3DCCD1}">
-              <a14:hiddenFill xmlns:a14="http://schemas.microsoft.com/office/drawing/2010/main">
-                <a:solidFill>
-                  <a:srgbClr val="FFFFFF"/>
-                </a:solidFill>
-              </a14:hiddenFill>
-            </a:ext>
-            <a:ext uri="{91240B29-F687-4F45-9708-019B960494DF}">
-              <a14:hiddenLine xmlns:a14="http://schemas.microsoft.com/office/drawing/2010/main" w="9525">
-                <a:solidFill>
-                  <a:srgbClr val="000000"/>
-                </a:solidFill>
-                <a:miter lim="800000"/>
-                <a:headEnd/>
-                <a:tailEnd/>
-              </a14:hiddenLine>
-            </a:ext>
-          </a:extLst>
+        <p:spPr>
+          <a:xfrm>
+            <a:off x="457200" y="273600"/>
+            <a:ext cx="8229240" cy="1144800"/>
+          </a:xfrm>
+          <a:prstGeom prst="rect">
+            <a:avLst/>
+          </a:prstGeom>
         </p:spPr>
         <p:txBody>
-          <a:bodyPr/>
-          <a:lstStyle>
-            <a:lvl1pPr eaLnBrk="0" hangingPunct="0">
-              <a:spcBef>
-                <a:spcPct val="20000"/>
-              </a:spcBef>
-              <a:buChar char="•"/>
-              <a:defRPr sz="2200">
-                <a:solidFill>
-                  <a:schemeClr val="tx1"/>
-                </a:solidFill>
-                <a:latin typeface="Arial" panose="020B0604020202020204" pitchFamily="34" charset="0"/>
-                <a:cs typeface="Arial" panose="020B0604020202020204" pitchFamily="34" charset="0"/>
-              </a:defRPr>
-            </a:lvl1pPr>
-            <a:lvl2pPr marL="742950" indent="-285750" eaLnBrk="0" hangingPunct="0">
-              <a:spcBef>
-                <a:spcPct val="20000"/>
-              </a:spcBef>
-              <a:buChar char="-"/>
-              <a:defRPr>
-                <a:solidFill>
-                  <a:schemeClr val="tx1"/>
-                </a:solidFill>
-                <a:latin typeface="Arial" panose="020B0604020202020204" pitchFamily="34" charset="0"/>
-                <a:cs typeface="Arial" panose="020B0604020202020204" pitchFamily="34" charset="0"/>
-              </a:defRPr>
-            </a:lvl2pPr>
-            <a:lvl3pPr marL="1143000" indent="-228600" eaLnBrk="0" hangingPunct="0">
-              <a:spcBef>
-                <a:spcPct val="20000"/>
-              </a:spcBef>
-              <a:buChar char="-"/>
-              <a:defRPr>
-                <a:solidFill>
-                  <a:schemeClr val="tx1"/>
-                </a:solidFill>
-                <a:latin typeface="Arial" panose="020B0604020202020204" pitchFamily="34" charset="0"/>
-                <a:cs typeface="Arial" panose="020B0604020202020204" pitchFamily="34" charset="0"/>
-              </a:defRPr>
-            </a:lvl3pPr>
-            <a:lvl4pPr marL="1600200" indent="-228600" eaLnBrk="0" hangingPunct="0">
-              <a:spcBef>
-                <a:spcPct val="20000"/>
-              </a:spcBef>
-              <a:buChar char="-"/>
-              <a:defRPr>
-                <a:solidFill>
-                  <a:schemeClr val="tx1"/>
-                </a:solidFill>
-                <a:latin typeface="Arial" panose="020B0604020202020204" pitchFamily="34" charset="0"/>
-                <a:cs typeface="Arial" panose="020B0604020202020204" pitchFamily="34" charset="0"/>
-              </a:defRPr>
-            </a:lvl4pPr>
-            <a:lvl5pPr marL="2057400" indent="-228600" eaLnBrk="0" hangingPunct="0">
-              <a:spcBef>
-                <a:spcPct val="20000"/>
-              </a:spcBef>
-              <a:buChar char="-"/>
-              <a:defRPr>
-                <a:solidFill>
-                  <a:schemeClr val="tx1"/>
-                </a:solidFill>
-                <a:latin typeface="Arial" panose="020B0604020202020204" pitchFamily="34" charset="0"/>
-                <a:cs typeface="Arial" panose="020B0604020202020204" pitchFamily="34" charset="0"/>
-              </a:defRPr>
-            </a:lvl5pPr>
-            <a:lvl6pPr marL="2514600" indent="-228600" eaLnBrk="0" fontAlgn="base" hangingPunct="0">
-              <a:spcBef>
-                <a:spcPct val="20000"/>
-              </a:spcBef>
-              <a:spcAft>
-                <a:spcPct val="0"/>
-              </a:spcAft>
-              <a:buChar char="-"/>
-              <a:defRPr>
-                <a:solidFill>
-                  <a:schemeClr val="tx1"/>
-                </a:solidFill>
-                <a:latin typeface="Arial" panose="020B0604020202020204" pitchFamily="34" charset="0"/>
-                <a:cs typeface="Arial" panose="020B0604020202020204" pitchFamily="34" charset="0"/>
-              </a:defRPr>
-            </a:lvl6pPr>
-            <a:lvl7pPr marL="2971800" indent="-228600" eaLnBrk="0" fontAlgn="base" hangingPunct="0">
-              <a:spcBef>
-                <a:spcPct val="20000"/>
-              </a:spcBef>
-              <a:spcAft>
-                <a:spcPct val="0"/>
-              </a:spcAft>
-              <a:buChar char="-"/>
-              <a:defRPr>
-                <a:solidFill>
-                  <a:schemeClr val="tx1"/>
-                </a:solidFill>
-                <a:latin typeface="Arial" panose="020B0604020202020204" pitchFamily="34" charset="0"/>
-                <a:cs typeface="Arial" panose="020B0604020202020204" pitchFamily="34" charset="0"/>
-              </a:defRPr>
-            </a:lvl7pPr>
-            <a:lvl8pPr marL="3429000" indent="-228600" eaLnBrk="0" fontAlgn="base" hangingPunct="0">
-              <a:spcBef>
-                <a:spcPct val="20000"/>
-              </a:spcBef>
-              <a:spcAft>
-                <a:spcPct val="0"/>
-              </a:spcAft>
-              <a:buChar char="-"/>
-              <a:defRPr>
-                <a:solidFill>
-                  <a:schemeClr val="tx1"/>
-                </a:solidFill>
-                <a:latin typeface="Arial" panose="020B0604020202020204" pitchFamily="34" charset="0"/>
-                <a:cs typeface="Arial" panose="020B0604020202020204" pitchFamily="34" charset="0"/>
-              </a:defRPr>
-            </a:lvl8pPr>
-            <a:lvl9pPr marL="3886200" indent="-228600" eaLnBrk="0" fontAlgn="base" hangingPunct="0">
-              <a:spcBef>
-                <a:spcPct val="20000"/>
-              </a:spcBef>
-              <a:spcAft>
-                <a:spcPct val="0"/>
-              </a:spcAft>
-              <a:buChar char="-"/>
-              <a:defRPr>
-                <a:solidFill>
-                  <a:schemeClr val="tx1"/>
-                </a:solidFill>
-                <a:latin typeface="Arial" panose="020B0604020202020204" pitchFamily="34" charset="0"/>
-                <a:cs typeface="Arial" panose="020B0604020202020204" pitchFamily="34" charset="0"/>
-              </a:defRPr>
-            </a:lvl9pPr>
-          </a:lstStyle>
+          <a:bodyPr lIns="0" rIns="0" tIns="0" bIns="0" anchor="ctr">
+            <a:noAutofit/>
+          </a:bodyPr>
           <a:p>
-            <a:pPr eaLnBrk="1" hangingPunct="1">
-              <a:spcBef>
-                <a:spcPct val="0"/>
-              </a:spcBef>
-              <a:buFontTx/>
-              <a:buNone/>
-            </a:pPr>
-            <a:fld id="{7115F48B-1144-470B-AD6E-060BBB6CA884}" type="slidenum">
-              <a:rPr lang="de-DE" altLang="de-DE" sz="1400">
-                <a:solidFill>
-                  <a:srgbClr val="898989"/>
-                </a:solidFill>
-                <a:latin typeface="Calibri" panose="020F0502020204030204" pitchFamily="34" charset="0"/>
-              </a:rPr>
-              <a:pPr eaLnBrk="1" hangingPunct="1">
-                <a:spcBef>
-                  <a:spcPct val="0"/>
-                </a:spcBef>
-                <a:buFontTx/>
-                <a:buNone/>
-              </a:pPr>
-              <a:t>1</a:t>
-            </a:fld>
-            <a:endParaRPr lang="de-DE" altLang="de-DE" sz="1400">
-              <a:solidFill>
-                <a:srgbClr val="898989"/>
-              </a:solidFill>
-              <a:latin typeface="Calibri" panose="020F0502020204030204" pitchFamily="34" charset="0"/>
+            <a:pPr algn="ctr"/>
+            <a:endParaRPr b="0" lang="en-GB" sz="4400" spc="-1" strike="noStrike">
+              <a:latin typeface="Arial"/>
             </a:endParaRPr>
           </a:p>
         </p:txBody>
       </p:sp>
       <p:sp>
         <p:nvSpPr>
-          <p:cNvPr id="8" name="Rechteck 7"/>
-          <p:cNvSpPr/>
-          <p:nvPr/>
+          <p:cNvPr id="22" name="PlaceHolder 2"/>
+          <p:cNvSpPr>
+            <a:spLocks noGrp="1"/>
+          </p:cNvSpPr>
+          <p:nvPr>
+            <p:ph type="body"/>
+          </p:nvPr>
         </p:nvSpPr>
         <p:spPr>
           <a:xfrm>
-            <a:off x="539751" y="2205038"/>
-            <a:ext cx="1174750" cy="3311525"/>
+            <a:off x="457200" y="1604520"/>
+            <a:ext cx="8229240" cy="1896840"/>
           </a:xfrm>
           <a:prstGeom prst="rect">
             <a:avLst/>
           </a:prstGeom>
-          <a:solidFill>
-            <a:schemeClr val="bg1">
-              <a:lumMod val="75000"/>
-            </a:schemeClr>
-          </a:solidFill>
-          <a:ln>
-            <a:noFill/>
-          </a:ln>
         </p:spPr>
-        <p:style>
-          <a:lnRef idx="2">
-            <a:schemeClr val="accent1">
-              <a:shade val="50000"/>
-            </a:schemeClr>
-          </a:lnRef>
-          <a:fillRef idx="1">
-            <a:schemeClr val="accent1"/>
-          </a:fillRef>
-          <a:effectRef idx="0">
-            <a:schemeClr val="accent1"/>
-          </a:effectRef>
-          <a:fontRef idx="minor">
-            <a:schemeClr val="lt1"/>
-          </a:fontRef>
-        </p:style>
         <p:txBody>
-          <a:bodyPr anchor="ctr"/>
-          <a:lstStyle/>
+          <a:bodyPr lIns="0" rIns="0" tIns="0" bIns="0">
+            <a:normAutofit/>
+          </a:bodyPr>
           <a:p>
-            <a:pPr algn="ctr">
-              <a:defRPr/>
-            </a:pPr>
-            <a:endParaRPr lang="de-DE">
-              <a:latin typeface="Arial" panose="020B0604020202020204" pitchFamily="34" charset="0"/>
-              <a:cs typeface="Arial" panose="020B0604020202020204" pitchFamily="34" charset="0"/>
+            <a:endParaRPr b="0" lang="en-GB" sz="3200" spc="-1" strike="noStrike">
+              <a:latin typeface="Arial"/>
             </a:endParaRPr>
           </a:p>
         </p:txBody>
       </p:sp>
+      <p:sp>
+        <p:nvSpPr>
+          <p:cNvPr id="23" name="PlaceHolder 3"/>
+          <p:cNvSpPr>
+            <a:spLocks noGrp="1"/>
+          </p:cNvSpPr>
+          <p:nvPr>
+            <p:ph type="body"/>
+          </p:nvPr>
+        </p:nvSpPr>
+        <p:spPr>
+          <a:xfrm>
+            <a:off x="457200" y="3682080"/>
+            <a:ext cx="8229240" cy="1896840"/>
+          </a:xfrm>
+          <a:prstGeom prst="rect">
+            <a:avLst/>
+          </a:prstGeom>
+        </p:spPr>
+        <p:txBody>
+          <a:bodyPr lIns="0" rIns="0" tIns="0" bIns="0">
+            <a:normAutofit/>
+          </a:bodyPr>
+          <a:p>
+            <a:endParaRPr b="0" lang="en-GB" sz="3200" spc="-1" strike="noStrike">
+              <a:latin typeface="Arial"/>
+            </a:endParaRPr>
+          </a:p>
+        </p:txBody>
+      </p:sp>
+    </p:spTree>
+  </p:cSld>
+</p:sldLayout>
+</file>
+
+<file path=ppt/slideLayouts/slideLayout11.xml><?xml version="1.0" encoding="utf-8"?>
+<p:sldLayout xmlns:a="http://schemas.openxmlformats.org/drawingml/2006/main" xmlns:p="http://schemas.openxmlformats.org/presentationml/2006/main" xmlns:r="http://schemas.openxmlformats.org/officeDocument/2006/relationships" xmlns:p14="http://schemas.microsoft.com/office/powerpoint/2010/main" xmlns:p15="http://schemas.microsoft.com/office/powerpoint/2012/main" xmlns:mc="http://schemas.openxmlformats.org/markup-compatibility/2006" type="fourObj" preserve="1">
+  <p:cSld name="Title, 4 Content">
+    <p:spTree>
+      <p:nvGrpSpPr>
+        <p:cNvPr id="1" name=""/>
+        <p:cNvGrpSpPr/>
+        <p:nvPr/>
+      </p:nvGrpSpPr>
+      <p:grpSpPr>
+        <a:xfrm>
+          <a:off x="0" y="0"/>
+          <a:ext cx="0" cy="0"/>
+          <a:chOff x="0" y="0"/>
+          <a:chExt cx="0" cy="0"/>
+        </a:xfrm>
+      </p:grpSpPr>
+      <p:sp>
+        <p:nvSpPr>
+          <p:cNvPr id="24" name="PlaceHolder 1"/>
+          <p:cNvSpPr>
+            <a:spLocks noGrp="1"/>
+          </p:cNvSpPr>
+          <p:nvPr>
+            <p:ph type="title"/>
+          </p:nvPr>
+        </p:nvSpPr>
+        <p:spPr>
+          <a:xfrm>
+            <a:off x="457200" y="273600"/>
+            <a:ext cx="8229240" cy="1144800"/>
+          </a:xfrm>
+          <a:prstGeom prst="rect">
+            <a:avLst/>
+          </a:prstGeom>
+        </p:spPr>
+        <p:txBody>
+          <a:bodyPr lIns="0" rIns="0" tIns="0" bIns="0" anchor="ctr">
+            <a:noAutofit/>
+          </a:bodyPr>
+          <a:p>
+            <a:pPr algn="ctr"/>
+            <a:endParaRPr b="0" lang="en-GB" sz="4400" spc="-1" strike="noStrike">
+              <a:latin typeface="Arial"/>
+            </a:endParaRPr>
+          </a:p>
+        </p:txBody>
+      </p:sp>
+      <p:sp>
+        <p:nvSpPr>
+          <p:cNvPr id="25" name="PlaceHolder 2"/>
+          <p:cNvSpPr>
+            <a:spLocks noGrp="1"/>
+          </p:cNvSpPr>
+          <p:nvPr>
+            <p:ph type="body"/>
+          </p:nvPr>
+        </p:nvSpPr>
+        <p:spPr>
+          <a:xfrm>
+            <a:off x="457200" y="1604520"/>
+            <a:ext cx="4015800" cy="1896840"/>
+          </a:xfrm>
+          <a:prstGeom prst="rect">
+            <a:avLst/>
+          </a:prstGeom>
+        </p:spPr>
+        <p:txBody>
+          <a:bodyPr lIns="0" rIns="0" tIns="0" bIns="0">
+            <a:normAutofit/>
+          </a:bodyPr>
+          <a:p>
+            <a:endParaRPr b="0" lang="en-GB" sz="3200" spc="-1" strike="noStrike">
+              <a:latin typeface="Arial"/>
+            </a:endParaRPr>
+          </a:p>
+        </p:txBody>
+      </p:sp>
+      <p:sp>
+        <p:nvSpPr>
+          <p:cNvPr id="26" name="PlaceHolder 3"/>
+          <p:cNvSpPr>
+            <a:spLocks noGrp="1"/>
+          </p:cNvSpPr>
+          <p:nvPr>
+            <p:ph type="body"/>
+          </p:nvPr>
+        </p:nvSpPr>
+        <p:spPr>
+          <a:xfrm>
+            <a:off x="4674240" y="1604520"/>
+            <a:ext cx="4015800" cy="1896840"/>
+          </a:xfrm>
+          <a:prstGeom prst="rect">
+            <a:avLst/>
+          </a:prstGeom>
+        </p:spPr>
+        <p:txBody>
+          <a:bodyPr lIns="0" rIns="0" tIns="0" bIns="0">
+            <a:normAutofit/>
+          </a:bodyPr>
+          <a:p>
+            <a:endParaRPr b="0" lang="en-GB" sz="3200" spc="-1" strike="noStrike">
+              <a:latin typeface="Arial"/>
+            </a:endParaRPr>
+          </a:p>
+        </p:txBody>
+      </p:sp>
+      <p:sp>
+        <p:nvSpPr>
+          <p:cNvPr id="27" name="PlaceHolder 4"/>
+          <p:cNvSpPr>
+            <a:spLocks noGrp="1"/>
+          </p:cNvSpPr>
+          <p:nvPr>
+            <p:ph type="body"/>
+          </p:nvPr>
+        </p:nvSpPr>
+        <p:spPr>
+          <a:xfrm>
+            <a:off x="457200" y="3682080"/>
+            <a:ext cx="4015800" cy="1896840"/>
+          </a:xfrm>
+          <a:prstGeom prst="rect">
+            <a:avLst/>
+          </a:prstGeom>
+        </p:spPr>
+        <p:txBody>
+          <a:bodyPr lIns="0" rIns="0" tIns="0" bIns="0">
+            <a:normAutofit/>
+          </a:bodyPr>
+          <a:p>
+            <a:endParaRPr b="0" lang="en-GB" sz="3200" spc="-1" strike="noStrike">
+              <a:latin typeface="Arial"/>
+            </a:endParaRPr>
+          </a:p>
+        </p:txBody>
+      </p:sp>
+      <p:sp>
+        <p:nvSpPr>
+          <p:cNvPr id="28" name="PlaceHolder 5"/>
+          <p:cNvSpPr>
+            <a:spLocks noGrp="1"/>
+          </p:cNvSpPr>
+          <p:nvPr>
+            <p:ph type="body"/>
+          </p:nvPr>
+        </p:nvSpPr>
+        <p:spPr>
+          <a:xfrm>
+            <a:off x="4674240" y="3682080"/>
+            <a:ext cx="4015800" cy="1896840"/>
+          </a:xfrm>
+          <a:prstGeom prst="rect">
+            <a:avLst/>
+          </a:prstGeom>
+        </p:spPr>
+        <p:txBody>
+          <a:bodyPr lIns="0" rIns="0" tIns="0" bIns="0">
+            <a:normAutofit/>
+          </a:bodyPr>
+          <a:p>
+            <a:endParaRPr b="0" lang="en-GB" sz="3200" spc="-1" strike="noStrike">
+              <a:latin typeface="Arial"/>
+            </a:endParaRPr>
+          </a:p>
+        </p:txBody>
+      </p:sp>
+    </p:spTree>
+  </p:cSld>
+</p:sldLayout>
+</file>
+
+<file path=ppt/slideLayouts/slideLayout12.xml><?xml version="1.0" encoding="utf-8"?>
+<p:sldLayout xmlns:a="http://schemas.openxmlformats.org/drawingml/2006/main" xmlns:p="http://schemas.openxmlformats.org/presentationml/2006/main" xmlns:r="http://schemas.openxmlformats.org/officeDocument/2006/relationships" xmlns:p14="http://schemas.microsoft.com/office/powerpoint/2010/main" xmlns:p15="http://schemas.microsoft.com/office/powerpoint/2012/main" xmlns:mc="http://schemas.openxmlformats.org/markup-compatibility/2006" type="blank" preserve="1">
+  <p:cSld name="Title, 6 Content">
+    <p:spTree>
+      <p:nvGrpSpPr>
+        <p:cNvPr id="1" name=""/>
+        <p:cNvGrpSpPr/>
+        <p:nvPr/>
+      </p:nvGrpSpPr>
+      <p:grpSpPr>
+        <a:xfrm>
+          <a:off x="0" y="0"/>
+          <a:ext cx="0" cy="0"/>
+          <a:chOff x="0" y="0"/>
+          <a:chExt cx="0" cy="0"/>
+        </a:xfrm>
+      </p:grpSpPr>
+      <p:sp>
+        <p:nvSpPr>
+          <p:cNvPr id="29" name="PlaceHolder 1"/>
+          <p:cNvSpPr>
+            <a:spLocks noGrp="1"/>
+          </p:cNvSpPr>
+          <p:nvPr>
+            <p:ph type="title"/>
+          </p:nvPr>
+        </p:nvSpPr>
+        <p:spPr>
+          <a:xfrm>
+            <a:off x="457200" y="273600"/>
+            <a:ext cx="8229240" cy="1144800"/>
+          </a:xfrm>
+          <a:prstGeom prst="rect">
+            <a:avLst/>
+          </a:prstGeom>
+        </p:spPr>
+        <p:txBody>
+          <a:bodyPr lIns="0" rIns="0" tIns="0" bIns="0" anchor="ctr">
+            <a:noAutofit/>
+          </a:bodyPr>
+          <a:p>
+            <a:pPr algn="ctr"/>
+            <a:endParaRPr b="0" lang="en-GB" sz="4400" spc="-1" strike="noStrike">
+              <a:latin typeface="Arial"/>
+            </a:endParaRPr>
+          </a:p>
+        </p:txBody>
+      </p:sp>
+      <p:sp>
+        <p:nvSpPr>
+          <p:cNvPr id="30" name="PlaceHolder 2"/>
+          <p:cNvSpPr>
+            <a:spLocks noGrp="1"/>
+          </p:cNvSpPr>
+          <p:nvPr>
+            <p:ph type="body"/>
+          </p:nvPr>
+        </p:nvSpPr>
+        <p:spPr>
+          <a:xfrm>
+            <a:off x="457200" y="1604520"/>
+            <a:ext cx="2649600" cy="1896840"/>
+          </a:xfrm>
+          <a:prstGeom prst="rect">
+            <a:avLst/>
+          </a:prstGeom>
+        </p:spPr>
+        <p:txBody>
+          <a:bodyPr lIns="0" rIns="0" tIns="0" bIns="0">
+            <a:normAutofit/>
+          </a:bodyPr>
+          <a:p>
+            <a:endParaRPr b="0" lang="en-GB" sz="3200" spc="-1" strike="noStrike">
+              <a:latin typeface="Arial"/>
+            </a:endParaRPr>
+          </a:p>
+        </p:txBody>
+      </p:sp>
+      <p:sp>
+        <p:nvSpPr>
+          <p:cNvPr id="31" name="PlaceHolder 3"/>
+          <p:cNvSpPr>
+            <a:spLocks noGrp="1"/>
+          </p:cNvSpPr>
+          <p:nvPr>
+            <p:ph type="body"/>
+          </p:nvPr>
+        </p:nvSpPr>
+        <p:spPr>
+          <a:xfrm>
+            <a:off x="3239640" y="1604520"/>
+            <a:ext cx="2649600" cy="1896840"/>
+          </a:xfrm>
+          <a:prstGeom prst="rect">
+            <a:avLst/>
+          </a:prstGeom>
+        </p:spPr>
+        <p:txBody>
+          <a:bodyPr lIns="0" rIns="0" tIns="0" bIns="0">
+            <a:normAutofit/>
+          </a:bodyPr>
+          <a:p>
+            <a:endParaRPr b="0" lang="en-GB" sz="3200" spc="-1" strike="noStrike">
+              <a:latin typeface="Arial"/>
+            </a:endParaRPr>
+          </a:p>
+        </p:txBody>
+      </p:sp>
+      <p:sp>
+        <p:nvSpPr>
+          <p:cNvPr id="32" name="PlaceHolder 4"/>
+          <p:cNvSpPr>
+            <a:spLocks noGrp="1"/>
+          </p:cNvSpPr>
+          <p:nvPr>
+            <p:ph type="body"/>
+          </p:nvPr>
+        </p:nvSpPr>
+        <p:spPr>
+          <a:xfrm>
+            <a:off x="6022080" y="1604520"/>
+            <a:ext cx="2649600" cy="1896840"/>
+          </a:xfrm>
+          <a:prstGeom prst="rect">
+            <a:avLst/>
+          </a:prstGeom>
+        </p:spPr>
+        <p:txBody>
+          <a:bodyPr lIns="0" rIns="0" tIns="0" bIns="0">
+            <a:normAutofit/>
+          </a:bodyPr>
+          <a:p>
+            <a:endParaRPr b="0" lang="en-GB" sz="3200" spc="-1" strike="noStrike">
+              <a:latin typeface="Arial"/>
+            </a:endParaRPr>
+          </a:p>
+        </p:txBody>
+      </p:sp>
+      <p:sp>
+        <p:nvSpPr>
+          <p:cNvPr id="33" name="PlaceHolder 5"/>
+          <p:cNvSpPr>
+            <a:spLocks noGrp="1"/>
+          </p:cNvSpPr>
+          <p:nvPr>
+            <p:ph type="body"/>
+          </p:nvPr>
+        </p:nvSpPr>
+        <p:spPr>
+          <a:xfrm>
+            <a:off x="457200" y="3682080"/>
+            <a:ext cx="2649600" cy="1896840"/>
+          </a:xfrm>
+          <a:prstGeom prst="rect">
+            <a:avLst/>
+          </a:prstGeom>
+        </p:spPr>
+        <p:txBody>
+          <a:bodyPr lIns="0" rIns="0" tIns="0" bIns="0">
+            <a:normAutofit/>
+          </a:bodyPr>
+          <a:p>
+            <a:endParaRPr b="0" lang="en-GB" sz="3200" spc="-1" strike="noStrike">
+              <a:latin typeface="Arial"/>
+            </a:endParaRPr>
+          </a:p>
+        </p:txBody>
+      </p:sp>
+      <p:sp>
+        <p:nvSpPr>
+          <p:cNvPr id="34" name="PlaceHolder 6"/>
+          <p:cNvSpPr>
+            <a:spLocks noGrp="1"/>
+          </p:cNvSpPr>
+          <p:nvPr>
+            <p:ph type="body"/>
+          </p:nvPr>
+        </p:nvSpPr>
+        <p:spPr>
+          <a:xfrm>
+            <a:off x="3239640" y="3682080"/>
+            <a:ext cx="2649600" cy="1896840"/>
+          </a:xfrm>
+          <a:prstGeom prst="rect">
+            <a:avLst/>
+          </a:prstGeom>
+        </p:spPr>
+        <p:txBody>
+          <a:bodyPr lIns="0" rIns="0" tIns="0" bIns="0">
+            <a:normAutofit/>
+          </a:bodyPr>
+          <a:p>
+            <a:endParaRPr b="0" lang="en-GB" sz="3200" spc="-1" strike="noStrike">
+              <a:latin typeface="Arial"/>
+            </a:endParaRPr>
+          </a:p>
+        </p:txBody>
+      </p:sp>
+      <p:sp>
+        <p:nvSpPr>
+          <p:cNvPr id="35" name="PlaceHolder 7"/>
+          <p:cNvSpPr>
+            <a:spLocks noGrp="1"/>
+          </p:cNvSpPr>
+          <p:nvPr>
+            <p:ph type="body"/>
+          </p:nvPr>
+        </p:nvSpPr>
+        <p:spPr>
+          <a:xfrm>
+            <a:off x="6022080" y="3682080"/>
+            <a:ext cx="2649600" cy="1896840"/>
+          </a:xfrm>
+          <a:prstGeom prst="rect">
+            <a:avLst/>
+          </a:prstGeom>
+        </p:spPr>
+        <p:txBody>
+          <a:bodyPr lIns="0" rIns="0" tIns="0" bIns="0">
+            <a:normAutofit/>
+          </a:bodyPr>
+          <a:p>
+            <a:endParaRPr b="0" lang="en-GB" sz="3200" spc="-1" strike="noStrike">
+              <a:latin typeface="Arial"/>
+            </a:endParaRPr>
+          </a:p>
+        </p:txBody>
+      </p:sp>
+    </p:spTree>
+  </p:cSld>
+</p:sldLayout>
+</file>
+
+<file path=ppt/slideLayouts/slideLayout2.xml><?xml version="1.0" encoding="utf-8"?>
+<p:sldLayout xmlns:a="http://schemas.openxmlformats.org/drawingml/2006/main" xmlns:p="http://schemas.openxmlformats.org/presentationml/2006/main" xmlns:r="http://schemas.openxmlformats.org/officeDocument/2006/relationships" xmlns:p14="http://schemas.microsoft.com/office/powerpoint/2010/main" xmlns:p15="http://schemas.microsoft.com/office/powerpoint/2012/main" xmlns:mc="http://schemas.openxmlformats.org/markup-compatibility/2006" type="tx" preserve="1">
+  <p:cSld name="Title Slide">
+    <p:spTree>
+      <p:nvGrpSpPr>
+        <p:cNvPr id="1" name=""/>
+        <p:cNvGrpSpPr/>
+        <p:nvPr/>
+      </p:nvGrpSpPr>
+      <p:grpSpPr>
+        <a:xfrm>
+          <a:off x="0" y="0"/>
+          <a:ext cx="0" cy="0"/>
+          <a:chOff x="0" y="0"/>
+          <a:chExt cx="0" cy="0"/>
+        </a:xfrm>
+      </p:grpSpPr>
+      <p:sp>
+        <p:nvSpPr>
+          <p:cNvPr id="0" name="PlaceHolder 1"/>
+          <p:cNvSpPr>
+            <a:spLocks noGrp="1"/>
+          </p:cNvSpPr>
+          <p:nvPr>
+            <p:ph type="title"/>
+          </p:nvPr>
+        </p:nvSpPr>
+        <p:spPr>
+          <a:xfrm>
+            <a:off x="457200" y="273600"/>
+            <a:ext cx="8229240" cy="1144800"/>
+          </a:xfrm>
+          <a:prstGeom prst="rect">
+            <a:avLst/>
+          </a:prstGeom>
+        </p:spPr>
+        <p:txBody>
+          <a:bodyPr lIns="0" rIns="0" tIns="0" bIns="0" anchor="ctr">
+            <a:noAutofit/>
+          </a:bodyPr>
+          <a:p>
+            <a:pPr algn="ctr"/>
+            <a:endParaRPr b="0" lang="en-GB" sz="4400" spc="-1" strike="noStrike">
+              <a:latin typeface="Arial"/>
+            </a:endParaRPr>
+          </a:p>
+        </p:txBody>
+      </p:sp>
+      <p:sp>
+        <p:nvSpPr>
+          <p:cNvPr id="1" name="PlaceHolder 2"/>
+          <p:cNvSpPr>
+            <a:spLocks noGrp="1"/>
+          </p:cNvSpPr>
+          <p:nvPr>
+            <p:ph type="subTitle"/>
+          </p:nvPr>
+        </p:nvSpPr>
+        <p:spPr>
+          <a:xfrm>
+            <a:off x="457200" y="1604520"/>
+            <a:ext cx="8229240" cy="3977280"/>
+          </a:xfrm>
+          <a:prstGeom prst="rect">
+            <a:avLst/>
+          </a:prstGeom>
+        </p:spPr>
+        <p:txBody>
+          <a:bodyPr lIns="0" rIns="0" tIns="0" bIns="0" anchor="ctr">
+            <a:noAutofit/>
+          </a:bodyPr>
+          <a:p>
+            <a:pPr algn="ctr"/>
+            <a:endParaRPr b="0" lang="en-GB" sz="3200" spc="-1" strike="noStrike">
+              <a:latin typeface="Arial"/>
+            </a:endParaRPr>
+          </a:p>
+        </p:txBody>
+      </p:sp>
+    </p:spTree>
+  </p:cSld>
+</p:sldLayout>
+</file>
+
+<file path=ppt/slideLayouts/slideLayout3.xml><?xml version="1.0" encoding="utf-8"?>
+<p:sldLayout xmlns:a="http://schemas.openxmlformats.org/drawingml/2006/main" xmlns:p="http://schemas.openxmlformats.org/presentationml/2006/main" xmlns:r="http://schemas.openxmlformats.org/officeDocument/2006/relationships" xmlns:p14="http://schemas.microsoft.com/office/powerpoint/2010/main" xmlns:p15="http://schemas.microsoft.com/office/powerpoint/2012/main" xmlns:mc="http://schemas.openxmlformats.org/markup-compatibility/2006" type="obj" preserve="1">
+  <p:cSld name="Title, Content">
+    <p:spTree>
+      <p:nvGrpSpPr>
+        <p:cNvPr id="1" name=""/>
+        <p:cNvGrpSpPr/>
+        <p:nvPr/>
+      </p:nvGrpSpPr>
+      <p:grpSpPr>
+        <a:xfrm>
+          <a:off x="0" y="0"/>
+          <a:ext cx="0" cy="0"/>
+          <a:chOff x="0" y="0"/>
+          <a:chExt cx="0" cy="0"/>
+        </a:xfrm>
+      </p:grpSpPr>
+      <p:sp>
+        <p:nvSpPr>
+          <p:cNvPr id="2" name="PlaceHolder 1"/>
+          <p:cNvSpPr>
+            <a:spLocks noGrp="1"/>
+          </p:cNvSpPr>
+          <p:nvPr>
+            <p:ph type="title"/>
+          </p:nvPr>
+        </p:nvSpPr>
+        <p:spPr>
+          <a:xfrm>
+            <a:off x="457200" y="273600"/>
+            <a:ext cx="8229240" cy="1144800"/>
+          </a:xfrm>
+          <a:prstGeom prst="rect">
+            <a:avLst/>
+          </a:prstGeom>
+        </p:spPr>
+        <p:txBody>
+          <a:bodyPr lIns="0" rIns="0" tIns="0" bIns="0" anchor="ctr">
+            <a:noAutofit/>
+          </a:bodyPr>
+          <a:p>
+            <a:pPr algn="ctr"/>
+            <a:endParaRPr b="0" lang="en-GB" sz="4400" spc="-1" strike="noStrike">
+              <a:latin typeface="Arial"/>
+            </a:endParaRPr>
+          </a:p>
+        </p:txBody>
+      </p:sp>
+      <p:sp>
+        <p:nvSpPr>
+          <p:cNvPr id="3" name="PlaceHolder 2"/>
+          <p:cNvSpPr>
+            <a:spLocks noGrp="1"/>
+          </p:cNvSpPr>
+          <p:nvPr>
+            <p:ph type="body"/>
+          </p:nvPr>
+        </p:nvSpPr>
+        <p:spPr>
+          <a:xfrm>
+            <a:off x="457200" y="1604520"/>
+            <a:ext cx="8229240" cy="3977280"/>
+          </a:xfrm>
+          <a:prstGeom prst="rect">
+            <a:avLst/>
+          </a:prstGeom>
+        </p:spPr>
+        <p:txBody>
+          <a:bodyPr lIns="0" rIns="0" tIns="0" bIns="0">
+            <a:normAutofit/>
+          </a:bodyPr>
+          <a:p>
+            <a:endParaRPr b="0" lang="en-GB" sz="3200" spc="-1" strike="noStrike">
+              <a:latin typeface="Arial"/>
+            </a:endParaRPr>
+          </a:p>
+        </p:txBody>
+      </p:sp>
+    </p:spTree>
+  </p:cSld>
+</p:sldLayout>
+</file>
+
+<file path=ppt/slideLayouts/slideLayout4.xml><?xml version="1.0" encoding="utf-8"?>
+<p:sldLayout xmlns:a="http://schemas.openxmlformats.org/drawingml/2006/main" xmlns:p="http://schemas.openxmlformats.org/presentationml/2006/main" xmlns:r="http://schemas.openxmlformats.org/officeDocument/2006/relationships" xmlns:p14="http://schemas.microsoft.com/office/powerpoint/2010/main" xmlns:p15="http://schemas.microsoft.com/office/powerpoint/2012/main" xmlns:mc="http://schemas.openxmlformats.org/markup-compatibility/2006" type="twoObj" preserve="1">
+  <p:cSld name="Title, 2 Content">
+    <p:spTree>
+      <p:nvGrpSpPr>
+        <p:cNvPr id="1" name=""/>
+        <p:cNvGrpSpPr/>
+        <p:nvPr/>
+      </p:nvGrpSpPr>
+      <p:grpSpPr>
+        <a:xfrm>
+          <a:off x="0" y="0"/>
+          <a:ext cx="0" cy="0"/>
+          <a:chOff x="0" y="0"/>
+          <a:chExt cx="0" cy="0"/>
+        </a:xfrm>
+      </p:grpSpPr>
+      <p:sp>
+        <p:nvSpPr>
+          <p:cNvPr id="4" name="PlaceHolder 1"/>
+          <p:cNvSpPr>
+            <a:spLocks noGrp="1"/>
+          </p:cNvSpPr>
+          <p:nvPr>
+            <p:ph type="title"/>
+          </p:nvPr>
+        </p:nvSpPr>
+        <p:spPr>
+          <a:xfrm>
+            <a:off x="457200" y="273600"/>
+            <a:ext cx="8229240" cy="1144800"/>
+          </a:xfrm>
+          <a:prstGeom prst="rect">
+            <a:avLst/>
+          </a:prstGeom>
+        </p:spPr>
+        <p:txBody>
+          <a:bodyPr lIns="0" rIns="0" tIns="0" bIns="0" anchor="ctr">
+            <a:noAutofit/>
+          </a:bodyPr>
+          <a:p>
+            <a:pPr algn="ctr"/>
+            <a:endParaRPr b="0" lang="en-GB" sz="4400" spc="-1" strike="noStrike">
+              <a:latin typeface="Arial"/>
+            </a:endParaRPr>
+          </a:p>
+        </p:txBody>
+      </p:sp>
+      <p:sp>
+        <p:nvSpPr>
+          <p:cNvPr id="5" name="PlaceHolder 2"/>
+          <p:cNvSpPr>
+            <a:spLocks noGrp="1"/>
+          </p:cNvSpPr>
+          <p:nvPr>
+            <p:ph type="body"/>
+          </p:nvPr>
+        </p:nvSpPr>
+        <p:spPr>
+          <a:xfrm>
+            <a:off x="457200" y="1604520"/>
+            <a:ext cx="4015800" cy="3977280"/>
+          </a:xfrm>
+          <a:prstGeom prst="rect">
+            <a:avLst/>
+          </a:prstGeom>
+        </p:spPr>
+        <p:txBody>
+          <a:bodyPr lIns="0" rIns="0" tIns="0" bIns="0">
+            <a:normAutofit/>
+          </a:bodyPr>
+          <a:p>
+            <a:endParaRPr b="0" lang="en-GB" sz="3200" spc="-1" strike="noStrike">
+              <a:latin typeface="Arial"/>
+            </a:endParaRPr>
+          </a:p>
+        </p:txBody>
+      </p:sp>
+      <p:sp>
+        <p:nvSpPr>
+          <p:cNvPr id="6" name="PlaceHolder 3"/>
+          <p:cNvSpPr>
+            <a:spLocks noGrp="1"/>
+          </p:cNvSpPr>
+          <p:nvPr>
+            <p:ph type="body"/>
+          </p:nvPr>
+        </p:nvSpPr>
+        <p:spPr>
+          <a:xfrm>
+            <a:off x="4674240" y="1604520"/>
+            <a:ext cx="4015800" cy="3977280"/>
+          </a:xfrm>
+          <a:prstGeom prst="rect">
+            <a:avLst/>
+          </a:prstGeom>
+        </p:spPr>
+        <p:txBody>
+          <a:bodyPr lIns="0" rIns="0" tIns="0" bIns="0">
+            <a:normAutofit/>
+          </a:bodyPr>
+          <a:p>
+            <a:endParaRPr b="0" lang="en-GB" sz="3200" spc="-1" strike="noStrike">
+              <a:latin typeface="Arial"/>
+            </a:endParaRPr>
+          </a:p>
+        </p:txBody>
+      </p:sp>
+    </p:spTree>
+  </p:cSld>
+</p:sldLayout>
+</file>
+
+<file path=ppt/slideLayouts/slideLayout5.xml><?xml version="1.0" encoding="utf-8"?>
+<p:sldLayout xmlns:a="http://schemas.openxmlformats.org/drawingml/2006/main" xmlns:p="http://schemas.openxmlformats.org/presentationml/2006/main" xmlns:r="http://schemas.openxmlformats.org/officeDocument/2006/relationships" xmlns:p14="http://schemas.microsoft.com/office/powerpoint/2010/main" xmlns:p15="http://schemas.microsoft.com/office/powerpoint/2012/main" xmlns:mc="http://schemas.openxmlformats.org/markup-compatibility/2006" type="titleOnly" preserve="1">
+  <p:cSld name="Title Only">
+    <p:spTree>
+      <p:nvGrpSpPr>
+        <p:cNvPr id="1" name=""/>
+        <p:cNvGrpSpPr/>
+        <p:nvPr/>
+      </p:nvGrpSpPr>
+      <p:grpSpPr>
+        <a:xfrm>
+          <a:off x="0" y="0"/>
+          <a:ext cx="0" cy="0"/>
+          <a:chOff x="0" y="0"/>
+          <a:chExt cx="0" cy="0"/>
+        </a:xfrm>
+      </p:grpSpPr>
+      <p:sp>
+        <p:nvSpPr>
+          <p:cNvPr id="7" name="PlaceHolder 1"/>
+          <p:cNvSpPr>
+            <a:spLocks noGrp="1"/>
+          </p:cNvSpPr>
+          <p:nvPr>
+            <p:ph type="title"/>
+          </p:nvPr>
+        </p:nvSpPr>
+        <p:spPr>
+          <a:xfrm>
+            <a:off x="457200" y="273600"/>
+            <a:ext cx="8229240" cy="1144800"/>
+          </a:xfrm>
+          <a:prstGeom prst="rect">
+            <a:avLst/>
+          </a:prstGeom>
+        </p:spPr>
+        <p:txBody>
+          <a:bodyPr lIns="0" rIns="0" tIns="0" bIns="0" anchor="ctr">
+            <a:noAutofit/>
+          </a:bodyPr>
+          <a:p>
+            <a:pPr algn="ctr"/>
+            <a:endParaRPr b="0" lang="en-GB" sz="4400" spc="-1" strike="noStrike">
+              <a:latin typeface="Arial"/>
+            </a:endParaRPr>
+          </a:p>
+        </p:txBody>
+      </p:sp>
+    </p:spTree>
+  </p:cSld>
+</p:sldLayout>
+</file>
+
+<file path=ppt/slideLayouts/slideLayout6.xml><?xml version="1.0" encoding="utf-8"?>
+<p:sldLayout xmlns:a="http://schemas.openxmlformats.org/drawingml/2006/main" xmlns:p="http://schemas.openxmlformats.org/presentationml/2006/main" xmlns:r="http://schemas.openxmlformats.org/officeDocument/2006/relationships" xmlns:p14="http://schemas.microsoft.com/office/powerpoint/2010/main" xmlns:p15="http://schemas.microsoft.com/office/powerpoint/2012/main" xmlns:mc="http://schemas.openxmlformats.org/markup-compatibility/2006" type="objOnly" preserve="1">
+  <p:cSld name="Centered Text">
+    <p:spTree>
+      <p:nvGrpSpPr>
+        <p:cNvPr id="1" name=""/>
+        <p:cNvGrpSpPr/>
+        <p:nvPr/>
+      </p:nvGrpSpPr>
+      <p:grpSpPr>
+        <a:xfrm>
+          <a:off x="0" y="0"/>
+          <a:ext cx="0" cy="0"/>
+          <a:chOff x="0" y="0"/>
+          <a:chExt cx="0" cy="0"/>
+        </a:xfrm>
+      </p:grpSpPr>
+      <p:sp>
+        <p:nvSpPr>
+          <p:cNvPr id="8" name="PlaceHolder 1"/>
+          <p:cNvSpPr>
+            <a:spLocks noGrp="1"/>
+          </p:cNvSpPr>
+          <p:nvPr>
+            <p:ph type="subTitle"/>
+          </p:nvPr>
+        </p:nvSpPr>
+        <p:spPr>
+          <a:xfrm>
+            <a:off x="457200" y="273600"/>
+            <a:ext cx="8229240" cy="5307840"/>
+          </a:xfrm>
+          <a:prstGeom prst="rect">
+            <a:avLst/>
+          </a:prstGeom>
+        </p:spPr>
+        <p:txBody>
+          <a:bodyPr lIns="0" rIns="0" tIns="0" bIns="0" anchor="ctr">
+            <a:noAutofit/>
+          </a:bodyPr>
+          <a:p>
+            <a:pPr algn="ctr"/>
+            <a:endParaRPr b="0" lang="en-GB" sz="3200" spc="-1" strike="noStrike">
+              <a:latin typeface="Arial"/>
+            </a:endParaRPr>
+          </a:p>
+        </p:txBody>
+      </p:sp>
+    </p:spTree>
+  </p:cSld>
+</p:sldLayout>
+</file>
+
+<file path=ppt/slideLayouts/slideLayout7.xml><?xml version="1.0" encoding="utf-8"?>
+<p:sldLayout xmlns:a="http://schemas.openxmlformats.org/drawingml/2006/main" xmlns:p="http://schemas.openxmlformats.org/presentationml/2006/main" xmlns:r="http://schemas.openxmlformats.org/officeDocument/2006/relationships" xmlns:p14="http://schemas.microsoft.com/office/powerpoint/2010/main" xmlns:p15="http://schemas.microsoft.com/office/powerpoint/2012/main" xmlns:mc="http://schemas.openxmlformats.org/markup-compatibility/2006" type="twoObjAndObj" preserve="1">
+  <p:cSld name="Title, 2 Content and Content">
+    <p:spTree>
+      <p:nvGrpSpPr>
+        <p:cNvPr id="1" name=""/>
+        <p:cNvGrpSpPr/>
+        <p:nvPr/>
+      </p:nvGrpSpPr>
+      <p:grpSpPr>
+        <a:xfrm>
+          <a:off x="0" y="0"/>
+          <a:ext cx="0" cy="0"/>
+          <a:chOff x="0" y="0"/>
+          <a:chExt cx="0" cy="0"/>
+        </a:xfrm>
+      </p:grpSpPr>
+      <p:sp>
+        <p:nvSpPr>
+          <p:cNvPr id="9" name="PlaceHolder 1"/>
+          <p:cNvSpPr>
+            <a:spLocks noGrp="1"/>
+          </p:cNvSpPr>
+          <p:nvPr>
+            <p:ph type="title"/>
+          </p:nvPr>
+        </p:nvSpPr>
+        <p:spPr>
+          <a:xfrm>
+            <a:off x="457200" y="273600"/>
+            <a:ext cx="8229240" cy="1144800"/>
+          </a:xfrm>
+          <a:prstGeom prst="rect">
+            <a:avLst/>
+          </a:prstGeom>
+        </p:spPr>
+        <p:txBody>
+          <a:bodyPr lIns="0" rIns="0" tIns="0" bIns="0" anchor="ctr">
+            <a:noAutofit/>
+          </a:bodyPr>
+          <a:p>
+            <a:pPr algn="ctr"/>
+            <a:endParaRPr b="0" lang="en-GB" sz="4400" spc="-1" strike="noStrike">
+              <a:latin typeface="Arial"/>
+            </a:endParaRPr>
+          </a:p>
+        </p:txBody>
+      </p:sp>
+      <p:sp>
+        <p:nvSpPr>
+          <p:cNvPr id="10" name="PlaceHolder 2"/>
+          <p:cNvSpPr>
+            <a:spLocks noGrp="1"/>
+          </p:cNvSpPr>
+          <p:nvPr>
+            <p:ph type="body"/>
+          </p:nvPr>
+        </p:nvSpPr>
+        <p:spPr>
+          <a:xfrm>
+            <a:off x="457200" y="1604520"/>
+            <a:ext cx="4015800" cy="1896840"/>
+          </a:xfrm>
+          <a:prstGeom prst="rect">
+            <a:avLst/>
+          </a:prstGeom>
+        </p:spPr>
+        <p:txBody>
+          <a:bodyPr lIns="0" rIns="0" tIns="0" bIns="0">
+            <a:normAutofit/>
+          </a:bodyPr>
+          <a:p>
+            <a:endParaRPr b="0" lang="en-GB" sz="3200" spc="-1" strike="noStrike">
+              <a:latin typeface="Arial"/>
+            </a:endParaRPr>
+          </a:p>
+        </p:txBody>
+      </p:sp>
+      <p:sp>
+        <p:nvSpPr>
+          <p:cNvPr id="11" name="PlaceHolder 3"/>
+          <p:cNvSpPr>
+            <a:spLocks noGrp="1"/>
+          </p:cNvSpPr>
+          <p:nvPr>
+            <p:ph type="body"/>
+          </p:nvPr>
+        </p:nvSpPr>
+        <p:spPr>
+          <a:xfrm>
+            <a:off x="4674240" y="1604520"/>
+            <a:ext cx="4015800" cy="3977280"/>
+          </a:xfrm>
+          <a:prstGeom prst="rect">
+            <a:avLst/>
+          </a:prstGeom>
+        </p:spPr>
+        <p:txBody>
+          <a:bodyPr lIns="0" rIns="0" tIns="0" bIns="0">
+            <a:normAutofit/>
+          </a:bodyPr>
+          <a:p>
+            <a:endParaRPr b="0" lang="en-GB" sz="3200" spc="-1" strike="noStrike">
+              <a:latin typeface="Arial"/>
+            </a:endParaRPr>
+          </a:p>
+        </p:txBody>
+      </p:sp>
+      <p:sp>
+        <p:nvSpPr>
+          <p:cNvPr id="12" name="PlaceHolder 4"/>
+          <p:cNvSpPr>
+            <a:spLocks noGrp="1"/>
+          </p:cNvSpPr>
+          <p:nvPr>
+            <p:ph type="body"/>
+          </p:nvPr>
+        </p:nvSpPr>
+        <p:spPr>
+          <a:xfrm>
+            <a:off x="457200" y="3682080"/>
+            <a:ext cx="4015800" cy="1896840"/>
+          </a:xfrm>
+          <a:prstGeom prst="rect">
+            <a:avLst/>
+          </a:prstGeom>
+        </p:spPr>
+        <p:txBody>
+          <a:bodyPr lIns="0" rIns="0" tIns="0" bIns="0">
+            <a:normAutofit/>
+          </a:bodyPr>
+          <a:p>
+            <a:endParaRPr b="0" lang="en-GB" sz="3200" spc="-1" strike="noStrike">
+              <a:latin typeface="Arial"/>
+            </a:endParaRPr>
+          </a:p>
+        </p:txBody>
+      </p:sp>
+    </p:spTree>
+  </p:cSld>
+</p:sldLayout>
+</file>
+
+<file path=ppt/slideLayouts/slideLayout8.xml><?xml version="1.0" encoding="utf-8"?>
+<p:sldLayout xmlns:a="http://schemas.openxmlformats.org/drawingml/2006/main" xmlns:p="http://schemas.openxmlformats.org/presentationml/2006/main" xmlns:r="http://schemas.openxmlformats.org/officeDocument/2006/relationships" xmlns:p14="http://schemas.microsoft.com/office/powerpoint/2010/main" xmlns:p15="http://schemas.microsoft.com/office/powerpoint/2012/main" xmlns:mc="http://schemas.openxmlformats.org/markup-compatibility/2006" type="objAndTwoObj" preserve="1">
+  <p:cSld name="Title Content and 2 Content">
+    <p:spTree>
+      <p:nvGrpSpPr>
+        <p:cNvPr id="1" name=""/>
+        <p:cNvGrpSpPr/>
+        <p:nvPr/>
+      </p:nvGrpSpPr>
+      <p:grpSpPr>
+        <a:xfrm>
+          <a:off x="0" y="0"/>
+          <a:ext cx="0" cy="0"/>
+          <a:chOff x="0" y="0"/>
+          <a:chExt cx="0" cy="0"/>
+        </a:xfrm>
+      </p:grpSpPr>
+      <p:sp>
+        <p:nvSpPr>
+          <p:cNvPr id="13" name="PlaceHolder 1"/>
+          <p:cNvSpPr>
+            <a:spLocks noGrp="1"/>
+          </p:cNvSpPr>
+          <p:nvPr>
+            <p:ph type="title"/>
+          </p:nvPr>
+        </p:nvSpPr>
+        <p:spPr>
+          <a:xfrm>
+            <a:off x="457200" y="273600"/>
+            <a:ext cx="8229240" cy="1144800"/>
+          </a:xfrm>
+          <a:prstGeom prst="rect">
+            <a:avLst/>
+          </a:prstGeom>
+        </p:spPr>
+        <p:txBody>
+          <a:bodyPr lIns="0" rIns="0" tIns="0" bIns="0" anchor="ctr">
+            <a:noAutofit/>
+          </a:bodyPr>
+          <a:p>
+            <a:pPr algn="ctr"/>
+            <a:endParaRPr b="0" lang="en-GB" sz="4400" spc="-1" strike="noStrike">
+              <a:latin typeface="Arial"/>
+            </a:endParaRPr>
+          </a:p>
+        </p:txBody>
+      </p:sp>
+      <p:sp>
+        <p:nvSpPr>
+          <p:cNvPr id="14" name="PlaceHolder 2"/>
+          <p:cNvSpPr>
+            <a:spLocks noGrp="1"/>
+          </p:cNvSpPr>
+          <p:nvPr>
+            <p:ph type="body"/>
+          </p:nvPr>
+        </p:nvSpPr>
+        <p:spPr>
+          <a:xfrm>
+            <a:off x="457200" y="1604520"/>
+            <a:ext cx="4015800" cy="3977280"/>
+          </a:xfrm>
+          <a:prstGeom prst="rect">
+            <a:avLst/>
+          </a:prstGeom>
+        </p:spPr>
+        <p:txBody>
+          <a:bodyPr lIns="0" rIns="0" tIns="0" bIns="0">
+            <a:normAutofit/>
+          </a:bodyPr>
+          <a:p>
+            <a:endParaRPr b="0" lang="en-GB" sz="3200" spc="-1" strike="noStrike">
+              <a:latin typeface="Arial"/>
+            </a:endParaRPr>
+          </a:p>
+        </p:txBody>
+      </p:sp>
+      <p:sp>
+        <p:nvSpPr>
+          <p:cNvPr id="15" name="PlaceHolder 3"/>
+          <p:cNvSpPr>
+            <a:spLocks noGrp="1"/>
+          </p:cNvSpPr>
+          <p:nvPr>
+            <p:ph type="body"/>
+          </p:nvPr>
+        </p:nvSpPr>
+        <p:spPr>
+          <a:xfrm>
+            <a:off x="4674240" y="1604520"/>
+            <a:ext cx="4015800" cy="1896840"/>
+          </a:xfrm>
+          <a:prstGeom prst="rect">
+            <a:avLst/>
+          </a:prstGeom>
+        </p:spPr>
+        <p:txBody>
+          <a:bodyPr lIns="0" rIns="0" tIns="0" bIns="0">
+            <a:normAutofit/>
+          </a:bodyPr>
+          <a:p>
+            <a:endParaRPr b="0" lang="en-GB" sz="3200" spc="-1" strike="noStrike">
+              <a:latin typeface="Arial"/>
+            </a:endParaRPr>
+          </a:p>
+        </p:txBody>
+      </p:sp>
+      <p:sp>
+        <p:nvSpPr>
+          <p:cNvPr id="16" name="PlaceHolder 4"/>
+          <p:cNvSpPr>
+            <a:spLocks noGrp="1"/>
+          </p:cNvSpPr>
+          <p:nvPr>
+            <p:ph type="body"/>
+          </p:nvPr>
+        </p:nvSpPr>
+        <p:spPr>
+          <a:xfrm>
+            <a:off x="4674240" y="3682080"/>
+            <a:ext cx="4015800" cy="1896840"/>
+          </a:xfrm>
+          <a:prstGeom prst="rect">
+            <a:avLst/>
+          </a:prstGeom>
+        </p:spPr>
+        <p:txBody>
+          <a:bodyPr lIns="0" rIns="0" tIns="0" bIns="0">
+            <a:normAutofit/>
+          </a:bodyPr>
+          <a:p>
+            <a:endParaRPr b="0" lang="en-GB" sz="3200" spc="-1" strike="noStrike">
+              <a:latin typeface="Arial"/>
+            </a:endParaRPr>
+          </a:p>
+        </p:txBody>
+      </p:sp>
+    </p:spTree>
+  </p:cSld>
+</p:sldLayout>
+</file>
+
+<file path=ppt/slideLayouts/slideLayout9.xml><?xml version="1.0" encoding="utf-8"?>
+<p:sldLayout xmlns:a="http://schemas.openxmlformats.org/drawingml/2006/main" xmlns:p="http://schemas.openxmlformats.org/presentationml/2006/main" xmlns:r="http://schemas.openxmlformats.org/officeDocument/2006/relationships" xmlns:p14="http://schemas.microsoft.com/office/powerpoint/2010/main" xmlns:p15="http://schemas.microsoft.com/office/powerpoint/2012/main" xmlns:mc="http://schemas.openxmlformats.org/markup-compatibility/2006" type="twoObjOverTx" preserve="1">
+  <p:cSld name="Title, 2 Content over Content">
+    <p:spTree>
+      <p:nvGrpSpPr>
+        <p:cNvPr id="1" name=""/>
+        <p:cNvGrpSpPr/>
+        <p:nvPr/>
+      </p:nvGrpSpPr>
+      <p:grpSpPr>
+        <a:xfrm>
+          <a:off x="0" y="0"/>
+          <a:ext cx="0" cy="0"/>
+          <a:chOff x="0" y="0"/>
+          <a:chExt cx="0" cy="0"/>
+        </a:xfrm>
+      </p:grpSpPr>
+      <p:sp>
+        <p:nvSpPr>
+          <p:cNvPr id="17" name="PlaceHolder 1"/>
+          <p:cNvSpPr>
+            <a:spLocks noGrp="1"/>
+          </p:cNvSpPr>
+          <p:nvPr>
+            <p:ph type="title"/>
+          </p:nvPr>
+        </p:nvSpPr>
+        <p:spPr>
+          <a:xfrm>
+            <a:off x="457200" y="273600"/>
+            <a:ext cx="8229240" cy="1144800"/>
+          </a:xfrm>
+          <a:prstGeom prst="rect">
+            <a:avLst/>
+          </a:prstGeom>
+        </p:spPr>
+        <p:txBody>
+          <a:bodyPr lIns="0" rIns="0" tIns="0" bIns="0" anchor="ctr">
+            <a:noAutofit/>
+          </a:bodyPr>
+          <a:p>
+            <a:pPr algn="ctr"/>
+            <a:endParaRPr b="0" lang="en-GB" sz="4400" spc="-1" strike="noStrike">
+              <a:latin typeface="Arial"/>
+            </a:endParaRPr>
+          </a:p>
+        </p:txBody>
+      </p:sp>
+      <p:sp>
+        <p:nvSpPr>
+          <p:cNvPr id="18" name="PlaceHolder 2"/>
+          <p:cNvSpPr>
+            <a:spLocks noGrp="1"/>
+          </p:cNvSpPr>
+          <p:nvPr>
+            <p:ph type="body"/>
+          </p:nvPr>
+        </p:nvSpPr>
+        <p:spPr>
+          <a:xfrm>
+            <a:off x="457200" y="1604520"/>
+            <a:ext cx="4015800" cy="1896840"/>
+          </a:xfrm>
+          <a:prstGeom prst="rect">
+            <a:avLst/>
+          </a:prstGeom>
+        </p:spPr>
+        <p:txBody>
+          <a:bodyPr lIns="0" rIns="0" tIns="0" bIns="0">
+            <a:normAutofit/>
+          </a:bodyPr>
+          <a:p>
+            <a:endParaRPr b="0" lang="en-GB" sz="3200" spc="-1" strike="noStrike">
+              <a:latin typeface="Arial"/>
+            </a:endParaRPr>
+          </a:p>
+        </p:txBody>
+      </p:sp>
+      <p:sp>
+        <p:nvSpPr>
+          <p:cNvPr id="19" name="PlaceHolder 3"/>
+          <p:cNvSpPr>
+            <a:spLocks noGrp="1"/>
+          </p:cNvSpPr>
+          <p:nvPr>
+            <p:ph type="body"/>
+          </p:nvPr>
+        </p:nvSpPr>
+        <p:spPr>
+          <a:xfrm>
+            <a:off x="4674240" y="1604520"/>
+            <a:ext cx="4015800" cy="1896840"/>
+          </a:xfrm>
+          <a:prstGeom prst="rect">
+            <a:avLst/>
+          </a:prstGeom>
+        </p:spPr>
+        <p:txBody>
+          <a:bodyPr lIns="0" rIns="0" tIns="0" bIns="0">
+            <a:normAutofit/>
+          </a:bodyPr>
+          <a:p>
+            <a:endParaRPr b="0" lang="en-GB" sz="3200" spc="-1" strike="noStrike">
+              <a:latin typeface="Arial"/>
+            </a:endParaRPr>
+          </a:p>
+        </p:txBody>
+      </p:sp>
+      <p:sp>
+        <p:nvSpPr>
+          <p:cNvPr id="20" name="PlaceHolder 4"/>
+          <p:cNvSpPr>
+            <a:spLocks noGrp="1"/>
+          </p:cNvSpPr>
+          <p:nvPr>
+            <p:ph type="body"/>
+          </p:nvPr>
+        </p:nvSpPr>
+        <p:spPr>
+          <a:xfrm>
+            <a:off x="457200" y="3682080"/>
+            <a:ext cx="8229240" cy="1896840"/>
+          </a:xfrm>
+          <a:prstGeom prst="rect">
+            <a:avLst/>
+          </a:prstGeom>
+        </p:spPr>
+        <p:txBody>
+          <a:bodyPr lIns="0" rIns="0" tIns="0" bIns="0">
+            <a:normAutofit/>
+          </a:bodyPr>
+          <a:p>
+            <a:endParaRPr b="0" lang="en-GB" sz="3200" spc="-1" strike="noStrike">
+              <a:latin typeface="Arial"/>
+            </a:endParaRPr>
+          </a:p>
+        </p:txBody>
+      </p:sp>
+    </p:spTree>
+  </p:cSld>
+</p:sldLayout>
+</file>
+
+<file path=ppt/slideMasters/slideMaster1.xml><?xml version="1.0" encoding="utf-8"?>
+<p:sldMaster xmlns:a="http://schemas.openxmlformats.org/drawingml/2006/main" xmlns:p="http://schemas.openxmlformats.org/presentationml/2006/main" xmlns:r="http://schemas.openxmlformats.org/officeDocument/2006/relationships" xmlns:p14="http://schemas.microsoft.com/office/powerpoint/2010/main" xmlns:p15="http://schemas.microsoft.com/office/powerpoint/2012/main" xmlns:mc="http://schemas.openxmlformats.org/markup-compatibility/2006">
+  <p:cSld>
+    <p:bg>
+      <p:bgPr>
+        <a:solidFill>
+          <a:srgbClr val="ffffff"/>
+        </a:solidFill>
+      </p:bgPr>
+    </p:bg>
+    <p:spTree>
+      <p:nvGrpSpPr>
+        <p:cNvPr id="1" name=""/>
+        <p:cNvGrpSpPr/>
+        <p:nvPr/>
+      </p:nvGrpSpPr>
+      <p:grpSpPr>
+        <a:xfrm>
+          <a:off x="0" y="0"/>
+          <a:ext cx="0" cy="0"/>
+          <a:chOff x="0" y="0"/>
+          <a:chExt cx="0" cy="0"/>
+        </a:xfrm>
+      </p:grpSpPr>
+    </p:spTree>
+  </p:cSld>
+  <p:clrMap bg1="lt1" bg2="lt2" tx1="dk1" tx2="dk2" accent1="accent1" accent2="accent2" accent3="accent3" accent4="accent4" accent5="accent5" accent6="accent6" hlink="hlink" folHlink="folHlink"/>
+  <p:sldLayoutIdLst>
+    <p:sldLayoutId id="2147483649" r:id="rId2"/>
+    <p:sldLayoutId id="2147483650" r:id="rId3"/>
+    <p:sldLayoutId id="2147483651" r:id="rId4"/>
+    <p:sldLayoutId id="2147483652" r:id="rId5"/>
+    <p:sldLayoutId id="2147483653" r:id="rId6"/>
+    <p:sldLayoutId id="2147483654" r:id="rId7"/>
+    <p:sldLayoutId id="2147483655" r:id="rId8"/>
+    <p:sldLayoutId id="2147483656" r:id="rId9"/>
+    <p:sldLayoutId id="2147483657" r:id="rId10"/>
+    <p:sldLayoutId id="2147483658" r:id="rId11"/>
+    <p:sldLayoutId id="2147483659" r:id="rId12"/>
+    <p:sldLayoutId id="2147483660" r:id="rId13"/>
+  </p:sldLayoutIdLst>
+</p:sldMaster>
+</file>
+
+<file path=ppt/slides/slide1.xml><?xml version="1.0" encoding="utf-8"?>
+<p:sld xmlns:a="http://schemas.openxmlformats.org/drawingml/2006/main" xmlns:p="http://schemas.openxmlformats.org/presentationml/2006/main" xmlns:r="http://schemas.openxmlformats.org/officeDocument/2006/relationships" xmlns:p14="http://schemas.microsoft.com/office/powerpoint/2010/main" xmlns:p15="http://schemas.microsoft.com/office/powerpoint/2012/main" xmlns:mc="http://schemas.openxmlformats.org/markup-compatibility/2006">
+  <p:cSld>
+    <p:spTree>
+      <p:nvGrpSpPr>
+        <p:cNvPr id="1" name=""/>
+        <p:cNvGrpSpPr/>
+        <p:nvPr/>
+      </p:nvGrpSpPr>
+      <p:grpSpPr>
+        <a:xfrm>
+          <a:off x="0" y="0"/>
+          <a:ext cx="0" cy="0"/>
+          <a:chOff x="0" y="0"/>
+          <a:chExt cx="0" cy="0"/>
+        </a:xfrm>
+      </p:grpSpPr>
       <p:graphicFrame>
         <p:nvGraphicFramePr>
-          <p:cNvPr id="5" name="Inhaltsplatzhalter 3"/>
-          <p:cNvGraphicFramePr>
-            <a:graphicFrameLocks/>
-          </p:cNvGraphicFramePr>
+          <p:cNvPr id="1" name="Diagram1"/>
+          <p:cNvGraphicFramePr/>
           <p:nvPr>
             <p:extLst>
               <p:ext uri="{D42A27DB-BD31-4B8C-83A1-F6EECF244321}">
-                <p14:modId xmlns:p14="http://schemas.microsoft.com/office/powerpoint/2010/main" val="312919785"/>
+                <p14:modId xmlns:p14="http://schemas.microsoft.com/office/powerpoint/2010/main" val="482620744"/>
               </p:ext>
             </p:extLst>
           </p:nvPr>
         </p:nvGraphicFramePr>
         <p:xfrm>
-          <a:off x="179513" y="2349451"/>
-          <a:ext cx="8784975" cy="2952327"/>
+          <a:off x="179640" y="2349360"/>
+          <a:ext cx="8784360" cy="2951640"/>
         </p:xfrm>
         <a:graphic>
           <a:graphicData uri="http://schemas.openxmlformats.org/drawingml/2006/diagram">
-            <dgm:relIds xmlns:dgm="http://schemas.openxmlformats.org/drawingml/2006/diagram" xmlns:r="http://schemas.openxmlformats.org/officeDocument/2006/relationships" r:dm="rId4" r:lo="rId5" r:qs="rId6" r:cs="rId7"/>
+            <dgm:relIds xmlns:dgm="http://schemas.openxmlformats.org/drawingml/2006/diagram" xmlns:r="http://schemas.openxmlformats.org/officeDocument/2006/relationships" r:dm="rId1" r:lo="rId2" r:qs="rId3" r:cs="rId4"/>
           </a:graphicData>
         </a:graphic>
       </p:graphicFrame>
-      <p:sp>
-        <p:nvSpPr>
-          <p:cNvPr id="3" name="Textfeld 2">
-            <a:extLst>
-              <a:ext uri="{FF2B5EF4-FFF2-40B4-BE49-F238E27FC236}">
-                <a16:creationId xmlns:a16="http://schemas.microsoft.com/office/drawing/2014/main" id="{2C458F35-2A6A-4C14-A119-3D4834A55131}"/>
-              </a:ext>
-            </a:extLst>
-          </p:cNvPr>
-          <p:cNvSpPr txBox="1"/>
-          <p:nvPr/>
-        </p:nvSpPr>
-        <p:spPr>
-          <a:xfrm>
-            <a:off x="5053137" y="333376"/>
-            <a:ext cx="3716213" cy="646331"/>
-          </a:xfrm>
-          <a:prstGeom prst="rect">
-            <a:avLst/>
-          </a:prstGeom>
-          <a:noFill/>
-        </p:spPr>
-        <p:txBody>
-          <a:bodyPr wrap="square" rtlCol="0">
-            <a:spAutoFit/>
-          </a:bodyPr>
-          <a:lstStyle/>
-          <a:p>
-            <a:r>
-              <a:rPr lang="de-DE" dirty="0">
-                <a:highlight>
-                  <a:srgbClr val="FFFF00"/>
-                </a:highlight>
-              </a:rPr>
-              <a:t>Ohne Farbe bzw. Hintergrundgrau umsetzbar? </a:t>
-            </a:r>
-          </a:p>
-        </p:txBody>
-      </p:sp>
     </p:spTree>
-    <p:custDataLst>
-      <p:tags r:id="rId1"/>
-    </p:custDataLst>
-    <p:extLst>
-      <p:ext uri="{BB962C8B-B14F-4D97-AF65-F5344CB8AC3E}">
-        <p14:creationId xmlns:p14="http://schemas.microsoft.com/office/powerpoint/2010/main" val="3080817161"/>
-      </p:ext>
-    </p:extLst>
   </p:cSld>
-  <p:clrMapOvr>
-    <a:masterClrMapping/>
-  </p:clrMapOvr>
+  <mc:AlternateContent>
+    <mc:Choice Requires="p14">
+      <p:transition spd="slow" p14:dur="2000"/>
+    </mc:Choice>
+    <mc:Fallback>
+      <p:transition spd="slow"/>
+    </mc:Fallback>
+  </mc:AlternateContent>
 </p:sld>
 </file>
 
-<file path=ppt/tags/tag1.xml><?xml version="1.0" encoding="utf-8"?>
-<p:tagLst xmlns:a="http://schemas.openxmlformats.org/drawingml/2006/main" xmlns:r="http://schemas.openxmlformats.org/officeDocument/2006/relationships" xmlns:p="http://schemas.openxmlformats.org/presentationml/2006/main">
-  <p:tag name="ARTICULATE_PROJECT_OPEN" val="0"/>
-  <p:tag name="ARTICULATE_SLIDE_COUNT" val="1"/>
-</p:tagLst>
-</file>
-
-<file path=ppt/tags/tag2.xml><?xml version="1.0" encoding="utf-8"?>
-<p:tagLst xmlns:a="http://schemas.openxmlformats.org/drawingml/2006/main" xmlns:r="http://schemas.openxmlformats.org/officeDocument/2006/relationships" xmlns:p="http://schemas.openxmlformats.org/presentationml/2006/main">
-  <p:tag name="ARTICULATE_SLIDE_THUMBNAIL_REFRESH" val="1"/>
-</p:tagLst>
-</file>
-
 <file path=ppt/theme/theme1.xml><?xml version="1.0" encoding="utf-8"?>
-<a:theme xmlns:a="http://schemas.openxmlformats.org/drawingml/2006/main" name="Office">
+<a:theme xmlns:a="http://schemas.openxmlformats.org/drawingml/2006/main" name="Office Theme">
   <a:themeElements>
     <a:clrScheme name="Office">
       <a:dk1>
@@ -13970,106 +11852,46 @@
         <a:sysClr val="window" lastClr="FFFFFF"/>
       </a:lt1>
       <a:dk2>
-        <a:srgbClr val="44546A"/>
+        <a:srgbClr val="44546a"/>
       </a:dk2>
       <a:lt2>
-        <a:srgbClr val="E7E6E6"/>
+        <a:srgbClr val="e7e6e6"/>
       </a:lt2>
       <a:accent1>
-        <a:srgbClr val="5B9BD5"/>
+        <a:srgbClr val="5b9bd5"/>
       </a:accent1>
       <a:accent2>
-        <a:srgbClr val="ED7D31"/>
+        <a:srgbClr val="ed7d31"/>
       </a:accent2>
       <a:accent3>
-        <a:srgbClr val="A5A5A5"/>
+        <a:srgbClr val="a5a5a5"/>
       </a:accent3>
       <a:accent4>
-        <a:srgbClr val="FFC000"/>
+        <a:srgbClr val="ffc000"/>
       </a:accent4>
       <a:accent5>
-        <a:srgbClr val="4472C4"/>
+        <a:srgbClr val="4472c4"/>
       </a:accent5>
       <a:accent6>
-        <a:srgbClr val="70AD47"/>
+        <a:srgbClr val="70ad47"/>
       </a:accent6>
       <a:hlink>
-        <a:srgbClr val="0563C1"/>
+        <a:srgbClr val="0563c1"/>
       </a:hlink>
       <a:folHlink>
-        <a:srgbClr val="954F72"/>
+        <a:srgbClr val="954f72"/>
       </a:folHlink>
     </a:clrScheme>
     <a:fontScheme name="Office">
       <a:majorFont>
-        <a:latin typeface="Calibri Light" panose="020F0302020204030204"/>
-        <a:ea typeface=""/>
-        <a:cs typeface=""/>
-        <a:font script="Jpan" typeface="游ゴシック Light"/>
-        <a:font script="Hang" typeface="맑은 고딕"/>
-        <a:font script="Hans" typeface="等线 Light"/>
-        <a:font script="Hant" typeface="新細明體"/>
-        <a:font script="Arab" typeface="Times New Roman"/>
-        <a:font script="Hebr" typeface="Times New Roman"/>
-        <a:font script="Thai" typeface="Angsana New"/>
-        <a:font script="Ethi" typeface="Nyala"/>
-        <a:font script="Beng" typeface="Vrinda"/>
-        <a:font script="Gujr" typeface="Shruti"/>
-        <a:font script="Khmr" typeface="MoolBoran"/>
-        <a:font script="Knda" typeface="Tunga"/>
-        <a:font script="Guru" typeface="Raavi"/>
-        <a:font script="Cans" typeface="Euphemia"/>
-        <a:font script="Cher" typeface="Plantagenet Cherokee"/>
-        <a:font script="Yiii" typeface="Microsoft Yi Baiti"/>
-        <a:font script="Tibt" typeface="Microsoft Himalaya"/>
-        <a:font script="Thaa" typeface="MV Boli"/>
-        <a:font script="Deva" typeface="Mangal"/>
-        <a:font script="Telu" typeface="Gautami"/>
-        <a:font script="Taml" typeface="Latha"/>
-        <a:font script="Syrc" typeface="Estrangelo Edessa"/>
-        <a:font script="Orya" typeface="Kalinga"/>
-        <a:font script="Mlym" typeface="Kartika"/>
-        <a:font script="Laoo" typeface="DokChampa"/>
-        <a:font script="Sinh" typeface="Iskoola Pota"/>
-        <a:font script="Mong" typeface="Mongolian Baiti"/>
-        <a:font script="Viet" typeface="Times New Roman"/>
-        <a:font script="Uigh" typeface="Microsoft Uighur"/>
-        <a:font script="Geor" typeface="Sylfaen"/>
+        <a:latin typeface="Arial"/>
+        <a:ea typeface="DejaVu Sans"/>
+        <a:cs typeface="DejaVu Sans"/>
       </a:majorFont>
       <a:minorFont>
-        <a:latin typeface="Calibri" panose="020F0502020204030204"/>
-        <a:ea typeface=""/>
-        <a:cs typeface=""/>
-        <a:font script="Jpan" typeface="游ゴシック"/>
-        <a:font script="Hang" typeface="맑은 고딕"/>
-        <a:font script="Hans" typeface="等线"/>
-        <a:font script="Hant" typeface="新細明體"/>
-        <a:font script="Arab" typeface="Arial"/>
-        <a:font script="Hebr" typeface="Arial"/>
-        <a:font script="Thai" typeface="Cordia New"/>
-        <a:font script="Ethi" typeface="Nyala"/>
-        <a:font script="Beng" typeface="Vrinda"/>
-        <a:font script="Gujr" typeface="Shruti"/>
-        <a:font script="Khmr" typeface="DaunPenh"/>
-        <a:font script="Knda" typeface="Tunga"/>
-        <a:font script="Guru" typeface="Raavi"/>
-        <a:font script="Cans" typeface="Euphemia"/>
-        <a:font script="Cher" typeface="Plantagenet Cherokee"/>
-        <a:font script="Yiii" typeface="Microsoft Yi Baiti"/>
-        <a:font script="Tibt" typeface="Microsoft Himalaya"/>
-        <a:font script="Thaa" typeface="MV Boli"/>
-        <a:font script="Deva" typeface="Mangal"/>
-        <a:font script="Telu" typeface="Gautami"/>
-        <a:font script="Taml" typeface="Latha"/>
-        <a:font script="Syrc" typeface="Estrangelo Edessa"/>
-        <a:font script="Orya" typeface="Kalinga"/>
-        <a:font script="Mlym" typeface="Kartika"/>
-        <a:font script="Laoo" typeface="DokChampa"/>
-        <a:font script="Sinh" typeface="Iskoola Pota"/>
-        <a:font script="Mong" typeface="Mongolian Baiti"/>
-        <a:font script="Viet" typeface="Arial"/>
-        <a:font script="Uigh" typeface="Microsoft Uighur"/>
-        <a:font script="Geor" typeface="Sylfaen"/>
+        <a:latin typeface="Arial"/>
+        <a:ea typeface="DejaVu Sans"/>
+        <a:cs typeface="DejaVu Sans"/>
       </a:minorFont>
     </a:fontScheme>
     <a:fmtScheme name="Office">
@@ -14081,147 +11903,172 @@
           <a:gsLst>
             <a:gs pos="0">
               <a:schemeClr val="phClr">
-                <a:lumMod val="110000"/>
-                <a:satMod val="105000"/>
-                <a:tint val="67000"/>
+                <a:tint val="50000"/>
+                <a:satMod val="300000"/>
               </a:schemeClr>
             </a:gs>
-            <a:gs pos="50000">
+            <a:gs pos="35000">
               <a:schemeClr val="phClr">
-                <a:lumMod val="105000"/>
-                <a:satMod val="103000"/>
-                <a:tint val="73000"/>
+                <a:tint val="37000"/>
+                <a:satMod val="300000"/>
               </a:schemeClr>
             </a:gs>
             <a:gs pos="100000">
               <a:schemeClr val="phClr">
-                <a:lumMod val="105000"/>
-                <a:satMod val="109000"/>
-                <a:tint val="81000"/>
+                <a:tint val="15000"/>
+                <a:satMod val="350000"/>
               </a:schemeClr>
             </a:gs>
           </a:gsLst>
-          <a:lin ang="5400000" scaled="0"/>
+          <a:lin ang="16200000" scaled="1"/>
         </a:gradFill>
         <a:gradFill rotWithShape="1">
           <a:gsLst>
             <a:gs pos="0">
               <a:schemeClr val="phClr">
-                <a:satMod val="103000"/>
-                <a:lumMod val="102000"/>
-                <a:tint val="94000"/>
+                <a:shade val="51000"/>
+                <a:satMod val="130000"/>
               </a:schemeClr>
             </a:gs>
-            <a:gs pos="50000">
+            <a:gs pos="80000">
               <a:schemeClr val="phClr">
-                <a:satMod val="110000"/>
-                <a:lumMod val="100000"/>
-                <a:shade val="100000"/>
+                <a:shade val="93000"/>
+                <a:satMod val="130000"/>
               </a:schemeClr>
             </a:gs>
             <a:gs pos="100000">
               <a:schemeClr val="phClr">
-                <a:lumMod val="99000"/>
-                <a:satMod val="120000"/>
-                <a:shade val="78000"/>
+                <a:shade val="94000"/>
+                <a:satMod val="135000"/>
               </a:schemeClr>
             </a:gs>
           </a:gsLst>
-          <a:lin ang="5400000" scaled="0"/>
+          <a:lin ang="16200000" scaled="0"/>
         </a:gradFill>
       </a:fillStyleLst>
       <a:lnStyleLst>
-        <a:ln w="6350" cap="flat" cmpd="sng" algn="ctr">
+        <a:ln w="9525" cap="flat" cmpd="sng" algn="ctr">
+          <a:solidFill>
+            <a:schemeClr val="phClr">
+              <a:shade val="95000"/>
+              <a:satMod val="105000"/>
+            </a:schemeClr>
+          </a:solidFill>
+          <a:prstDash val="solid"/>
+          <a:miter/>
+        </a:ln>
+        <a:ln w="25400" cap="flat" cmpd="sng" algn="ctr">
           <a:solidFill>
             <a:schemeClr val="phClr"/>
           </a:solidFill>
           <a:prstDash val="solid"/>
-          <a:miter lim="800000"/>
+          <a:miter/>
         </a:ln>
-        <a:ln w="12700" cap="flat" cmpd="sng" algn="ctr">
+        <a:ln w="38100" cap="flat" cmpd="sng" algn="ctr">
           <a:solidFill>
             <a:schemeClr val="phClr"/>
           </a:solidFill>
           <a:prstDash val="solid"/>
-          <a:miter lim="800000"/>
-        </a:ln>
-        <a:ln w="19050" cap="flat" cmpd="sng" algn="ctr">
-          <a:solidFill>
-            <a:schemeClr val="phClr"/>
-          </a:solidFill>
-          <a:prstDash val="solid"/>
-          <a:miter lim="800000"/>
+          <a:miter/>
         </a:ln>
       </a:lnStyleLst>
       <a:effectStyleLst>
         <a:effectStyle>
-          <a:effectLst/>
-        </a:effectStyle>
-        <a:effectStyle>
-          <a:effectLst/>
+          <a:effectLst>
+            <a:outerShdw blurRad="40000" dist="20000" dir="5400000" rotWithShape="0">
+              <a:srgbClr val="000000">
+                <a:alpha val="38000"/>
+              </a:srgbClr>
+            </a:outerShdw>
+          </a:effectLst>
         </a:effectStyle>
         <a:effectStyle>
           <a:effectLst>
-            <a:outerShdw blurRad="57150" dist="19050" dir="5400000" algn="ctr" rotWithShape="0">
+            <a:outerShdw blurRad="40000" dist="23000" dir="5400000" rotWithShape="0">
               <a:srgbClr val="000000">
-                <a:alpha val="63000"/>
+                <a:alpha val="35000"/>
               </a:srgbClr>
             </a:outerShdw>
           </a:effectLst>
+        </a:effectStyle>
+        <a:effectStyle>
+          <a:effectLst>
+            <a:outerShdw blurRad="40000" dist="23000" dir="5400000" rotWithShape="0">
+              <a:srgbClr val="000000">
+                <a:alpha val="35000"/>
+              </a:srgbClr>
+            </a:outerShdw>
+          </a:effectLst>
+          <a:scene3d>
+            <a:camera prst="orthographicFront">
+              <a:rot lat="0" lon="0" rev="0"/>
+            </a:camera>
+            <a:lightRig rig="threePt" dir="t">
+              <a:rot lat="0" lon="0" rev="1200000"/>
+            </a:lightRig>
+          </a:scene3d>
+          <a:sp3d>
+            <a:bevelT w="63500" h="25400"/>
+          </a:sp3d>
         </a:effectStyle>
       </a:effectStyleLst>
       <a:bgFillStyleLst>
         <a:solidFill>
           <a:schemeClr val="phClr"/>
         </a:solidFill>
-        <a:solidFill>
-          <a:schemeClr val="phClr">
-            <a:tint val="95000"/>
-            <a:satMod val="170000"/>
-          </a:schemeClr>
-        </a:solidFill>
         <a:gradFill rotWithShape="1">
           <a:gsLst>
             <a:gs pos="0">
               <a:schemeClr val="phClr">
-                <a:tint val="93000"/>
-                <a:satMod val="150000"/>
-                <a:shade val="98000"/>
-                <a:lumMod val="102000"/>
+                <a:tint val="40000"/>
+                <a:satMod val="350000"/>
               </a:schemeClr>
             </a:gs>
-            <a:gs pos="50000">
+            <a:gs pos="40000">
               <a:schemeClr val="phClr">
-                <a:tint val="98000"/>
-                <a:satMod val="130000"/>
-                <a:shade val="90000"/>
-                <a:lumMod val="103000"/>
+                <a:tint val="45000"/>
+                <a:shade val="99000"/>
+                <a:satMod val="350000"/>
               </a:schemeClr>
             </a:gs>
             <a:gs pos="100000">
               <a:schemeClr val="phClr">
-                <a:shade val="63000"/>
-                <a:satMod val="120000"/>
+                <a:shade val="20000"/>
+                <a:satMod val="255000"/>
               </a:schemeClr>
             </a:gs>
           </a:gsLst>
-          <a:lin ang="5400000" scaled="0"/>
+          <a:path path="circle">
+            <a:fillToRect l="50000" t="-80000" r="50000" b="180000"/>
+          </a:path>
+        </a:gradFill>
+        <a:gradFill rotWithShape="1">
+          <a:gsLst>
+            <a:gs pos="0">
+              <a:schemeClr val="phClr">
+                <a:tint val="80000"/>
+                <a:satMod val="300000"/>
+              </a:schemeClr>
+            </a:gs>
+            <a:gs pos="100000">
+              <a:schemeClr val="phClr">
+                <a:shade val="30000"/>
+                <a:satMod val="200000"/>
+              </a:schemeClr>
+            </a:gs>
+          </a:gsLst>
+          <a:path path="circle">
+            <a:fillToRect l="50000" t="50000" r="50000" b="50000"/>
+          </a:path>
         </a:gradFill>
       </a:bgFillStyleLst>
     </a:fmtScheme>
   </a:themeElements>
-  <a:objectDefaults/>
-  <a:extraClrSchemeLst/>
-  <a:extLst>
-    <a:ext uri="{05A4C25C-085E-4340-85A3-A5531E510DB2}">
-      <thm15:themeFamily xmlns:thm15="http://schemas.microsoft.com/office/thememl/2012/main" name="Office Theme" id="{62F939B6-93AF-4DB8-9C6B-D6C7DFDC589F}" vid="{4A3C46E8-61CC-4603-A589-7422A47A8E4A}"/>
-    </a:ext>
-  </a:extLst>
 </a:theme>
 </file>
 
 <file path=ppt/theme/theme2.xml><?xml version="1.0" encoding="utf-8"?>
-<a:theme xmlns:a="http://schemas.openxmlformats.org/drawingml/2006/main" name="Office">
+<a:theme xmlns:a="http://schemas.openxmlformats.org/drawingml/2006/main" name="Office Theme">
   <a:themeElements>
     <a:clrScheme name="Office">
       <a:dk1>
@@ -14231,106 +12078,46 @@
         <a:sysClr val="window" lastClr="FFFFFF"/>
       </a:lt1>
       <a:dk2>
-        <a:srgbClr val="44546A"/>
+        <a:srgbClr val="44546a"/>
       </a:dk2>
       <a:lt2>
-        <a:srgbClr val="E7E6E6"/>
+        <a:srgbClr val="e7e6e6"/>
       </a:lt2>
       <a:accent1>
-        <a:srgbClr val="5B9BD5"/>
+        <a:srgbClr val="5b9bd5"/>
       </a:accent1>
       <a:accent2>
-        <a:srgbClr val="ED7D31"/>
+        <a:srgbClr val="ed7d31"/>
       </a:accent2>
       <a:accent3>
-        <a:srgbClr val="A5A5A5"/>
+        <a:srgbClr val="a5a5a5"/>
       </a:accent3>
       <a:accent4>
-        <a:srgbClr val="FFC000"/>
+        <a:srgbClr val="ffc000"/>
       </a:accent4>
       <a:accent5>
-        <a:srgbClr val="4472C4"/>
+        <a:srgbClr val="4472c4"/>
       </a:accent5>
       <a:accent6>
-        <a:srgbClr val="70AD47"/>
+        <a:srgbClr val="70ad47"/>
       </a:accent6>
       <a:hlink>
-        <a:srgbClr val="0563C1"/>
+        <a:srgbClr val="0563c1"/>
       </a:hlink>
       <a:folHlink>
-        <a:srgbClr val="954F72"/>
+        <a:srgbClr val="954f72"/>
       </a:folHlink>
     </a:clrScheme>
     <a:fontScheme name="Office">
       <a:majorFont>
-        <a:latin typeface="Calibri Light" panose="020F0302020204030204"/>
-        <a:ea typeface=""/>
-        <a:cs typeface=""/>
-        <a:font script="Jpan" typeface="游ゴシック Light"/>
-        <a:font script="Hang" typeface="맑은 고딕"/>
-        <a:font script="Hans" typeface="等线 Light"/>
-        <a:font script="Hant" typeface="新細明體"/>
-        <a:font script="Arab" typeface="Times New Roman"/>
-        <a:font script="Hebr" typeface="Times New Roman"/>
-        <a:font script="Thai" typeface="Angsana New"/>
-        <a:font script="Ethi" typeface="Nyala"/>
-        <a:font script="Beng" typeface="Vrinda"/>
-        <a:font script="Gujr" typeface="Shruti"/>
-        <a:font script="Khmr" typeface="MoolBoran"/>
-        <a:font script="Knda" typeface="Tunga"/>
-        <a:font script="Guru" typeface="Raavi"/>
-        <a:font script="Cans" typeface="Euphemia"/>
-        <a:font script="Cher" typeface="Plantagenet Cherokee"/>
-        <a:font script="Yiii" typeface="Microsoft Yi Baiti"/>
-        <a:font script="Tibt" typeface="Microsoft Himalaya"/>
-        <a:font script="Thaa" typeface="MV Boli"/>
-        <a:font script="Deva" typeface="Mangal"/>
-        <a:font script="Telu" typeface="Gautami"/>
-        <a:font script="Taml" typeface="Latha"/>
-        <a:font script="Syrc" typeface="Estrangelo Edessa"/>
-        <a:font script="Orya" typeface="Kalinga"/>
-        <a:font script="Mlym" typeface="Kartika"/>
-        <a:font script="Laoo" typeface="DokChampa"/>
-        <a:font script="Sinh" typeface="Iskoola Pota"/>
-        <a:font script="Mong" typeface="Mongolian Baiti"/>
-        <a:font script="Viet" typeface="Times New Roman"/>
-        <a:font script="Uigh" typeface="Microsoft Uighur"/>
-        <a:font script="Geor" typeface="Sylfaen"/>
+        <a:latin typeface="Arial"/>
+        <a:ea typeface="DejaVu Sans"/>
+        <a:cs typeface="DejaVu Sans"/>
       </a:majorFont>
       <a:minorFont>
-        <a:latin typeface="Calibri" panose="020F0502020204030204"/>
-        <a:ea typeface=""/>
-        <a:cs typeface=""/>
-        <a:font script="Jpan" typeface="游ゴシック"/>
-        <a:font script="Hang" typeface="맑은 고딕"/>
-        <a:font script="Hans" typeface="等线"/>
-        <a:font script="Hant" typeface="新細明體"/>
-        <a:font script="Arab" typeface="Arial"/>
-        <a:font script="Hebr" typeface="Arial"/>
-        <a:font script="Thai" typeface="Cordia New"/>
-        <a:font script="Ethi" typeface="Nyala"/>
-        <a:font script="Beng" typeface="Vrinda"/>
-        <a:font script="Gujr" typeface="Shruti"/>
-        <a:font script="Khmr" typeface="DaunPenh"/>
-        <a:font script="Knda" typeface="Tunga"/>
-        <a:font script="Guru" typeface="Raavi"/>
-        <a:font script="Cans" typeface="Euphemia"/>
-        <a:font script="Cher" typeface="Plantagenet Cherokee"/>
-        <a:font script="Yiii" typeface="Microsoft Yi Baiti"/>
-        <a:font script="Tibt" typeface="Microsoft Himalaya"/>
-        <a:font script="Thaa" typeface="MV Boli"/>
-        <a:font script="Deva" typeface="Mangal"/>
-        <a:font script="Telu" typeface="Gautami"/>
-        <a:font script="Taml" typeface="Latha"/>
-        <a:font script="Syrc" typeface="Estrangelo Edessa"/>
-        <a:font script="Orya" typeface="Kalinga"/>
-        <a:font script="Mlym" typeface="Kartika"/>
-        <a:font script="Laoo" typeface="DokChampa"/>
-        <a:font script="Sinh" typeface="Iskoola Pota"/>
-        <a:font script="Mong" typeface="Mongolian Baiti"/>
-        <a:font script="Viet" typeface="Arial"/>
-        <a:font script="Uigh" typeface="Microsoft Uighur"/>
-        <a:font script="Geor" typeface="Sylfaen"/>
+        <a:latin typeface="Arial"/>
+        <a:ea typeface="DejaVu Sans"/>
+        <a:cs typeface="DejaVu Sans"/>
       </a:minorFont>
     </a:fontScheme>
     <a:fmtScheme name="Office">
@@ -14342,141 +12129,166 @@
           <a:gsLst>
             <a:gs pos="0">
               <a:schemeClr val="phClr">
-                <a:lumMod val="110000"/>
-                <a:satMod val="105000"/>
-                <a:tint val="67000"/>
+                <a:tint val="50000"/>
+                <a:satMod val="300000"/>
               </a:schemeClr>
             </a:gs>
-            <a:gs pos="50000">
+            <a:gs pos="35000">
               <a:schemeClr val="phClr">
-                <a:lumMod val="105000"/>
-                <a:satMod val="103000"/>
-                <a:tint val="73000"/>
+                <a:tint val="37000"/>
+                <a:satMod val="300000"/>
               </a:schemeClr>
             </a:gs>
             <a:gs pos="100000">
               <a:schemeClr val="phClr">
-                <a:lumMod val="105000"/>
-                <a:satMod val="109000"/>
-                <a:tint val="81000"/>
+                <a:tint val="15000"/>
+                <a:satMod val="350000"/>
               </a:schemeClr>
             </a:gs>
           </a:gsLst>
-          <a:lin ang="5400000" scaled="0"/>
+          <a:lin ang="16200000" scaled="1"/>
         </a:gradFill>
         <a:gradFill rotWithShape="1">
           <a:gsLst>
             <a:gs pos="0">
               <a:schemeClr val="phClr">
-                <a:satMod val="103000"/>
-                <a:lumMod val="102000"/>
-                <a:tint val="94000"/>
+                <a:shade val="51000"/>
+                <a:satMod val="130000"/>
               </a:schemeClr>
             </a:gs>
-            <a:gs pos="50000">
+            <a:gs pos="80000">
               <a:schemeClr val="phClr">
-                <a:satMod val="110000"/>
-                <a:lumMod val="100000"/>
-                <a:shade val="100000"/>
+                <a:shade val="93000"/>
+                <a:satMod val="130000"/>
               </a:schemeClr>
             </a:gs>
             <a:gs pos="100000">
               <a:schemeClr val="phClr">
-                <a:lumMod val="99000"/>
-                <a:satMod val="120000"/>
-                <a:shade val="78000"/>
+                <a:shade val="94000"/>
+                <a:satMod val="135000"/>
               </a:schemeClr>
             </a:gs>
           </a:gsLst>
-          <a:lin ang="5400000" scaled="0"/>
+          <a:lin ang="16200000" scaled="0"/>
         </a:gradFill>
       </a:fillStyleLst>
       <a:lnStyleLst>
-        <a:ln w="6350" cap="flat" cmpd="sng" algn="ctr">
+        <a:ln w="9525" cap="flat" cmpd="sng" algn="ctr">
+          <a:solidFill>
+            <a:schemeClr val="phClr">
+              <a:shade val="95000"/>
+              <a:satMod val="105000"/>
+            </a:schemeClr>
+          </a:solidFill>
+          <a:prstDash val="solid"/>
+          <a:miter/>
+        </a:ln>
+        <a:ln w="25400" cap="flat" cmpd="sng" algn="ctr">
           <a:solidFill>
             <a:schemeClr val="phClr"/>
           </a:solidFill>
           <a:prstDash val="solid"/>
-          <a:miter lim="800000"/>
+          <a:miter/>
         </a:ln>
-        <a:ln w="12700" cap="flat" cmpd="sng" algn="ctr">
+        <a:ln w="38100" cap="flat" cmpd="sng" algn="ctr">
           <a:solidFill>
             <a:schemeClr val="phClr"/>
           </a:solidFill>
           <a:prstDash val="solid"/>
-          <a:miter lim="800000"/>
-        </a:ln>
-        <a:ln w="19050" cap="flat" cmpd="sng" algn="ctr">
-          <a:solidFill>
-            <a:schemeClr val="phClr"/>
-          </a:solidFill>
-          <a:prstDash val="solid"/>
-          <a:miter lim="800000"/>
+          <a:miter/>
         </a:ln>
       </a:lnStyleLst>
       <a:effectStyleLst>
         <a:effectStyle>
-          <a:effectLst/>
-        </a:effectStyle>
-        <a:effectStyle>
-          <a:effectLst/>
+          <a:effectLst>
+            <a:outerShdw blurRad="40000" dist="20000" dir="5400000" rotWithShape="0">
+              <a:srgbClr val="000000">
+                <a:alpha val="38000"/>
+              </a:srgbClr>
+            </a:outerShdw>
+          </a:effectLst>
         </a:effectStyle>
         <a:effectStyle>
           <a:effectLst>
-            <a:outerShdw blurRad="57150" dist="19050" dir="5400000" algn="ctr" rotWithShape="0">
+            <a:outerShdw blurRad="40000" dist="23000" dir="5400000" rotWithShape="0">
               <a:srgbClr val="000000">
-                <a:alpha val="63000"/>
+                <a:alpha val="35000"/>
               </a:srgbClr>
             </a:outerShdw>
           </a:effectLst>
+        </a:effectStyle>
+        <a:effectStyle>
+          <a:effectLst>
+            <a:outerShdw blurRad="40000" dist="23000" dir="5400000" rotWithShape="0">
+              <a:srgbClr val="000000">
+                <a:alpha val="35000"/>
+              </a:srgbClr>
+            </a:outerShdw>
+          </a:effectLst>
+          <a:scene3d>
+            <a:camera prst="orthographicFront">
+              <a:rot lat="0" lon="0" rev="0"/>
+            </a:camera>
+            <a:lightRig rig="threePt" dir="t">
+              <a:rot lat="0" lon="0" rev="1200000"/>
+            </a:lightRig>
+          </a:scene3d>
+          <a:sp3d>
+            <a:bevelT w="63500" h="25400"/>
+          </a:sp3d>
         </a:effectStyle>
       </a:effectStyleLst>
       <a:bgFillStyleLst>
         <a:solidFill>
           <a:schemeClr val="phClr"/>
         </a:solidFill>
-        <a:solidFill>
-          <a:schemeClr val="phClr">
-            <a:tint val="95000"/>
-            <a:satMod val="170000"/>
-          </a:schemeClr>
-        </a:solidFill>
         <a:gradFill rotWithShape="1">
           <a:gsLst>
             <a:gs pos="0">
               <a:schemeClr val="phClr">
-                <a:tint val="93000"/>
-                <a:satMod val="150000"/>
-                <a:shade val="98000"/>
-                <a:lumMod val="102000"/>
+                <a:tint val="40000"/>
+                <a:satMod val="350000"/>
               </a:schemeClr>
             </a:gs>
-            <a:gs pos="50000">
+            <a:gs pos="40000">
               <a:schemeClr val="phClr">
-                <a:tint val="98000"/>
-                <a:satMod val="130000"/>
-                <a:shade val="90000"/>
-                <a:lumMod val="103000"/>
+                <a:tint val="45000"/>
+                <a:shade val="99000"/>
+                <a:satMod val="350000"/>
               </a:schemeClr>
             </a:gs>
             <a:gs pos="100000">
               <a:schemeClr val="phClr">
-                <a:shade val="63000"/>
-                <a:satMod val="120000"/>
+                <a:shade val="20000"/>
+                <a:satMod val="255000"/>
               </a:schemeClr>
             </a:gs>
           </a:gsLst>
-          <a:lin ang="5400000" scaled="0"/>
+          <a:path path="circle">
+            <a:fillToRect l="50000" t="-80000" r="50000" b="180000"/>
+          </a:path>
+        </a:gradFill>
+        <a:gradFill rotWithShape="1">
+          <a:gsLst>
+            <a:gs pos="0">
+              <a:schemeClr val="phClr">
+                <a:tint val="80000"/>
+                <a:satMod val="300000"/>
+              </a:schemeClr>
+            </a:gs>
+            <a:gs pos="100000">
+              <a:schemeClr val="phClr">
+                <a:shade val="30000"/>
+                <a:satMod val="200000"/>
+              </a:schemeClr>
+            </a:gs>
+          </a:gsLst>
+          <a:path path="circle">
+            <a:fillToRect l="50000" t="50000" r="50000" b="50000"/>
+          </a:path>
         </a:gradFill>
       </a:bgFillStyleLst>
     </a:fmtScheme>
   </a:themeElements>
-  <a:objectDefaults/>
-  <a:extraClrSchemeLst/>
-  <a:extLst>
-    <a:ext uri="{05A4C25C-085E-4340-85A3-A5531E510DB2}">
-      <thm15:themeFamily xmlns:thm15="http://schemas.microsoft.com/office/thememl/2012/main" name="Office Theme" id="{62F939B6-93AF-4DB8-9C6B-D6C7DFDC589F}" vid="{4A3C46E8-61CC-4603-A589-7422A47A8E4A}"/>
-    </a:ext>
-  </a:extLst>
 </a:theme>
 </file>